--- a/trunk/files/persentasi.pptx
+++ b/trunk/files/persentasi.pptx
@@ -4,22 +4,26 @@
   <p:sldMasterIdLst>
     <p:sldMasterId id="2147483648" r:id="rId1"/>
   </p:sldMasterIdLst>
+  <p:notesMasterIdLst>
+    <p:notesMasterId r:id="rId18"/>
+  </p:notesMasterIdLst>
   <p:sldIdLst>
     <p:sldId id="256" r:id="rId2"/>
     <p:sldId id="270" r:id="rId3"/>
     <p:sldId id="257" r:id="rId4"/>
     <p:sldId id="262" r:id="rId5"/>
-    <p:sldId id="258" r:id="rId6"/>
-    <p:sldId id="263" r:id="rId7"/>
-    <p:sldId id="265" r:id="rId8"/>
-    <p:sldId id="266" r:id="rId9"/>
-    <p:sldId id="259" r:id="rId10"/>
-    <p:sldId id="264" r:id="rId11"/>
-    <p:sldId id="271" r:id="rId12"/>
-    <p:sldId id="272" r:id="rId13"/>
-    <p:sldId id="267" r:id="rId14"/>
-    <p:sldId id="268" r:id="rId15"/>
-    <p:sldId id="269" r:id="rId16"/>
+    <p:sldId id="273" r:id="rId6"/>
+    <p:sldId id="258" r:id="rId7"/>
+    <p:sldId id="276" r:id="rId8"/>
+    <p:sldId id="274" r:id="rId9"/>
+    <p:sldId id="275" r:id="rId10"/>
+    <p:sldId id="259" r:id="rId11"/>
+    <p:sldId id="264" r:id="rId12"/>
+    <p:sldId id="271" r:id="rId13"/>
+    <p:sldId id="272" r:id="rId14"/>
+    <p:sldId id="267" r:id="rId15"/>
+    <p:sldId id="277" r:id="rId16"/>
+    <p:sldId id="269" r:id="rId17"/>
   </p:sldIdLst>
   <p:sldSz cx="9144000" cy="6858000" type="screen4x3"/>
   <p:notesSz cx="6858000" cy="9144000"/>
@@ -1374,6 +1378,13 @@
         </dgm:presLayoutVars>
       </dgm:prSet>
       <dgm:spPr/>
+      <dgm:t>
+        <a:bodyPr/>
+        <a:lstStyle/>
+        <a:p>
+          <a:endParaRPr lang="en-US"/>
+        </a:p>
+      </dgm:t>
     </dgm:pt>
     <dgm:pt modelId="{73732A9A-AB75-44D9-AB43-14106009AF2C}" type="pres">
       <dgm:prSet presAssocID="{915CBF17-5122-462B-B73A-55E5DDC1E9C5}" presName="vertOne" presStyleCnt="0"/>
@@ -1386,6 +1397,13 @@
         </dgm:presLayoutVars>
       </dgm:prSet>
       <dgm:spPr/>
+      <dgm:t>
+        <a:bodyPr/>
+        <a:lstStyle/>
+        <a:p>
+          <a:endParaRPr lang="en-US"/>
+        </a:p>
+      </dgm:t>
     </dgm:pt>
     <dgm:pt modelId="{958F9A97-3C05-4D83-A5A2-666913AE194F}" type="pres">
       <dgm:prSet presAssocID="{915CBF17-5122-462B-B73A-55E5DDC1E9C5}" presName="parTransOne" presStyleCnt="0"/>
@@ -1406,6 +1424,13 @@
         </dgm:presLayoutVars>
       </dgm:prSet>
       <dgm:spPr/>
+      <dgm:t>
+        <a:bodyPr/>
+        <a:lstStyle/>
+        <a:p>
+          <a:endParaRPr lang="en-US"/>
+        </a:p>
+      </dgm:t>
     </dgm:pt>
     <dgm:pt modelId="{7D19FA54-1AE0-42FD-BE6C-DEAFB76B5F71}" type="pres">
       <dgm:prSet presAssocID="{213F9D54-9147-4DFB-B702-7322F0100581}" presName="parTransTwo" presStyleCnt="0"/>
@@ -1426,6 +1451,13 @@
         </dgm:presLayoutVars>
       </dgm:prSet>
       <dgm:spPr/>
+      <dgm:t>
+        <a:bodyPr/>
+        <a:lstStyle/>
+        <a:p>
+          <a:endParaRPr lang="en-US"/>
+        </a:p>
+      </dgm:t>
     </dgm:pt>
     <dgm:pt modelId="{BECF0FC0-CA1B-462D-AE33-4363D731515F}" type="pres">
       <dgm:prSet presAssocID="{BE36ECFA-36BE-45B1-B9B9-2A6464CA12C2}" presName="horzThree" presStyleCnt="0"/>
@@ -1446,6 +1478,13 @@
         </dgm:presLayoutVars>
       </dgm:prSet>
       <dgm:spPr/>
+      <dgm:t>
+        <a:bodyPr/>
+        <a:lstStyle/>
+        <a:p>
+          <a:endParaRPr lang="en-US"/>
+        </a:p>
+      </dgm:t>
     </dgm:pt>
     <dgm:pt modelId="{6B2E1300-E013-45E2-9011-6A8960A1024A}" type="pres">
       <dgm:prSet presAssocID="{98681AF0-851F-4995-AD48-64BA4F6B49D3}" presName="horzThree" presStyleCnt="0"/>
@@ -1466,6 +1505,13 @@
         </dgm:presLayoutVars>
       </dgm:prSet>
       <dgm:spPr/>
+      <dgm:t>
+        <a:bodyPr/>
+        <a:lstStyle/>
+        <a:p>
+          <a:endParaRPr lang="en-US"/>
+        </a:p>
+      </dgm:t>
     </dgm:pt>
     <dgm:pt modelId="{4CD6B053-9764-4D09-9147-D4AB1FD2B643}" type="pres">
       <dgm:prSet presAssocID="{A8313513-CE17-474E-A92C-7A1E8628245E}" presName="horzThree" presStyleCnt="0"/>
@@ -1486,6 +1532,13 @@
         </dgm:presLayoutVars>
       </dgm:prSet>
       <dgm:spPr/>
+      <dgm:t>
+        <a:bodyPr/>
+        <a:lstStyle/>
+        <a:p>
+          <a:endParaRPr lang="en-US"/>
+        </a:p>
+      </dgm:t>
     </dgm:pt>
     <dgm:pt modelId="{D7E94DFD-ACC2-4248-8B71-B6F9F0898A1A}" type="pres">
       <dgm:prSet presAssocID="{1241AD53-2AAD-491B-95D4-E926D580CADF}" presName="horzThree" presStyleCnt="0"/>
@@ -1506,6 +1559,13 @@
         </dgm:presLayoutVars>
       </dgm:prSet>
       <dgm:spPr/>
+      <dgm:t>
+        <a:bodyPr/>
+        <a:lstStyle/>
+        <a:p>
+          <a:endParaRPr lang="en-US"/>
+        </a:p>
+      </dgm:t>
     </dgm:pt>
     <dgm:pt modelId="{BC0095C3-7608-4CA8-BFB8-E1537E4B24E5}" type="pres">
       <dgm:prSet presAssocID="{520B97ED-2974-45FC-95B5-90614AC4915A}" presName="parTransTwo" presStyleCnt="0"/>
@@ -1526,6 +1586,13 @@
         </dgm:presLayoutVars>
       </dgm:prSet>
       <dgm:spPr/>
+      <dgm:t>
+        <a:bodyPr/>
+        <a:lstStyle/>
+        <a:p>
+          <a:endParaRPr lang="en-US"/>
+        </a:p>
+      </dgm:t>
     </dgm:pt>
     <dgm:pt modelId="{D1ABD4DF-CC41-4323-8F80-2166428DABC4}" type="pres">
       <dgm:prSet presAssocID="{9BA24A6F-031B-4B7F-9C39-D8CD756B59CE}" presName="horzThree" presStyleCnt="0"/>
@@ -1546,6 +1613,13 @@
         </dgm:presLayoutVars>
       </dgm:prSet>
       <dgm:spPr/>
+      <dgm:t>
+        <a:bodyPr/>
+        <a:lstStyle/>
+        <a:p>
+          <a:endParaRPr lang="en-US"/>
+        </a:p>
+      </dgm:t>
     </dgm:pt>
     <dgm:pt modelId="{59C24F3F-B023-47ED-B51E-F1D8BA121FDB}" type="pres">
       <dgm:prSet presAssocID="{6D68CA5A-1561-4293-8226-1614C1DE76BF}" presName="horzThree" presStyleCnt="0"/>
@@ -1566,6 +1640,13 @@
         </dgm:presLayoutVars>
       </dgm:prSet>
       <dgm:spPr/>
+      <dgm:t>
+        <a:bodyPr/>
+        <a:lstStyle/>
+        <a:p>
+          <a:endParaRPr lang="en-US"/>
+        </a:p>
+      </dgm:t>
     </dgm:pt>
     <dgm:pt modelId="{5F56D2C4-A836-4440-AEC9-A43B175D41E7}" type="pres">
       <dgm:prSet presAssocID="{3CDBF70F-6644-4CD4-B99A-42E94E7D788A}" presName="horzThree" presStyleCnt="0"/>
@@ -1586,6 +1667,13 @@
         </dgm:presLayoutVars>
       </dgm:prSet>
       <dgm:spPr/>
+      <dgm:t>
+        <a:bodyPr/>
+        <a:lstStyle/>
+        <a:p>
+          <a:endParaRPr lang="en-US"/>
+        </a:p>
+      </dgm:t>
     </dgm:pt>
     <dgm:pt modelId="{2DAC9277-A930-447B-9B18-7A6A0C316A66}" type="pres">
       <dgm:prSet presAssocID="{00837C92-CCB9-4E34-8EF4-CE0C76A7A4CD}" presName="parTransTwo" presStyleCnt="0"/>
@@ -1606,6 +1694,13 @@
         </dgm:presLayoutVars>
       </dgm:prSet>
       <dgm:spPr/>
+      <dgm:t>
+        <a:bodyPr/>
+        <a:lstStyle/>
+        <a:p>
+          <a:endParaRPr lang="en-US"/>
+        </a:p>
+      </dgm:t>
     </dgm:pt>
     <dgm:pt modelId="{2CC6226E-2129-46FD-B57F-EA24ED40FC12}" type="pres">
       <dgm:prSet presAssocID="{3200EC7B-16BB-4909-8994-95FA26527352}" presName="horzThree" presStyleCnt="0"/>
@@ -1626,6 +1721,13 @@
         </dgm:presLayoutVars>
       </dgm:prSet>
       <dgm:spPr/>
+      <dgm:t>
+        <a:bodyPr/>
+        <a:lstStyle/>
+        <a:p>
+          <a:endParaRPr lang="en-US"/>
+        </a:p>
+      </dgm:t>
     </dgm:pt>
     <dgm:pt modelId="{9B7FEF86-9586-441C-A80C-5648C5C393E3}" type="pres">
       <dgm:prSet presAssocID="{832135FC-818C-4FFD-99F4-56F073369E66}" presName="horzThree" presStyleCnt="0"/>
@@ -1633,33 +1735,33 @@
     </dgm:pt>
   </dgm:ptLst>
   <dgm:cxnLst>
-    <dgm:cxn modelId="{4B5B10D3-543B-49EC-9BD3-68BA6557B7F4}" srcId="{9229B0C1-5C9E-47D4-BAEF-6A85F9380226}" destId="{915CBF17-5122-462B-B73A-55E5DDC1E9C5}" srcOrd="0" destOrd="0" parTransId="{D8B600AA-0B47-46DD-A2AF-47B6286E1961}" sibTransId="{2D947F45-6C8A-40C4-BAEA-E99930331E57}"/>
+    <dgm:cxn modelId="{D5AC6FCF-A3FA-48DA-AA4F-32932585A25B}" type="presOf" srcId="{6D68CA5A-1561-4293-8226-1614C1DE76BF}" destId="{49CE1754-DBDF-468E-828A-C3BAE1039F2A}" srcOrd="0" destOrd="0" presId="urn:microsoft.com/office/officeart/2005/8/layout/hierarchy4"/>
+    <dgm:cxn modelId="{B3A4CF70-5C7E-4BED-80AC-E600AA206488}" type="presOf" srcId="{A8313513-CE17-474E-A92C-7A1E8628245E}" destId="{70C28564-2AF7-48F1-BBA8-0753DBDC7E75}" srcOrd="0" destOrd="0" presId="urn:microsoft.com/office/officeart/2005/8/layout/hierarchy4"/>
+    <dgm:cxn modelId="{5B5DAA61-F842-4BCE-97B0-0750782AED13}" type="presOf" srcId="{9229B0C1-5C9E-47D4-BAEF-6A85F9380226}" destId="{F951BD64-52A2-493D-B516-2D4FB598E187}" srcOrd="0" destOrd="0" presId="urn:microsoft.com/office/officeart/2005/8/layout/hierarchy4"/>
     <dgm:cxn modelId="{6D6537CB-D0AF-4FE6-9B0E-6109A78488F8}" type="presOf" srcId="{3CDBF70F-6644-4CD4-B99A-42E94E7D788A}" destId="{4E0B0E49-4671-4114-B603-2F9CC8EE03F7}" srcOrd="0" destOrd="0" presId="urn:microsoft.com/office/officeart/2005/8/layout/hierarchy4"/>
     <dgm:cxn modelId="{9B1BB14B-0F26-4B81-9533-666927B9A7C3}" srcId="{915CBF17-5122-462B-B73A-55E5DDC1E9C5}" destId="{213F9D54-9147-4DFB-B702-7322F0100581}" srcOrd="0" destOrd="0" parTransId="{C03092E9-39CD-49E7-8864-B0E1432ECF44}" sibTransId="{C0354165-28C9-40A3-B106-6569E2A80E8B}"/>
-    <dgm:cxn modelId="{CA37DA77-F641-43D9-90E0-0853325F662C}" type="presOf" srcId="{520B97ED-2974-45FC-95B5-90614AC4915A}" destId="{8960070D-7601-4DA8-A744-B2B41E23DD79}" srcOrd="0" destOrd="0" presId="urn:microsoft.com/office/officeart/2005/8/layout/hierarchy4"/>
-    <dgm:cxn modelId="{65235A2A-0A24-47C4-82CF-634065D7B24B}" type="presOf" srcId="{3200EC7B-16BB-4909-8994-95FA26527352}" destId="{1BDC987B-9F35-4F03-B050-E2476181AD79}" srcOrd="0" destOrd="0" presId="urn:microsoft.com/office/officeart/2005/8/layout/hierarchy4"/>
-    <dgm:cxn modelId="{5AF4F4A0-8651-4480-9B31-29C604A3726F}" srcId="{213F9D54-9147-4DFB-B702-7322F0100581}" destId="{BE36ECFA-36BE-45B1-B9B9-2A6464CA12C2}" srcOrd="0" destOrd="0" parTransId="{AB8A1E84-8F14-4D6A-BFA4-80EE58F7C2BB}" sibTransId="{0C854609-7227-4884-A242-5A1EE631DA6A}"/>
-    <dgm:cxn modelId="{D5AC6FCF-A3FA-48DA-AA4F-32932585A25B}" type="presOf" srcId="{6D68CA5A-1561-4293-8226-1614C1DE76BF}" destId="{49CE1754-DBDF-468E-828A-C3BAE1039F2A}" srcOrd="0" destOrd="0" presId="urn:microsoft.com/office/officeart/2005/8/layout/hierarchy4"/>
-    <dgm:cxn modelId="{29AC88F1-D1A4-4513-B28A-70CCCCBA6441}" srcId="{915CBF17-5122-462B-B73A-55E5DDC1E9C5}" destId="{520B97ED-2974-45FC-95B5-90614AC4915A}" srcOrd="1" destOrd="0" parTransId="{E91406D4-4286-4F28-8FB3-839572412465}" sibTransId="{50E75980-8720-43C1-81EF-8D77B77D68A6}"/>
+    <dgm:cxn modelId="{6B91347A-0561-40C7-89E6-81D93283ED43}" type="presOf" srcId="{BE36ECFA-36BE-45B1-B9B9-2A6464CA12C2}" destId="{47B2295A-2028-4FBD-9082-C5C980149FBB}" srcOrd="0" destOrd="0" presId="urn:microsoft.com/office/officeart/2005/8/layout/hierarchy4"/>
+    <dgm:cxn modelId="{9D26B26C-832D-4386-8EDF-220E026F42E1}" srcId="{00837C92-CCB9-4E34-8EF4-CE0C76A7A4CD}" destId="{832135FC-818C-4FFD-99F4-56F073369E66}" srcOrd="1" destOrd="0" parTransId="{74DA01A6-8355-43BC-B1AC-797446EB16DB}" sibTransId="{106C9F27-43FC-404B-A0AE-0FE0EB61C813}"/>
+    <dgm:cxn modelId="{47CB279B-84B1-4D06-BEE4-2AC46D20964D}" srcId="{213F9D54-9147-4DFB-B702-7322F0100581}" destId="{A8313513-CE17-474E-A92C-7A1E8628245E}" srcOrd="2" destOrd="0" parTransId="{0C6F0103-2D18-4862-9EAB-F4B229F6E7A2}" sibTransId="{8E75C384-5ED6-4D63-9D59-E9EE70906AEA}"/>
+    <dgm:cxn modelId="{C8F2BC87-72B5-477D-827E-CCC96EC54D0A}" srcId="{00837C92-CCB9-4E34-8EF4-CE0C76A7A4CD}" destId="{3200EC7B-16BB-4909-8994-95FA26527352}" srcOrd="0" destOrd="0" parTransId="{F30CEEA9-A7D2-4295-A233-1FC1153DDC41}" sibTransId="{373D998F-1AF8-4C07-A213-D2CCCD3D8C67}"/>
     <dgm:cxn modelId="{B6E8D7B7-5536-4A35-8A7E-83B010F72A4D}" srcId="{213F9D54-9147-4DFB-B702-7322F0100581}" destId="{98681AF0-851F-4995-AD48-64BA4F6B49D3}" srcOrd="1" destOrd="0" parTransId="{EF207975-FA5B-4794-9385-8A66EA59A476}" sibTransId="{A5D83E67-ECF3-469D-AB5A-17622E7D5211}"/>
-    <dgm:cxn modelId="{9D26B26C-832D-4386-8EDF-220E026F42E1}" srcId="{00837C92-CCB9-4E34-8EF4-CE0C76A7A4CD}" destId="{832135FC-818C-4FFD-99F4-56F073369E66}" srcOrd="1" destOrd="0" parTransId="{74DA01A6-8355-43BC-B1AC-797446EB16DB}" sibTransId="{106C9F27-43FC-404B-A0AE-0FE0EB61C813}"/>
-    <dgm:cxn modelId="{C8F2BC87-72B5-477D-827E-CCC96EC54D0A}" srcId="{00837C92-CCB9-4E34-8EF4-CE0C76A7A4CD}" destId="{3200EC7B-16BB-4909-8994-95FA26527352}" srcOrd="0" destOrd="0" parTransId="{F30CEEA9-A7D2-4295-A233-1FC1153DDC41}" sibTransId="{373D998F-1AF8-4C07-A213-D2CCCD3D8C67}"/>
-    <dgm:cxn modelId="{4D1E5975-2FC5-4160-89AC-1ADCC8F8FEFC}" type="presOf" srcId="{213F9D54-9147-4DFB-B702-7322F0100581}" destId="{1FB99F11-3263-4F86-841F-C6975F2A7C23}" srcOrd="0" destOrd="0" presId="urn:microsoft.com/office/officeart/2005/8/layout/hierarchy4"/>
-    <dgm:cxn modelId="{4279A915-09B3-46C0-8D45-0107848CEF9C}" type="presOf" srcId="{9BA24A6F-031B-4B7F-9C39-D8CD756B59CE}" destId="{8654493A-1736-42D9-A792-C7D5B6264964}" srcOrd="0" destOrd="0" presId="urn:microsoft.com/office/officeart/2005/8/layout/hierarchy4"/>
-    <dgm:cxn modelId="{6B91347A-0561-40C7-89E6-81D93283ED43}" type="presOf" srcId="{BE36ECFA-36BE-45B1-B9B9-2A6464CA12C2}" destId="{47B2295A-2028-4FBD-9082-C5C980149FBB}" srcOrd="0" destOrd="0" presId="urn:microsoft.com/office/officeart/2005/8/layout/hierarchy4"/>
-    <dgm:cxn modelId="{AD2B966A-F463-450C-ADD0-B748AAB39E49}" srcId="{915CBF17-5122-462B-B73A-55E5DDC1E9C5}" destId="{00837C92-CCB9-4E34-8EF4-CE0C76A7A4CD}" srcOrd="2" destOrd="0" parTransId="{DB9AC283-0D24-44B6-B1C2-40820CA4EE7E}" sibTransId="{A4EDB4A6-FA2D-4846-9862-ECA0F4686235}"/>
-    <dgm:cxn modelId="{3BB27F45-F759-4AA7-92E5-9FA59C8CB167}" srcId="{213F9D54-9147-4DFB-B702-7322F0100581}" destId="{1241AD53-2AAD-491B-95D4-E926D580CADF}" srcOrd="3" destOrd="0" parTransId="{18B56EA6-D8BF-4ECF-93C7-D5578A8C8E74}" sibTransId="{0845218B-64A7-4D18-8A0E-0A361CE703FB}"/>
-    <dgm:cxn modelId="{5755AD0F-EBE5-4996-97CC-D9ED7422371C}" type="presOf" srcId="{832135FC-818C-4FFD-99F4-56F073369E66}" destId="{8E81DB21-FB2E-4905-8A8A-6505207BC4C0}" srcOrd="0" destOrd="0" presId="urn:microsoft.com/office/officeart/2005/8/layout/hierarchy4"/>
-    <dgm:cxn modelId="{D055CA10-E438-498B-A903-CC2AF65C345D}" type="presOf" srcId="{98681AF0-851F-4995-AD48-64BA4F6B49D3}" destId="{DF4CBA55-0850-4969-886B-87DBB68FD370}" srcOrd="0" destOrd="0" presId="urn:microsoft.com/office/officeart/2005/8/layout/hierarchy4"/>
-    <dgm:cxn modelId="{F27392F7-752E-4362-A510-7342B7D32627}" type="presOf" srcId="{00837C92-CCB9-4E34-8EF4-CE0C76A7A4CD}" destId="{01A8407F-198D-4356-98B0-17DE11C05A83}" srcOrd="0" destOrd="0" presId="urn:microsoft.com/office/officeart/2005/8/layout/hierarchy4"/>
-    <dgm:cxn modelId="{FB87EC1C-4C38-4234-87F3-BED6A00FFBCA}" srcId="{520B97ED-2974-45FC-95B5-90614AC4915A}" destId="{3CDBF70F-6644-4CD4-B99A-42E94E7D788A}" srcOrd="2" destOrd="0" parTransId="{D6804E20-A15C-4946-A04F-AD7922CDC924}" sibTransId="{0181D6A3-A3B4-466F-99F5-77ED94E9E218}"/>
-    <dgm:cxn modelId="{47CB279B-84B1-4D06-BEE4-2AC46D20964D}" srcId="{213F9D54-9147-4DFB-B702-7322F0100581}" destId="{A8313513-CE17-474E-A92C-7A1E8628245E}" srcOrd="2" destOrd="0" parTransId="{0C6F0103-2D18-4862-9EAB-F4B229F6E7A2}" sibTransId="{8E75C384-5ED6-4D63-9D59-E9EE70906AEA}"/>
+    <dgm:cxn modelId="{4B5B10D3-543B-49EC-9BD3-68BA6557B7F4}" srcId="{9229B0C1-5C9E-47D4-BAEF-6A85F9380226}" destId="{915CBF17-5122-462B-B73A-55E5DDC1E9C5}" srcOrd="0" destOrd="0" parTransId="{D8B600AA-0B47-46DD-A2AF-47B6286E1961}" sibTransId="{2D947F45-6C8A-40C4-BAEA-E99930331E57}"/>
     <dgm:cxn modelId="{B3FC78A1-1C89-404F-B299-02289EF5E10B}" srcId="{520B97ED-2974-45FC-95B5-90614AC4915A}" destId="{6D68CA5A-1561-4293-8226-1614C1DE76BF}" srcOrd="1" destOrd="0" parTransId="{E7805D09-53A3-475E-9A75-0443A119A4B5}" sibTransId="{AA9EA1B9-6DC5-46C7-95F5-231740AEBDC8}"/>
     <dgm:cxn modelId="{0CEB312F-0A2A-417F-AA78-DA1F5E88D49A}" type="presOf" srcId="{915CBF17-5122-462B-B73A-55E5DDC1E9C5}" destId="{D7E0B108-65E2-4C75-8C3F-94B79D7FAEEA}" srcOrd="0" destOrd="0" presId="urn:microsoft.com/office/officeart/2005/8/layout/hierarchy4"/>
-    <dgm:cxn modelId="{B3A4CF70-5C7E-4BED-80AC-E600AA206488}" type="presOf" srcId="{A8313513-CE17-474E-A92C-7A1E8628245E}" destId="{70C28564-2AF7-48F1-BBA8-0753DBDC7E75}" srcOrd="0" destOrd="0" presId="urn:microsoft.com/office/officeart/2005/8/layout/hierarchy4"/>
-    <dgm:cxn modelId="{5B5DAA61-F842-4BCE-97B0-0750782AED13}" type="presOf" srcId="{9229B0C1-5C9E-47D4-BAEF-6A85F9380226}" destId="{F951BD64-52A2-493D-B516-2D4FB598E187}" srcOrd="0" destOrd="0" presId="urn:microsoft.com/office/officeart/2005/8/layout/hierarchy4"/>
+    <dgm:cxn modelId="{3BB27F45-F759-4AA7-92E5-9FA59C8CB167}" srcId="{213F9D54-9147-4DFB-B702-7322F0100581}" destId="{1241AD53-2AAD-491B-95D4-E926D580CADF}" srcOrd="3" destOrd="0" parTransId="{18B56EA6-D8BF-4ECF-93C7-D5578A8C8E74}" sibTransId="{0845218B-64A7-4D18-8A0E-0A361CE703FB}"/>
+    <dgm:cxn modelId="{CA37DA77-F641-43D9-90E0-0853325F662C}" type="presOf" srcId="{520B97ED-2974-45FC-95B5-90614AC4915A}" destId="{8960070D-7601-4DA8-A744-B2B41E23DD79}" srcOrd="0" destOrd="0" presId="urn:microsoft.com/office/officeart/2005/8/layout/hierarchy4"/>
+    <dgm:cxn modelId="{AD2B966A-F463-450C-ADD0-B748AAB39E49}" srcId="{915CBF17-5122-462B-B73A-55E5DDC1E9C5}" destId="{00837C92-CCB9-4E34-8EF4-CE0C76A7A4CD}" srcOrd="2" destOrd="0" parTransId="{DB9AC283-0D24-44B6-B1C2-40820CA4EE7E}" sibTransId="{A4EDB4A6-FA2D-4846-9862-ECA0F4686235}"/>
+    <dgm:cxn modelId="{FB87EC1C-4C38-4234-87F3-BED6A00FFBCA}" srcId="{520B97ED-2974-45FC-95B5-90614AC4915A}" destId="{3CDBF70F-6644-4CD4-B99A-42E94E7D788A}" srcOrd="2" destOrd="0" parTransId="{D6804E20-A15C-4946-A04F-AD7922CDC924}" sibTransId="{0181D6A3-A3B4-466F-99F5-77ED94E9E218}"/>
+    <dgm:cxn modelId="{29AC88F1-D1A4-4513-B28A-70CCCCBA6441}" srcId="{915CBF17-5122-462B-B73A-55E5DDC1E9C5}" destId="{520B97ED-2974-45FC-95B5-90614AC4915A}" srcOrd="1" destOrd="0" parTransId="{E91406D4-4286-4F28-8FB3-839572412465}" sibTransId="{50E75980-8720-43C1-81EF-8D77B77D68A6}"/>
+    <dgm:cxn modelId="{5755AD0F-EBE5-4996-97CC-D9ED7422371C}" type="presOf" srcId="{832135FC-818C-4FFD-99F4-56F073369E66}" destId="{8E81DB21-FB2E-4905-8A8A-6505207BC4C0}" srcOrd="0" destOrd="0" presId="urn:microsoft.com/office/officeart/2005/8/layout/hierarchy4"/>
+    <dgm:cxn modelId="{4279A915-09B3-46C0-8D45-0107848CEF9C}" type="presOf" srcId="{9BA24A6F-031B-4B7F-9C39-D8CD756B59CE}" destId="{8654493A-1736-42D9-A792-C7D5B6264964}" srcOrd="0" destOrd="0" presId="urn:microsoft.com/office/officeart/2005/8/layout/hierarchy4"/>
+    <dgm:cxn modelId="{65235A2A-0A24-47C4-82CF-634065D7B24B}" type="presOf" srcId="{3200EC7B-16BB-4909-8994-95FA26527352}" destId="{1BDC987B-9F35-4F03-B050-E2476181AD79}" srcOrd="0" destOrd="0" presId="urn:microsoft.com/office/officeart/2005/8/layout/hierarchy4"/>
+    <dgm:cxn modelId="{B24CA948-1E87-4D40-B43D-92E86F9C3822}" srcId="{520B97ED-2974-45FC-95B5-90614AC4915A}" destId="{9BA24A6F-031B-4B7F-9C39-D8CD756B59CE}" srcOrd="0" destOrd="0" parTransId="{4B19685E-3B49-44E3-85B7-94F5C4DF44E6}" sibTransId="{99CA990E-8F3A-4D7B-A613-E5DA4ABE03F0}"/>
+    <dgm:cxn modelId="{4D1E5975-2FC5-4160-89AC-1ADCC8F8FEFC}" type="presOf" srcId="{213F9D54-9147-4DFB-B702-7322F0100581}" destId="{1FB99F11-3263-4F86-841F-C6975F2A7C23}" srcOrd="0" destOrd="0" presId="urn:microsoft.com/office/officeart/2005/8/layout/hierarchy4"/>
+    <dgm:cxn modelId="{D055CA10-E438-498B-A903-CC2AF65C345D}" type="presOf" srcId="{98681AF0-851F-4995-AD48-64BA4F6B49D3}" destId="{DF4CBA55-0850-4969-886B-87DBB68FD370}" srcOrd="0" destOrd="0" presId="urn:microsoft.com/office/officeart/2005/8/layout/hierarchy4"/>
     <dgm:cxn modelId="{B214FA1C-09A6-4E2E-86C7-295BC95BC5F3}" type="presOf" srcId="{1241AD53-2AAD-491B-95D4-E926D580CADF}" destId="{57D65CF6-47A9-4FCE-A76A-23BB4E4587C9}" srcOrd="0" destOrd="0" presId="urn:microsoft.com/office/officeart/2005/8/layout/hierarchy4"/>
-    <dgm:cxn modelId="{B24CA948-1E87-4D40-B43D-92E86F9C3822}" srcId="{520B97ED-2974-45FC-95B5-90614AC4915A}" destId="{9BA24A6F-031B-4B7F-9C39-D8CD756B59CE}" srcOrd="0" destOrd="0" parTransId="{4B19685E-3B49-44E3-85B7-94F5C4DF44E6}" sibTransId="{99CA990E-8F3A-4D7B-A613-E5DA4ABE03F0}"/>
+    <dgm:cxn modelId="{F27392F7-752E-4362-A510-7342B7D32627}" type="presOf" srcId="{00837C92-CCB9-4E34-8EF4-CE0C76A7A4CD}" destId="{01A8407F-198D-4356-98B0-17DE11C05A83}" srcOrd="0" destOrd="0" presId="urn:microsoft.com/office/officeart/2005/8/layout/hierarchy4"/>
+    <dgm:cxn modelId="{5AF4F4A0-8651-4480-9B31-29C604A3726F}" srcId="{213F9D54-9147-4DFB-B702-7322F0100581}" destId="{BE36ECFA-36BE-45B1-B9B9-2A6464CA12C2}" srcOrd="0" destOrd="0" parTransId="{AB8A1E84-8F14-4D6A-BFA4-80EE58F7C2BB}" sibTransId="{0C854609-7227-4884-A242-5A1EE631DA6A}"/>
     <dgm:cxn modelId="{65890522-6691-4EF6-9B16-8142109272B3}" type="presParOf" srcId="{F951BD64-52A2-493D-B516-2D4FB598E187}" destId="{73732A9A-AB75-44D9-AB43-14106009AF2C}" srcOrd="0" destOrd="0" presId="urn:microsoft.com/office/officeart/2005/8/layout/hierarchy4"/>
     <dgm:cxn modelId="{17993889-9010-426D-93AF-A27757D34CCC}" type="presParOf" srcId="{73732A9A-AB75-44D9-AB43-14106009AF2C}" destId="{D7E0B108-65E2-4C75-8C3F-94B79D7FAEEA}" srcOrd="0" destOrd="0" presId="urn:microsoft.com/office/officeart/2005/8/layout/hierarchy4"/>
     <dgm:cxn modelId="{16A4CF66-AAA4-49CA-84CC-5C6C578FD584}" type="presParOf" srcId="{73732A9A-AB75-44D9-AB43-14106009AF2C}" destId="{958F9A97-3C05-4D83-A5A2-666913AE194F}" srcOrd="1" destOrd="0" presId="urn:microsoft.com/office/officeart/2005/8/layout/hierarchy4"/>
@@ -4829,6 +4931,356 @@
 </dgm:styleDef>
 </file>
 
+<file path=ppt/notesMasters/notesMaster1.xml><?xml version="1.0" encoding="utf-8"?>
+<p:notesMaster xmlns:a="http://schemas.openxmlformats.org/drawingml/2006/main" xmlns:r="http://schemas.openxmlformats.org/officeDocument/2006/relationships" xmlns:p="http://schemas.openxmlformats.org/presentationml/2006/main">
+  <p:cSld>
+    <p:bg>
+      <p:bgRef idx="1001">
+        <a:schemeClr val="bg1"/>
+      </p:bgRef>
+    </p:bg>
+    <p:spTree>
+      <p:nvGrpSpPr>
+        <p:cNvPr id="1" name=""/>
+        <p:cNvGrpSpPr/>
+        <p:nvPr/>
+      </p:nvGrpSpPr>
+      <p:grpSpPr>
+        <a:xfrm>
+          <a:off x="0" y="0"/>
+          <a:ext cx="0" cy="0"/>
+          <a:chOff x="0" y="0"/>
+          <a:chExt cx="0" cy="0"/>
+        </a:xfrm>
+      </p:grpSpPr>
+      <p:sp>
+        <p:nvSpPr>
+          <p:cNvPr id="2" name="Header Placeholder 1"/>
+          <p:cNvSpPr>
+            <a:spLocks noGrp="1"/>
+          </p:cNvSpPr>
+          <p:nvPr>
+            <p:ph type="hdr" sz="quarter"/>
+          </p:nvPr>
+        </p:nvSpPr>
+        <p:spPr>
+          <a:xfrm>
+            <a:off x="0" y="0"/>
+            <a:ext cx="2971800" cy="457200"/>
+          </a:xfrm>
+          <a:prstGeom prst="rect">
+            <a:avLst/>
+          </a:prstGeom>
+        </p:spPr>
+        <p:txBody>
+          <a:bodyPr vert="horz" lIns="91440" tIns="45720" rIns="91440" bIns="45720" rtlCol="0"/>
+          <a:lstStyle>
+            <a:lvl1pPr algn="l">
+              <a:defRPr sz="1200"/>
+            </a:lvl1pPr>
+          </a:lstStyle>
+          <a:p>
+            <a:endParaRPr lang="en-US"/>
+          </a:p>
+        </p:txBody>
+      </p:sp>
+      <p:sp>
+        <p:nvSpPr>
+          <p:cNvPr id="3" name="Date Placeholder 2"/>
+          <p:cNvSpPr>
+            <a:spLocks noGrp="1"/>
+          </p:cNvSpPr>
+          <p:nvPr>
+            <p:ph type="dt" idx="1"/>
+          </p:nvPr>
+        </p:nvSpPr>
+        <p:spPr>
+          <a:xfrm>
+            <a:off x="3884613" y="0"/>
+            <a:ext cx="2971800" cy="457200"/>
+          </a:xfrm>
+          <a:prstGeom prst="rect">
+            <a:avLst/>
+          </a:prstGeom>
+        </p:spPr>
+        <p:txBody>
+          <a:bodyPr vert="horz" lIns="91440" tIns="45720" rIns="91440" bIns="45720" rtlCol="0"/>
+          <a:lstStyle>
+            <a:lvl1pPr algn="r">
+              <a:defRPr sz="1200"/>
+            </a:lvl1pPr>
+          </a:lstStyle>
+          <a:p>
+            <a:fld id="{45E07FD2-BF3A-4E59-B57E-AD3A0EFECABF}" type="datetimeFigureOut">
+              <a:rPr lang="en-US" smtClean="0"/>
+              <a:t>12/16/2013</a:t>
+            </a:fld>
+            <a:endParaRPr lang="en-US"/>
+          </a:p>
+        </p:txBody>
+      </p:sp>
+      <p:sp>
+        <p:nvSpPr>
+          <p:cNvPr id="4" name="Slide Image Placeholder 3"/>
+          <p:cNvSpPr>
+            <a:spLocks noGrp="1" noRot="1" noChangeAspect="1"/>
+          </p:cNvSpPr>
+          <p:nvPr>
+            <p:ph type="sldImg" idx="2"/>
+          </p:nvPr>
+        </p:nvSpPr>
+        <p:spPr>
+          <a:xfrm>
+            <a:off x="1143000" y="685800"/>
+            <a:ext cx="4572000" cy="3429000"/>
+          </a:xfrm>
+          <a:prstGeom prst="rect">
+            <a:avLst/>
+          </a:prstGeom>
+          <a:noFill/>
+          <a:ln w="12700">
+            <a:solidFill>
+              <a:prstClr val="black"/>
+            </a:solidFill>
+          </a:ln>
+        </p:spPr>
+        <p:txBody>
+          <a:bodyPr vert="horz" lIns="91440" tIns="45720" rIns="91440" bIns="45720" rtlCol="0" anchor="ctr"/>
+          <a:lstStyle/>
+          <a:p>
+            <a:endParaRPr lang="en-US"/>
+          </a:p>
+        </p:txBody>
+      </p:sp>
+      <p:sp>
+        <p:nvSpPr>
+          <p:cNvPr id="5" name="Notes Placeholder 4"/>
+          <p:cNvSpPr>
+            <a:spLocks noGrp="1"/>
+          </p:cNvSpPr>
+          <p:nvPr>
+            <p:ph type="body" sz="quarter" idx="3"/>
+          </p:nvPr>
+        </p:nvSpPr>
+        <p:spPr>
+          <a:xfrm>
+            <a:off x="685800" y="4343400"/>
+            <a:ext cx="5486400" cy="4114800"/>
+          </a:xfrm>
+          <a:prstGeom prst="rect">
+            <a:avLst/>
+          </a:prstGeom>
+        </p:spPr>
+        <p:txBody>
+          <a:bodyPr vert="horz" lIns="91440" tIns="45720" rIns="91440" bIns="45720" rtlCol="0"/>
+          <a:lstStyle/>
+          <a:p>
+            <a:pPr lvl="0"/>
+            <a:r>
+              <a:rPr lang="en-US" smtClean="0"/>
+              <a:t>Click to edit Master text styles</a:t>
+            </a:r>
+          </a:p>
+          <a:p>
+            <a:pPr lvl="1"/>
+            <a:r>
+              <a:rPr lang="en-US" smtClean="0"/>
+              <a:t>Second level</a:t>
+            </a:r>
+          </a:p>
+          <a:p>
+            <a:pPr lvl="2"/>
+            <a:r>
+              <a:rPr lang="en-US" smtClean="0"/>
+              <a:t>Third level</a:t>
+            </a:r>
+          </a:p>
+          <a:p>
+            <a:pPr lvl="3"/>
+            <a:r>
+              <a:rPr lang="en-US" smtClean="0"/>
+              <a:t>Fourth level</a:t>
+            </a:r>
+          </a:p>
+          <a:p>
+            <a:pPr lvl="4"/>
+            <a:r>
+              <a:rPr lang="en-US" smtClean="0"/>
+              <a:t>Fifth level</a:t>
+            </a:r>
+            <a:endParaRPr lang="en-US"/>
+          </a:p>
+        </p:txBody>
+      </p:sp>
+      <p:sp>
+        <p:nvSpPr>
+          <p:cNvPr id="6" name="Footer Placeholder 5"/>
+          <p:cNvSpPr>
+            <a:spLocks noGrp="1"/>
+          </p:cNvSpPr>
+          <p:nvPr>
+            <p:ph type="ftr" sz="quarter" idx="4"/>
+          </p:nvPr>
+        </p:nvSpPr>
+        <p:spPr>
+          <a:xfrm>
+            <a:off x="0" y="8685213"/>
+            <a:ext cx="2971800" cy="457200"/>
+          </a:xfrm>
+          <a:prstGeom prst="rect">
+            <a:avLst/>
+          </a:prstGeom>
+        </p:spPr>
+        <p:txBody>
+          <a:bodyPr vert="horz" lIns="91440" tIns="45720" rIns="91440" bIns="45720" rtlCol="0" anchor="b"/>
+          <a:lstStyle>
+            <a:lvl1pPr algn="l">
+              <a:defRPr sz="1200"/>
+            </a:lvl1pPr>
+          </a:lstStyle>
+          <a:p>
+            <a:endParaRPr lang="en-US"/>
+          </a:p>
+        </p:txBody>
+      </p:sp>
+      <p:sp>
+        <p:nvSpPr>
+          <p:cNvPr id="7" name="Slide Number Placeholder 6"/>
+          <p:cNvSpPr>
+            <a:spLocks noGrp="1"/>
+          </p:cNvSpPr>
+          <p:nvPr>
+            <p:ph type="sldNum" sz="quarter" idx="5"/>
+          </p:nvPr>
+        </p:nvSpPr>
+        <p:spPr>
+          <a:xfrm>
+            <a:off x="3884613" y="8685213"/>
+            <a:ext cx="2971800" cy="457200"/>
+          </a:xfrm>
+          <a:prstGeom prst="rect">
+            <a:avLst/>
+          </a:prstGeom>
+        </p:spPr>
+        <p:txBody>
+          <a:bodyPr vert="horz" lIns="91440" tIns="45720" rIns="91440" bIns="45720" rtlCol="0" anchor="b"/>
+          <a:lstStyle>
+            <a:lvl1pPr algn="r">
+              <a:defRPr sz="1200"/>
+            </a:lvl1pPr>
+          </a:lstStyle>
+          <a:p>
+            <a:fld id="{F1D107EB-B22F-4F76-B715-A0F14C2A85AF}" type="slidenum">
+              <a:rPr lang="en-US" smtClean="0"/>
+              <a:t>‹#›</a:t>
+            </a:fld>
+            <a:endParaRPr lang="en-US"/>
+          </a:p>
+        </p:txBody>
+      </p:sp>
+    </p:spTree>
+    <p:extLst>
+      <p:ext uri="{BB962C8B-B14F-4D97-AF65-F5344CB8AC3E}">
+        <p14:creationId xmlns:p14="http://schemas.microsoft.com/office/powerpoint/2010/main" val="1231188185"/>
+      </p:ext>
+    </p:extLst>
+  </p:cSld>
+  <p:clrMap bg1="lt1" tx1="dk1" bg2="lt2" tx2="dk2" accent1="accent1" accent2="accent2" accent3="accent3" accent4="accent4" accent5="accent5" accent6="accent6" hlink="hlink" folHlink="folHlink"/>
+  <p:notesStyle>
+    <a:lvl1pPr marL="0" algn="l" defTabSz="914400" rtl="0" eaLnBrk="1" latinLnBrk="0" hangingPunct="1">
+      <a:defRPr sz="1200" kern="1200">
+        <a:solidFill>
+          <a:schemeClr val="tx1"/>
+        </a:solidFill>
+        <a:latin typeface="+mn-lt"/>
+        <a:ea typeface="+mn-ea"/>
+        <a:cs typeface="+mn-cs"/>
+      </a:defRPr>
+    </a:lvl1pPr>
+    <a:lvl2pPr marL="457200" algn="l" defTabSz="914400" rtl="0" eaLnBrk="1" latinLnBrk="0" hangingPunct="1">
+      <a:defRPr sz="1200" kern="1200">
+        <a:solidFill>
+          <a:schemeClr val="tx1"/>
+        </a:solidFill>
+        <a:latin typeface="+mn-lt"/>
+        <a:ea typeface="+mn-ea"/>
+        <a:cs typeface="+mn-cs"/>
+      </a:defRPr>
+    </a:lvl2pPr>
+    <a:lvl3pPr marL="914400" algn="l" defTabSz="914400" rtl="0" eaLnBrk="1" latinLnBrk="0" hangingPunct="1">
+      <a:defRPr sz="1200" kern="1200">
+        <a:solidFill>
+          <a:schemeClr val="tx1"/>
+        </a:solidFill>
+        <a:latin typeface="+mn-lt"/>
+        <a:ea typeface="+mn-ea"/>
+        <a:cs typeface="+mn-cs"/>
+      </a:defRPr>
+    </a:lvl3pPr>
+    <a:lvl4pPr marL="1371600" algn="l" defTabSz="914400" rtl="0" eaLnBrk="1" latinLnBrk="0" hangingPunct="1">
+      <a:defRPr sz="1200" kern="1200">
+        <a:solidFill>
+          <a:schemeClr val="tx1"/>
+        </a:solidFill>
+        <a:latin typeface="+mn-lt"/>
+        <a:ea typeface="+mn-ea"/>
+        <a:cs typeface="+mn-cs"/>
+      </a:defRPr>
+    </a:lvl4pPr>
+    <a:lvl5pPr marL="1828800" algn="l" defTabSz="914400" rtl="0" eaLnBrk="1" latinLnBrk="0" hangingPunct="1">
+      <a:defRPr sz="1200" kern="1200">
+        <a:solidFill>
+          <a:schemeClr val="tx1"/>
+        </a:solidFill>
+        <a:latin typeface="+mn-lt"/>
+        <a:ea typeface="+mn-ea"/>
+        <a:cs typeface="+mn-cs"/>
+      </a:defRPr>
+    </a:lvl5pPr>
+    <a:lvl6pPr marL="2286000" algn="l" defTabSz="914400" rtl="0" eaLnBrk="1" latinLnBrk="0" hangingPunct="1">
+      <a:defRPr sz="1200" kern="1200">
+        <a:solidFill>
+          <a:schemeClr val="tx1"/>
+        </a:solidFill>
+        <a:latin typeface="+mn-lt"/>
+        <a:ea typeface="+mn-ea"/>
+        <a:cs typeface="+mn-cs"/>
+      </a:defRPr>
+    </a:lvl6pPr>
+    <a:lvl7pPr marL="2743200" algn="l" defTabSz="914400" rtl="0" eaLnBrk="1" latinLnBrk="0" hangingPunct="1">
+      <a:defRPr sz="1200" kern="1200">
+        <a:solidFill>
+          <a:schemeClr val="tx1"/>
+        </a:solidFill>
+        <a:latin typeface="+mn-lt"/>
+        <a:ea typeface="+mn-ea"/>
+        <a:cs typeface="+mn-cs"/>
+      </a:defRPr>
+    </a:lvl7pPr>
+    <a:lvl8pPr marL="3200400" algn="l" defTabSz="914400" rtl="0" eaLnBrk="1" latinLnBrk="0" hangingPunct="1">
+      <a:defRPr sz="1200" kern="1200">
+        <a:solidFill>
+          <a:schemeClr val="tx1"/>
+        </a:solidFill>
+        <a:latin typeface="+mn-lt"/>
+        <a:ea typeface="+mn-ea"/>
+        <a:cs typeface="+mn-cs"/>
+      </a:defRPr>
+    </a:lvl8pPr>
+    <a:lvl9pPr marL="3657600" algn="l" defTabSz="914400" rtl="0" eaLnBrk="1" latinLnBrk="0" hangingPunct="1">
+      <a:defRPr sz="1200" kern="1200">
+        <a:solidFill>
+          <a:schemeClr val="tx1"/>
+        </a:solidFill>
+        <a:latin typeface="+mn-lt"/>
+        <a:ea typeface="+mn-ea"/>
+        <a:cs typeface="+mn-cs"/>
+      </a:defRPr>
+    </a:lvl9pPr>
+  </p:notesStyle>
+</p:notesMaster>
+</file>
+
 <file path=ppt/slideLayouts/slideLayout1.xml><?xml version="1.0" encoding="utf-8"?>
 <p:sldLayout xmlns:a="http://schemas.openxmlformats.org/drawingml/2006/main" xmlns:r="http://schemas.openxmlformats.org/officeDocument/2006/relationships" xmlns:p="http://schemas.openxmlformats.org/presentationml/2006/main" type="title" preserve="1">
   <p:cSld name="Title Slide">
@@ -5010,7 +5462,7 @@
           <a:p>
             <a:fld id="{49F8CF17-E099-4665-9B0A-999A2737D1C9}" type="datetimeFigureOut">
               <a:rPr lang="id-ID" smtClean="0"/>
-              <a:t>15/10/2013</a:t>
+              <a:t>16/12/2013</a:t>
             </a:fld>
             <a:endParaRPr lang="id-ID"/>
           </a:p>
@@ -5180,7 +5632,7 @@
           <a:p>
             <a:fld id="{49F8CF17-E099-4665-9B0A-999A2737D1C9}" type="datetimeFigureOut">
               <a:rPr lang="id-ID" smtClean="0"/>
-              <a:t>15/10/2013</a:t>
+              <a:t>16/12/2013</a:t>
             </a:fld>
             <a:endParaRPr lang="id-ID"/>
           </a:p>
@@ -5360,7 +5812,7 @@
           <a:p>
             <a:fld id="{49F8CF17-E099-4665-9B0A-999A2737D1C9}" type="datetimeFigureOut">
               <a:rPr lang="id-ID" smtClean="0"/>
-              <a:t>15/10/2013</a:t>
+              <a:t>16/12/2013</a:t>
             </a:fld>
             <a:endParaRPr lang="id-ID"/>
           </a:p>
@@ -5530,7 +5982,7 @@
           <a:p>
             <a:fld id="{49F8CF17-E099-4665-9B0A-999A2737D1C9}" type="datetimeFigureOut">
               <a:rPr lang="id-ID" smtClean="0"/>
-              <a:t>15/10/2013</a:t>
+              <a:t>16/12/2013</a:t>
             </a:fld>
             <a:endParaRPr lang="id-ID"/>
           </a:p>
@@ -5776,7 +6228,7 @@
           <a:p>
             <a:fld id="{49F8CF17-E099-4665-9B0A-999A2737D1C9}" type="datetimeFigureOut">
               <a:rPr lang="id-ID" smtClean="0"/>
-              <a:t>15/10/2013</a:t>
+              <a:t>16/12/2013</a:t>
             </a:fld>
             <a:endParaRPr lang="id-ID"/>
           </a:p>
@@ -6064,7 +6516,7 @@
           <a:p>
             <a:fld id="{49F8CF17-E099-4665-9B0A-999A2737D1C9}" type="datetimeFigureOut">
               <a:rPr lang="id-ID" smtClean="0"/>
-              <a:t>15/10/2013</a:t>
+              <a:t>16/12/2013</a:t>
             </a:fld>
             <a:endParaRPr lang="id-ID"/>
           </a:p>
@@ -6486,7 +6938,7 @@
           <a:p>
             <a:fld id="{49F8CF17-E099-4665-9B0A-999A2737D1C9}" type="datetimeFigureOut">
               <a:rPr lang="id-ID" smtClean="0"/>
-              <a:t>15/10/2013</a:t>
+              <a:t>16/12/2013</a:t>
             </a:fld>
             <a:endParaRPr lang="id-ID"/>
           </a:p>
@@ -6604,7 +7056,7 @@
           <a:p>
             <a:fld id="{49F8CF17-E099-4665-9B0A-999A2737D1C9}" type="datetimeFigureOut">
               <a:rPr lang="id-ID" smtClean="0"/>
-              <a:t>15/10/2013</a:t>
+              <a:t>16/12/2013</a:t>
             </a:fld>
             <a:endParaRPr lang="id-ID"/>
           </a:p>
@@ -6699,7 +7151,7 @@
           <a:p>
             <a:fld id="{49F8CF17-E099-4665-9B0A-999A2737D1C9}" type="datetimeFigureOut">
               <a:rPr lang="id-ID" smtClean="0"/>
-              <a:t>15/10/2013</a:t>
+              <a:t>16/12/2013</a:t>
             </a:fld>
             <a:endParaRPr lang="id-ID"/>
           </a:p>
@@ -6976,7 +7428,7 @@
           <a:p>
             <a:fld id="{49F8CF17-E099-4665-9B0A-999A2737D1C9}" type="datetimeFigureOut">
               <a:rPr lang="id-ID" smtClean="0"/>
-              <a:t>15/10/2013</a:t>
+              <a:t>16/12/2013</a:t>
             </a:fld>
             <a:endParaRPr lang="id-ID"/>
           </a:p>
@@ -7229,7 +7681,7 @@
           <a:p>
             <a:fld id="{49F8CF17-E099-4665-9B0A-999A2737D1C9}" type="datetimeFigureOut">
               <a:rPr lang="id-ID" smtClean="0"/>
-              <a:t>15/10/2013</a:t>
+              <a:t>16/12/2013</a:t>
             </a:fld>
             <a:endParaRPr lang="id-ID"/>
           </a:p>
@@ -7442,7 +7894,7 @@
           <a:p>
             <a:fld id="{49F8CF17-E099-4665-9B0A-999A2737D1C9}" type="datetimeFigureOut">
               <a:rPr lang="id-ID" smtClean="0"/>
-              <a:t>15/10/2013</a:t>
+              <a:t>16/12/2013</a:t>
             </a:fld>
             <a:endParaRPr lang="id-ID"/>
           </a:p>
@@ -7903,15 +8355,38 @@
           <a:chExt cx="0" cy="0"/>
         </a:xfrm>
       </p:grpSpPr>
+      <p:sp>
+        <p:nvSpPr>
+          <p:cNvPr id="2" name="Title 1"/>
+          <p:cNvSpPr>
+            <a:spLocks noGrp="1"/>
+          </p:cNvSpPr>
+          <p:nvPr>
+            <p:ph type="title"/>
+          </p:nvPr>
+        </p:nvSpPr>
+        <p:spPr/>
+        <p:txBody>
+          <a:bodyPr/>
+          <a:lstStyle/>
+          <a:p>
+            <a:r>
+              <a:rPr lang="id-ID" dirty="0" smtClean="0"/>
+              <a:t>Level 2 BA.999</a:t>
+            </a:r>
+            <a:endParaRPr lang="id-ID" dirty="0"/>
+          </a:p>
+        </p:txBody>
+      </p:sp>
       <p:pic>
         <p:nvPicPr>
-          <p:cNvPr id="18" name="Picture 2"/>
+          <p:cNvPr id="3" name="Picture 2" descr="C:\Users\user\AppData\Local\Temp\16-12-2013 10-29-55.png"/>
           <p:cNvPicPr>
             <a:picLocks noChangeAspect="1" noChangeArrowheads="1"/>
           </p:cNvPicPr>
           <p:nvPr/>
         </p:nvPicPr>
-        <p:blipFill rotWithShape="1">
+        <p:blipFill>
           <a:blip r:embed="rId2">
             <a:extLst>
               <a:ext uri="{28A0092B-C50C-407E-A947-70E740481C1C}">
@@ -7919,48 +8394,105 @@
               </a:ext>
             </a:extLst>
           </a:blip>
-          <a:srcRect l="12884" r="10973"/>
-          <a:stretch/>
+          <a:srcRect/>
+          <a:stretch>
+            <a:fillRect/>
+          </a:stretch>
         </p:blipFill>
         <p:spPr bwMode="auto">
           <a:xfrm>
-            <a:off x="3599148" y="1201159"/>
-            <a:ext cx="5049969" cy="5396193"/>
+            <a:off x="1763688" y="1268760"/>
+            <a:ext cx="5825809" cy="5085184"/>
           </a:xfrm>
           <a:prstGeom prst="rect">
             <a:avLst/>
           </a:prstGeom>
           <a:noFill/>
-          <a:ln>
-            <a:noFill/>
-          </a:ln>
-          <a:effectLst/>
           <a:extLst>
             <a:ext uri="{909E8E84-426E-40DD-AFC4-6F175D3DCCD1}">
               <a14:hiddenFill xmlns:a14="http://schemas.microsoft.com/office/drawing/2010/main">
                 <a:solidFill>
-                  <a:schemeClr val="accent1"/>
+                  <a:srgbClr val="FFFFFF"/>
                 </a:solidFill>
               </a14:hiddenFill>
             </a:ext>
-            <a:ext uri="{91240B29-F687-4F45-9708-019B960494DF}">
-              <a14:hiddenLine xmlns:a14="http://schemas.microsoft.com/office/drawing/2010/main" w="9525">
+          </a:extLst>
+        </p:spPr>
+      </p:pic>
+    </p:spTree>
+    <p:extLst>
+      <p:ext uri="{BB962C8B-B14F-4D97-AF65-F5344CB8AC3E}">
+        <p14:creationId xmlns:p14="http://schemas.microsoft.com/office/powerpoint/2010/main" val="197205201"/>
+      </p:ext>
+    </p:extLst>
+  </p:cSld>
+  <p:clrMapOvr>
+    <a:masterClrMapping/>
+  </p:clrMapOvr>
+  <p:timing>
+    <p:tnLst>
+      <p:par>
+        <p:cTn id="1" dur="indefinite" restart="never" nodeType="tmRoot"/>
+      </p:par>
+    </p:tnLst>
+  </p:timing>
+</p:sld>
+</file>
+
+<file path=ppt/slides/slide11.xml><?xml version="1.0" encoding="utf-8"?>
+<p:sld xmlns:a="http://schemas.openxmlformats.org/drawingml/2006/main" xmlns:r="http://schemas.openxmlformats.org/officeDocument/2006/relationships" xmlns:p="http://schemas.openxmlformats.org/presentationml/2006/main">
+  <p:cSld>
+    <p:spTree>
+      <p:nvGrpSpPr>
+        <p:cNvPr id="1" name=""/>
+        <p:cNvGrpSpPr/>
+        <p:nvPr/>
+      </p:nvGrpSpPr>
+      <p:grpSpPr>
+        <a:xfrm>
+          <a:off x="0" y="0"/>
+          <a:ext cx="0" cy="0"/>
+          <a:chOff x="0" y="0"/>
+          <a:chExt cx="0" cy="0"/>
+        </a:xfrm>
+      </p:grpSpPr>
+      <p:pic>
+        <p:nvPicPr>
+          <p:cNvPr id="19" name="Picture 18" descr="C:\Users\user\AppData\Local\Temp\16-12-2013 10-29-55.png"/>
+          <p:cNvPicPr>
+            <a:picLocks noChangeAspect="1" noChangeArrowheads="1"/>
+          </p:cNvPicPr>
+          <p:nvPr/>
+        </p:nvPicPr>
+        <p:blipFill>
+          <a:blip r:embed="rId2">
+            <a:extLst>
+              <a:ext uri="{28A0092B-C50C-407E-A947-70E740481C1C}">
+                <a14:useLocalDpi xmlns:a14="http://schemas.microsoft.com/office/drawing/2010/main" val="0"/>
+              </a:ext>
+            </a:extLst>
+          </a:blip>
+          <a:srcRect/>
+          <a:stretch>
+            <a:fillRect/>
+          </a:stretch>
+        </p:blipFill>
+        <p:spPr bwMode="auto">
+          <a:xfrm>
+            <a:off x="3568368" y="1360849"/>
+            <a:ext cx="5338149" cy="5085184"/>
+          </a:xfrm>
+          <a:prstGeom prst="rect">
+            <a:avLst/>
+          </a:prstGeom>
+          <a:noFill/>
+          <a:extLst>
+            <a:ext uri="{909E8E84-426E-40DD-AFC4-6F175D3DCCD1}">
+              <a14:hiddenFill xmlns:a14="http://schemas.microsoft.com/office/drawing/2010/main">
                 <a:solidFill>
-                  <a:schemeClr val="tx1"/>
+                  <a:srgbClr val="FFFFFF"/>
                 </a:solidFill>
-                <a:miter lim="800000"/>
-                <a:headEnd/>
-                <a:tailEnd/>
-              </a14:hiddenLine>
-            </a:ext>
-            <a:ext uri="{AF507438-7753-43E0-B8FC-AC1667EBCBE1}">
-              <a14:hiddenEffects xmlns:a14="http://schemas.microsoft.com/office/drawing/2010/main">
-                <a:effectLst>
-                  <a:outerShdw dist="35921" dir="2700000" algn="ctr" rotWithShape="0">
-                    <a:schemeClr val="bg2"/>
-                  </a:outerShdw>
-                </a:effectLst>
-              </a14:hiddenEffects>
+              </a14:hiddenFill>
             </a:ext>
           </a:extLst>
         </p:spPr>
@@ -8033,45 +8565,21 @@
             <a:pPr algn="ctr"/>
             <a:r>
               <a:rPr lang="id-ID" sz="3200" dirty="0" smtClean="0"/>
-              <a:t>I</a:t>
-            </a:r>
+              <a:t>I x Bobot +</a:t>
+            </a:r>
+          </a:p>
+          <a:p>
+            <a:pPr algn="ctr"/>
             <a:r>
               <a:rPr lang="id-ID" sz="3200" dirty="0" smtClean="0"/>
-              <a:t> </a:t>
-            </a:r>
+              <a:t>J x Bobot +</a:t>
+            </a:r>
+          </a:p>
+          <a:p>
+            <a:pPr algn="ctr"/>
             <a:r>
               <a:rPr lang="id-ID" sz="3200" dirty="0" smtClean="0"/>
-              <a:t>x Bobot +</a:t>
-            </a:r>
-          </a:p>
-          <a:p>
-            <a:pPr algn="ctr"/>
-            <a:r>
-              <a:rPr lang="id-ID" sz="3200" dirty="0" smtClean="0"/>
-              <a:t>J</a:t>
-            </a:r>
-            <a:r>
-              <a:rPr lang="id-ID" sz="3200" dirty="0" smtClean="0"/>
-              <a:t> </a:t>
-            </a:r>
-            <a:r>
-              <a:rPr lang="id-ID" sz="3200" dirty="0" smtClean="0"/>
-              <a:t>x Bobot +</a:t>
-            </a:r>
-          </a:p>
-          <a:p>
-            <a:pPr algn="ctr"/>
-            <a:r>
-              <a:rPr lang="id-ID" sz="3200" dirty="0" smtClean="0"/>
-              <a:t>K </a:t>
-            </a:r>
-            <a:r>
-              <a:rPr lang="id-ID" sz="3200" dirty="0" smtClean="0"/>
-              <a:t>x </a:t>
-            </a:r>
-            <a:r>
-              <a:rPr lang="id-ID" sz="3200" dirty="0" smtClean="0"/>
-              <a:t>Bobot</a:t>
+              <a:t>K x Bobot</a:t>
             </a:r>
             <a:endParaRPr lang="id-ID" sz="3200" dirty="0"/>
           </a:p>
@@ -8085,7 +8593,7 @@
         </p:nvSpPr>
         <p:spPr>
           <a:xfrm>
-            <a:off x="6508854" y="4281237"/>
+            <a:off x="5988499" y="4483592"/>
             <a:ext cx="180020" cy="180158"/>
           </a:xfrm>
           <a:prstGeom prst="ellipse">
@@ -8134,7 +8642,7 @@
         </p:nvSpPr>
         <p:spPr>
           <a:xfrm>
-            <a:off x="7148509" y="4281236"/>
+            <a:off x="7020272" y="4509120"/>
             <a:ext cx="172205" cy="180159"/>
           </a:xfrm>
           <a:prstGeom prst="ellipse">
@@ -8180,7 +8688,7 @@
         </p:nvSpPr>
         <p:spPr>
           <a:xfrm>
-            <a:off x="7812360" y="4281237"/>
+            <a:off x="8028384" y="4509120"/>
             <a:ext cx="200451" cy="180158"/>
           </a:xfrm>
           <a:prstGeom prst="ellipse">
@@ -8225,13 +8733,14 @@
           <p:cNvPr id="8" name="Straight Connector 7"/>
           <p:cNvCxnSpPr>
             <a:stCxn id="5" idx="2"/>
+            <a:endCxn id="9" idx="3"/>
           </p:cNvCxnSpPr>
           <p:nvPr/>
         </p:nvCxnSpPr>
         <p:spPr>
           <a:xfrm flipH="1">
-            <a:off x="5320722" y="4371316"/>
-            <a:ext cx="1188132" cy="85493"/>
+            <a:off x="4800367" y="4573671"/>
+            <a:ext cx="1188132" cy="42746"/>
           </a:xfrm>
           <a:prstGeom prst="line">
             <a:avLst/>
@@ -8260,7 +8769,7 @@
         </p:nvSpPr>
         <p:spPr>
           <a:xfrm>
-            <a:off x="4820017" y="4048151"/>
+            <a:off x="4498681" y="4293251"/>
             <a:ext cx="301686" cy="646331"/>
           </a:xfrm>
           <a:prstGeom prst="rect">
@@ -8307,8 +8816,8 @@
         </p:nvCxnSpPr>
         <p:spPr>
           <a:xfrm flipH="1">
-            <a:off x="6237443" y="4371316"/>
-            <a:ext cx="911066" cy="955621"/>
+            <a:off x="6237443" y="4599200"/>
+            <a:ext cx="782829" cy="727737"/>
           </a:xfrm>
           <a:prstGeom prst="line">
             <a:avLst/>
@@ -8383,8 +8892,8 @@
         </p:nvCxnSpPr>
         <p:spPr>
           <a:xfrm flipH="1">
-            <a:off x="7729970" y="4461395"/>
-            <a:ext cx="182616" cy="746685"/>
+            <a:off x="7729970" y="4689278"/>
+            <a:ext cx="398640" cy="518802"/>
           </a:xfrm>
           <a:prstGeom prst="line">
             <a:avLst/>
@@ -8492,31 +9001,14 @@
             <a:pPr algn="ctr"/>
             <a:r>
               <a:rPr lang="id-ID" sz="2400" dirty="0" smtClean="0"/>
-              <a:t>I </a:t>
-            </a:r>
+              <a:t>I = %(Sukses/Total)</a:t>
+            </a:r>
+          </a:p>
+          <a:p>
+            <a:pPr algn="ctr"/>
             <a:r>
               <a:rPr lang="id-ID" sz="2400" dirty="0" smtClean="0"/>
-              <a:t>= </a:t>
-            </a:r>
-            <a:r>
-              <a:rPr lang="id-ID" sz="2400" dirty="0" smtClean="0"/>
-              <a:t>%(Sukses/Total)</a:t>
-            </a:r>
-            <a:endParaRPr lang="id-ID" sz="2400" dirty="0" smtClean="0"/>
-          </a:p>
-          <a:p>
-            <a:pPr algn="ctr"/>
-            <a:r>
-              <a:rPr lang="id-ID" sz="2400" dirty="0" smtClean="0"/>
-              <a:t>J</a:t>
-            </a:r>
-            <a:r>
-              <a:rPr lang="id-ID" sz="2400" dirty="0" smtClean="0"/>
-              <a:t> </a:t>
-            </a:r>
-            <a:r>
-              <a:rPr lang="id-ID" sz="2400" dirty="0" smtClean="0"/>
-              <a:t>= </a:t>
+              <a:t>J = </a:t>
             </a:r>
             <a:r>
               <a:rPr lang="id-ID" sz="2400" dirty="0"/>
@@ -8528,21 +9020,12 @@
             <a:pPr algn="ctr"/>
             <a:r>
               <a:rPr lang="id-ID" sz="2400" dirty="0" smtClean="0"/>
-              <a:t>K</a:t>
-            </a:r>
-            <a:r>
-              <a:rPr lang="id-ID" sz="2400" dirty="0" smtClean="0"/>
-              <a:t> </a:t>
-            </a:r>
-            <a:r>
-              <a:rPr lang="id-ID" sz="2400" dirty="0" smtClean="0"/>
-              <a:t>= </a:t>
+              <a:t>K = </a:t>
             </a:r>
             <a:r>
               <a:rPr lang="id-ID" sz="2400" dirty="0"/>
               <a:t>%(Sukses/Total)</a:t>
             </a:r>
-            <a:endParaRPr lang="id-ID" sz="2400" dirty="0"/>
           </a:p>
         </p:txBody>
       </p:sp>
@@ -8622,7 +9105,7 @@
 </p:sld>
 </file>
 
-<file path=ppt/slides/slide11.xml><?xml version="1.0" encoding="utf-8"?>
+<file path=ppt/slides/slide12.xml><?xml version="1.0" encoding="utf-8"?>
 <p:sld xmlns:a="http://schemas.openxmlformats.org/drawingml/2006/main" xmlns:r="http://schemas.openxmlformats.org/officeDocument/2006/relationships" xmlns:p="http://schemas.openxmlformats.org/presentationml/2006/main">
   <p:cSld>
     <p:spTree>
@@ -8656,11 +9139,7 @@
           <a:p>
             <a:r>
               <a:rPr lang="id-ID" dirty="0" smtClean="0"/>
-              <a:t>Level 2 </a:t>
-            </a:r>
-            <a:r>
-              <a:rPr lang="id-ID" dirty="0" smtClean="0"/>
-              <a:t>PKN</a:t>
+              <a:t>Level 2 PKN</a:t>
             </a:r>
             <a:endParaRPr lang="id-ID" dirty="0"/>
           </a:p>
@@ -8668,13 +9147,13 @@
       </p:sp>
       <p:pic>
         <p:nvPicPr>
-          <p:cNvPr id="5122" name="Picture 2"/>
+          <p:cNvPr id="5" name="Picture 4" descr="C:\Users\user\AppData\Local\Temp\16-12-2013 10-31-27.png"/>
           <p:cNvPicPr>
             <a:picLocks noChangeAspect="1" noChangeArrowheads="1"/>
           </p:cNvPicPr>
           <p:nvPr/>
         </p:nvPicPr>
-        <p:blipFill rotWithShape="1">
+        <p:blipFill>
           <a:blip r:embed="rId2">
             <a:extLst>
               <a:ext uri="{28A0092B-C50C-407E-A947-70E740481C1C}">
@@ -8682,48 +9161,27 @@
               </a:ext>
             </a:extLst>
           </a:blip>
-          <a:srcRect l="12745" r="10919"/>
-          <a:stretch/>
+          <a:srcRect/>
+          <a:stretch>
+            <a:fillRect/>
+          </a:stretch>
         </p:blipFill>
         <p:spPr bwMode="auto">
           <a:xfrm>
-            <a:off x="1979712" y="1196752"/>
-            <a:ext cx="5256584" cy="5367553"/>
+            <a:off x="1763688" y="1268760"/>
+            <a:ext cx="5761406" cy="4968552"/>
           </a:xfrm>
           <a:prstGeom prst="rect">
             <a:avLst/>
           </a:prstGeom>
           <a:noFill/>
-          <a:ln>
-            <a:noFill/>
-          </a:ln>
-          <a:effectLst/>
           <a:extLst>
             <a:ext uri="{909E8E84-426E-40DD-AFC4-6F175D3DCCD1}">
               <a14:hiddenFill xmlns:a14="http://schemas.microsoft.com/office/drawing/2010/main">
                 <a:solidFill>
-                  <a:schemeClr val="accent1"/>
+                  <a:srgbClr val="FFFFFF"/>
                 </a:solidFill>
               </a14:hiddenFill>
-            </a:ext>
-            <a:ext uri="{91240B29-F687-4F45-9708-019B960494DF}">
-              <a14:hiddenLine xmlns:a14="http://schemas.microsoft.com/office/drawing/2010/main" w="9525">
-                <a:solidFill>
-                  <a:schemeClr val="tx1"/>
-                </a:solidFill>
-                <a:miter lim="800000"/>
-                <a:headEnd/>
-                <a:tailEnd/>
-              </a14:hiddenLine>
-            </a:ext>
-            <a:ext uri="{AF507438-7753-43E0-B8FC-AC1667EBCBE1}">
-              <a14:hiddenEffects xmlns:a14="http://schemas.microsoft.com/office/drawing/2010/main">
-                <a:effectLst>
-                  <a:outerShdw dist="35921" dir="2700000" algn="ctr" rotWithShape="0">
-                    <a:schemeClr val="bg2"/>
-                  </a:outerShdw>
-                </a:effectLst>
-              </a14:hiddenEffects>
             </a:ext>
           </a:extLst>
         </p:spPr>
@@ -8748,7 +9206,7 @@
 </p:sld>
 </file>
 
-<file path=ppt/slides/slide12.xml><?xml version="1.0" encoding="utf-8"?>
+<file path=ppt/slides/slide13.xml><?xml version="1.0" encoding="utf-8"?>
 <p:sld xmlns:a="http://schemas.openxmlformats.org/drawingml/2006/main" xmlns:r="http://schemas.openxmlformats.org/officeDocument/2006/relationships" xmlns:p="http://schemas.openxmlformats.org/presentationml/2006/main">
   <p:cSld>
     <p:spTree>
@@ -8767,13 +9225,13 @@
       </p:grpSpPr>
       <p:pic>
         <p:nvPicPr>
-          <p:cNvPr id="19" name="Picture 2"/>
+          <p:cNvPr id="13" name="Picture 12" descr="C:\Users\user\AppData\Local\Temp\16-12-2013 10-31-27.png"/>
           <p:cNvPicPr>
             <a:picLocks noChangeAspect="1" noChangeArrowheads="1"/>
           </p:cNvPicPr>
           <p:nvPr/>
         </p:nvPicPr>
-        <p:blipFill rotWithShape="1">
+        <p:blipFill>
           <a:blip r:embed="rId2">
             <a:extLst>
               <a:ext uri="{28A0092B-C50C-407E-A947-70E740481C1C}">
@@ -8781,48 +9239,27 @@
               </a:ext>
             </a:extLst>
           </a:blip>
-          <a:srcRect l="12745" r="10919"/>
-          <a:stretch/>
+          <a:srcRect/>
+          <a:stretch>
+            <a:fillRect/>
+          </a:stretch>
         </p:blipFill>
         <p:spPr bwMode="auto">
           <a:xfrm>
-            <a:off x="3578695" y="1176504"/>
-            <a:ext cx="5256584" cy="5367553"/>
+            <a:off x="3995936" y="1248679"/>
+            <a:ext cx="4787076" cy="4968552"/>
           </a:xfrm>
           <a:prstGeom prst="rect">
             <a:avLst/>
           </a:prstGeom>
           <a:noFill/>
-          <a:ln>
-            <a:noFill/>
-          </a:ln>
-          <a:effectLst/>
           <a:extLst>
             <a:ext uri="{909E8E84-426E-40DD-AFC4-6F175D3DCCD1}">
               <a14:hiddenFill xmlns:a14="http://schemas.microsoft.com/office/drawing/2010/main">
                 <a:solidFill>
-                  <a:schemeClr val="accent1"/>
+                  <a:srgbClr val="FFFFFF"/>
                 </a:solidFill>
               </a14:hiddenFill>
-            </a:ext>
-            <a:ext uri="{91240B29-F687-4F45-9708-019B960494DF}">
-              <a14:hiddenLine xmlns:a14="http://schemas.microsoft.com/office/drawing/2010/main" w="9525">
-                <a:solidFill>
-                  <a:schemeClr val="tx1"/>
-                </a:solidFill>
-                <a:miter lim="800000"/>
-                <a:headEnd/>
-                <a:tailEnd/>
-              </a14:hiddenLine>
-            </a:ext>
-            <a:ext uri="{AF507438-7753-43E0-B8FC-AC1667EBCBE1}">
-              <a14:hiddenEffects xmlns:a14="http://schemas.microsoft.com/office/drawing/2010/main">
-                <a:effectLst>
-                  <a:outerShdw dist="35921" dir="2700000" algn="ctr" rotWithShape="0">
-                    <a:schemeClr val="bg2"/>
-                  </a:outerShdw>
-                </a:effectLst>
-              </a14:hiddenEffects>
             </a:ext>
           </a:extLst>
         </p:spPr>
@@ -8888,45 +9325,21 @@
             <a:pPr algn="ctr"/>
             <a:r>
               <a:rPr lang="id-ID" sz="3200" dirty="0" smtClean="0"/>
-              <a:t>D </a:t>
-            </a:r>
+              <a:t>D = </a:t>
+            </a:r>
+          </a:p>
+          <a:p>
+            <a:pPr algn="ctr"/>
             <a:r>
               <a:rPr lang="id-ID" sz="3200" dirty="0" smtClean="0"/>
-              <a:t>= </a:t>
+              <a:t>L x Bobot +</a:t>
             </a:r>
           </a:p>
           <a:p>
             <a:pPr algn="ctr"/>
             <a:r>
               <a:rPr lang="id-ID" sz="3200" dirty="0" smtClean="0"/>
-              <a:t>L</a:t>
-            </a:r>
-            <a:r>
-              <a:rPr lang="id-ID" sz="3200" dirty="0" smtClean="0"/>
-              <a:t> </a:t>
-            </a:r>
-            <a:r>
-              <a:rPr lang="id-ID" sz="3200" dirty="0" smtClean="0"/>
-              <a:t>x Bobot +</a:t>
-            </a:r>
-          </a:p>
-          <a:p>
-            <a:pPr algn="ctr"/>
-            <a:r>
-              <a:rPr lang="id-ID" sz="3200" dirty="0" smtClean="0"/>
-              <a:t>M</a:t>
-            </a:r>
-            <a:r>
-              <a:rPr lang="id-ID" sz="3200" dirty="0" smtClean="0"/>
-              <a:t> </a:t>
-            </a:r>
-            <a:r>
-              <a:rPr lang="id-ID" sz="3200" dirty="0" smtClean="0"/>
-              <a:t>x </a:t>
-            </a:r>
-            <a:r>
-              <a:rPr lang="id-ID" sz="3200" dirty="0" smtClean="0"/>
-              <a:t>Bobot</a:t>
+              <a:t>M x Bobot</a:t>
             </a:r>
             <a:endParaRPr lang="id-ID" sz="3200" dirty="0"/>
           </a:p>
@@ -8940,7 +9353,7 @@
         </p:nvSpPr>
         <p:spPr>
           <a:xfrm>
-            <a:off x="6804248" y="4392622"/>
+            <a:off x="6194803" y="4604403"/>
             <a:ext cx="180020" cy="180158"/>
           </a:xfrm>
           <a:prstGeom prst="ellipse">
@@ -8989,7 +9402,7 @@
         </p:nvSpPr>
         <p:spPr>
           <a:xfrm>
-            <a:off x="7640155" y="4393512"/>
+            <a:off x="7928187" y="4616993"/>
             <a:ext cx="172205" cy="180159"/>
           </a:xfrm>
           <a:prstGeom prst="ellipse">
@@ -9032,13 +9445,14 @@
           <p:cNvPr id="8" name="Straight Connector 7"/>
           <p:cNvCxnSpPr>
             <a:stCxn id="5" idx="2"/>
+            <a:endCxn id="9" idx="3"/>
           </p:cNvCxnSpPr>
           <p:nvPr/>
         </p:nvCxnSpPr>
         <p:spPr>
           <a:xfrm flipH="1">
-            <a:off x="5616116" y="4482701"/>
-            <a:ext cx="1188132" cy="85493"/>
+            <a:off x="5624698" y="4694482"/>
+            <a:ext cx="570105" cy="632455"/>
           </a:xfrm>
           <a:prstGeom prst="line">
             <a:avLst/>
@@ -9067,7 +9481,7 @@
         </p:nvSpPr>
         <p:spPr>
           <a:xfrm>
-            <a:off x="4820017" y="4048151"/>
+            <a:off x="5246068" y="5003771"/>
             <a:ext cx="378630" cy="646331"/>
           </a:xfrm>
           <a:prstGeom prst="rect">
@@ -9114,8 +9528,8 @@
         </p:nvCxnSpPr>
         <p:spPr>
           <a:xfrm flipH="1">
-            <a:off x="6484306" y="4483592"/>
-            <a:ext cx="1155849" cy="843345"/>
+            <a:off x="7495748" y="4707073"/>
+            <a:ext cx="432439" cy="643206"/>
           </a:xfrm>
           <a:prstGeom prst="line">
             <a:avLst/>
@@ -9149,7 +9563,7 @@
         </p:nvSpPr>
         <p:spPr>
           <a:xfrm>
-            <a:off x="5905301" y="5003771"/>
+            <a:off x="6916743" y="5027113"/>
             <a:ext cx="579005" cy="646331"/>
           </a:xfrm>
           <a:prstGeom prst="rect">
@@ -9217,27 +9631,14 @@
             <a:pPr algn="ctr"/>
             <a:r>
               <a:rPr lang="id-ID" sz="2400" dirty="0" smtClean="0"/>
-              <a:t>L </a:t>
-            </a:r>
+              <a:t>L = %(Sukses/Total)</a:t>
+            </a:r>
+          </a:p>
+          <a:p>
+            <a:pPr algn="ctr"/>
             <a:r>
               <a:rPr lang="id-ID" sz="2400" dirty="0" smtClean="0"/>
-              <a:t>= </a:t>
-            </a:r>
-            <a:r>
-              <a:rPr lang="id-ID" sz="2400" dirty="0" smtClean="0"/>
-              <a:t>%(Sukses/Total)</a:t>
-            </a:r>
-            <a:endParaRPr lang="id-ID" sz="2400" dirty="0" smtClean="0"/>
-          </a:p>
-          <a:p>
-            <a:pPr algn="ctr"/>
-            <a:r>
-              <a:rPr lang="id-ID" sz="2400" dirty="0" smtClean="0"/>
-              <a:t>M </a:t>
-            </a:r>
-            <a:r>
-              <a:rPr lang="id-ID" sz="2400" dirty="0" smtClean="0"/>
-              <a:t>= </a:t>
+              <a:t>M = </a:t>
             </a:r>
             <a:r>
               <a:rPr lang="id-ID" sz="2400" dirty="0"/>
@@ -9259,8 +9660,8 @@
         </p:nvSpPr>
         <p:spPr>
           <a:xfrm rot="20999498">
-            <a:off x="3306725" y="2237565"/>
-            <a:ext cx="2088232" cy="648072"/>
+            <a:off x="3250539" y="2021814"/>
+            <a:ext cx="1264884" cy="648072"/>
           </a:xfrm>
           <a:prstGeom prst="borderCallout1">
             <a:avLst>
@@ -9294,14 +9695,15 @@
             <a:pPr algn="ctr"/>
             <a:r>
               <a:rPr lang="id-ID" dirty="0" smtClean="0"/>
-              <a:t>Grafik diisi oleh </a:t>
-            </a:r>
+              <a:t>Grafik diisi </a:t>
+            </a:r>
+            <a:endParaRPr lang="en-US" dirty="0" smtClean="0"/>
           </a:p>
           <a:p>
             <a:pPr algn="ctr"/>
             <a:r>
               <a:rPr lang="id-ID" dirty="0" smtClean="0"/>
-              <a:t>D</a:t>
+              <a:t>oleh D</a:t>
             </a:r>
             <a:endParaRPr lang="id-ID" dirty="0"/>
           </a:p>
@@ -9311,128 +9713,6 @@
     <p:extLst>
       <p:ext uri="{BB962C8B-B14F-4D97-AF65-F5344CB8AC3E}">
         <p14:creationId xmlns:p14="http://schemas.microsoft.com/office/powerpoint/2010/main" val="2624953048"/>
-      </p:ext>
-    </p:extLst>
-  </p:cSld>
-  <p:clrMapOvr>
-    <a:masterClrMapping/>
-  </p:clrMapOvr>
-  <p:timing>
-    <p:tnLst>
-      <p:par>
-        <p:cTn id="1" dur="indefinite" restart="never" nodeType="tmRoot"/>
-      </p:par>
-    </p:tnLst>
-  </p:timing>
-</p:sld>
-</file>
-
-<file path=ppt/slides/slide13.xml><?xml version="1.0" encoding="utf-8"?>
-<p:sld xmlns:a="http://schemas.openxmlformats.org/drawingml/2006/main" xmlns:r="http://schemas.openxmlformats.org/officeDocument/2006/relationships" xmlns:p="http://schemas.openxmlformats.org/presentationml/2006/main">
-  <p:cSld>
-    <p:spTree>
-      <p:nvGrpSpPr>
-        <p:cNvPr id="1" name=""/>
-        <p:cNvGrpSpPr/>
-        <p:nvPr/>
-      </p:nvGrpSpPr>
-      <p:grpSpPr>
-        <a:xfrm>
-          <a:off x="0" y="0"/>
-          <a:ext cx="0" cy="0"/>
-          <a:chOff x="0" y="0"/>
-          <a:chExt cx="0" cy="0"/>
-        </a:xfrm>
-      </p:grpSpPr>
-      <p:sp>
-        <p:nvSpPr>
-          <p:cNvPr id="2" name="Title 1"/>
-          <p:cNvSpPr>
-            <a:spLocks noGrp="1"/>
-          </p:cNvSpPr>
-          <p:nvPr>
-            <p:ph type="title"/>
-          </p:nvPr>
-        </p:nvSpPr>
-        <p:spPr/>
-        <p:txBody>
-          <a:bodyPr/>
-          <a:lstStyle/>
-          <a:p>
-            <a:r>
-              <a:rPr lang="id-ID" dirty="0" smtClean="0"/>
-              <a:t>Data Bobot</a:t>
-            </a:r>
-            <a:endParaRPr lang="id-ID" dirty="0"/>
-          </a:p>
-        </p:txBody>
-      </p:sp>
-      <p:pic>
-        <p:nvPicPr>
-          <p:cNvPr id="6146" name="Picture 2"/>
-          <p:cNvPicPr>
-            <a:picLocks noChangeAspect="1" noChangeArrowheads="1"/>
-          </p:cNvPicPr>
-          <p:nvPr/>
-        </p:nvPicPr>
-        <p:blipFill rotWithShape="1">
-          <a:blip r:embed="rId2">
-            <a:extLst>
-              <a:ext uri="{28A0092B-C50C-407E-A947-70E740481C1C}">
-                <a14:useLocalDpi xmlns:a14="http://schemas.microsoft.com/office/drawing/2010/main" val="0"/>
-              </a:ext>
-            </a:extLst>
-          </a:blip>
-          <a:srcRect l="12431" r="10973"/>
-          <a:stretch/>
-        </p:blipFill>
-        <p:spPr bwMode="auto">
-          <a:xfrm>
-            <a:off x="2218884" y="1196752"/>
-            <a:ext cx="4729380" cy="5385934"/>
-          </a:xfrm>
-          <a:prstGeom prst="rect">
-            <a:avLst/>
-          </a:prstGeom>
-          <a:noFill/>
-          <a:ln>
-            <a:noFill/>
-          </a:ln>
-          <a:effectLst/>
-          <a:extLst>
-            <a:ext uri="{909E8E84-426E-40DD-AFC4-6F175D3DCCD1}">
-              <a14:hiddenFill xmlns:a14="http://schemas.microsoft.com/office/drawing/2010/main">
-                <a:solidFill>
-                  <a:schemeClr val="accent1"/>
-                </a:solidFill>
-              </a14:hiddenFill>
-            </a:ext>
-            <a:ext uri="{91240B29-F687-4F45-9708-019B960494DF}">
-              <a14:hiddenLine xmlns:a14="http://schemas.microsoft.com/office/drawing/2010/main" w="9525">
-                <a:solidFill>
-                  <a:schemeClr val="tx1"/>
-                </a:solidFill>
-                <a:miter lim="800000"/>
-                <a:headEnd/>
-                <a:tailEnd/>
-              </a14:hiddenLine>
-            </a:ext>
-            <a:ext uri="{AF507438-7753-43E0-B8FC-AC1667EBCBE1}">
-              <a14:hiddenEffects xmlns:a14="http://schemas.microsoft.com/office/drawing/2010/main">
-                <a:effectLst>
-                  <a:outerShdw dist="35921" dir="2700000" algn="ctr" rotWithShape="0">
-                    <a:schemeClr val="bg2"/>
-                  </a:outerShdw>
-                </a:effectLst>
-              </a14:hiddenEffects>
-            </a:ext>
-          </a:extLst>
-        </p:spPr>
-      </p:pic>
-    </p:spTree>
-    <p:extLst>
-      <p:ext uri="{BB962C8B-B14F-4D97-AF65-F5344CB8AC3E}">
-        <p14:creationId xmlns:p14="http://schemas.microsoft.com/office/powerpoint/2010/main" val="1233717884"/>
       </p:ext>
     </p:extLst>
   </p:cSld>
@@ -9466,68 +9746,6 @@
           <a:chExt cx="0" cy="0"/>
         </a:xfrm>
       </p:grpSpPr>
-      <p:pic>
-        <p:nvPicPr>
-          <p:cNvPr id="24" name="Picture 2"/>
-          <p:cNvPicPr>
-            <a:picLocks noChangeAspect="1" noChangeArrowheads="1"/>
-          </p:cNvPicPr>
-          <p:nvPr/>
-        </p:nvPicPr>
-        <p:blipFill rotWithShape="1">
-          <a:blip r:embed="rId2">
-            <a:extLst>
-              <a:ext uri="{28A0092B-C50C-407E-A947-70E740481C1C}">
-                <a14:useLocalDpi xmlns:a14="http://schemas.microsoft.com/office/drawing/2010/main" val="0"/>
-              </a:ext>
-            </a:extLst>
-          </a:blip>
-          <a:srcRect l="12431" r="10973"/>
-          <a:stretch/>
-        </p:blipFill>
-        <p:spPr bwMode="auto">
-          <a:xfrm>
-            <a:off x="2218884" y="1196752"/>
-            <a:ext cx="4729380" cy="5385934"/>
-          </a:xfrm>
-          <a:prstGeom prst="rect">
-            <a:avLst/>
-          </a:prstGeom>
-          <a:noFill/>
-          <a:ln>
-            <a:noFill/>
-          </a:ln>
-          <a:effectLst/>
-          <a:extLst>
-            <a:ext uri="{909E8E84-426E-40DD-AFC4-6F175D3DCCD1}">
-              <a14:hiddenFill xmlns:a14="http://schemas.microsoft.com/office/drawing/2010/main">
-                <a:solidFill>
-                  <a:schemeClr val="accent1"/>
-                </a:solidFill>
-              </a14:hiddenFill>
-            </a:ext>
-            <a:ext uri="{91240B29-F687-4F45-9708-019B960494DF}">
-              <a14:hiddenLine xmlns:a14="http://schemas.microsoft.com/office/drawing/2010/main" w="9525">
-                <a:solidFill>
-                  <a:schemeClr val="tx1"/>
-                </a:solidFill>
-                <a:miter lim="800000"/>
-                <a:headEnd/>
-                <a:tailEnd/>
-              </a14:hiddenLine>
-            </a:ext>
-            <a:ext uri="{AF507438-7753-43E0-B8FC-AC1667EBCBE1}">
-              <a14:hiddenEffects xmlns:a14="http://schemas.microsoft.com/office/drawing/2010/main">
-                <a:effectLst>
-                  <a:outerShdw dist="35921" dir="2700000" algn="ctr" rotWithShape="0">
-                    <a:schemeClr val="bg2"/>
-                  </a:outerShdw>
-                </a:effectLst>
-              </a14:hiddenEffects>
-            </a:ext>
-          </a:extLst>
-        </p:spPr>
-      </p:pic>
       <p:sp>
         <p:nvSpPr>
           <p:cNvPr id="2" name="Title 1"/>
@@ -9538,12 +9756,7 @@
             <p:ph type="title"/>
           </p:nvPr>
         </p:nvSpPr>
-        <p:spPr>
-          <a:xfrm>
-            <a:off x="467958" y="260648"/>
-            <a:ext cx="8229600" cy="1143000"/>
-          </a:xfrm>
-        </p:spPr>
+        <p:spPr/>
         <p:txBody>
           <a:bodyPr/>
           <a:lstStyle/>
@@ -9553,6 +9766,223 @@
               <a:t>Data Bobot</a:t>
             </a:r>
             <a:endParaRPr lang="id-ID" dirty="0"/>
+          </a:p>
+        </p:txBody>
+      </p:sp>
+      <p:pic>
+        <p:nvPicPr>
+          <p:cNvPr id="3" name="Picture 2" descr="C:\Users\user\AppData\Local\Temp\16-12-2013 10-32-43.png"/>
+          <p:cNvPicPr>
+            <a:picLocks noChangeAspect="1" noChangeArrowheads="1"/>
+          </p:cNvPicPr>
+          <p:nvPr/>
+        </p:nvPicPr>
+        <p:blipFill>
+          <a:blip r:embed="rId2">
+            <a:extLst>
+              <a:ext uri="{28A0092B-C50C-407E-A947-70E740481C1C}">
+                <a14:useLocalDpi xmlns:a14="http://schemas.microsoft.com/office/drawing/2010/main" val="0"/>
+              </a:ext>
+            </a:extLst>
+          </a:blip>
+          <a:srcRect/>
+          <a:stretch>
+            <a:fillRect/>
+          </a:stretch>
+        </p:blipFill>
+        <p:spPr bwMode="auto">
+          <a:xfrm>
+            <a:off x="539552" y="1268760"/>
+            <a:ext cx="8011083" cy="4783403"/>
+          </a:xfrm>
+          <a:prstGeom prst="rect">
+            <a:avLst/>
+          </a:prstGeom>
+          <a:noFill/>
+          <a:extLst>
+            <a:ext uri="{909E8E84-426E-40DD-AFC4-6F175D3DCCD1}">
+              <a14:hiddenFill xmlns:a14="http://schemas.microsoft.com/office/drawing/2010/main">
+                <a:solidFill>
+                  <a:srgbClr val="FFFFFF"/>
+                </a:solidFill>
+              </a14:hiddenFill>
+            </a:ext>
+          </a:extLst>
+        </p:spPr>
+      </p:pic>
+    </p:spTree>
+    <p:extLst>
+      <p:ext uri="{BB962C8B-B14F-4D97-AF65-F5344CB8AC3E}">
+        <p14:creationId xmlns:p14="http://schemas.microsoft.com/office/powerpoint/2010/main" val="1233717884"/>
+      </p:ext>
+    </p:extLst>
+  </p:cSld>
+  <p:clrMapOvr>
+    <a:masterClrMapping/>
+  </p:clrMapOvr>
+  <p:timing>
+    <p:tnLst>
+      <p:par>
+        <p:cTn id="1" dur="indefinite" restart="never" nodeType="tmRoot"/>
+      </p:par>
+    </p:tnLst>
+  </p:timing>
+</p:sld>
+</file>
+
+<file path=ppt/slides/slide15.xml><?xml version="1.0" encoding="utf-8"?>
+<p:sld xmlns:a="http://schemas.openxmlformats.org/drawingml/2006/main" xmlns:r="http://schemas.openxmlformats.org/officeDocument/2006/relationships" xmlns:p="http://schemas.openxmlformats.org/presentationml/2006/main">
+  <p:cSld>
+    <p:spTree>
+      <p:nvGrpSpPr>
+        <p:cNvPr id="1" name=""/>
+        <p:cNvGrpSpPr/>
+        <p:nvPr/>
+      </p:nvGrpSpPr>
+      <p:grpSpPr>
+        <a:xfrm>
+          <a:off x="0" y="0"/>
+          <a:ext cx="0" cy="0"/>
+          <a:chOff x="0" y="0"/>
+          <a:chExt cx="0" cy="0"/>
+        </a:xfrm>
+      </p:grpSpPr>
+      <p:sp>
+        <p:nvSpPr>
+          <p:cNvPr id="2" name="Title 1"/>
+          <p:cNvSpPr>
+            <a:spLocks noGrp="1"/>
+          </p:cNvSpPr>
+          <p:nvPr>
+            <p:ph type="title"/>
+          </p:nvPr>
+        </p:nvSpPr>
+        <p:spPr/>
+        <p:txBody>
+          <a:bodyPr/>
+          <a:lstStyle/>
+          <a:p>
+            <a:r>
+              <a:rPr lang="id-ID" dirty="0" smtClean="0"/>
+              <a:t>Data Bobot</a:t>
+            </a:r>
+            <a:endParaRPr lang="id-ID" dirty="0"/>
+          </a:p>
+        </p:txBody>
+      </p:sp>
+      <p:pic>
+        <p:nvPicPr>
+          <p:cNvPr id="3" name="Picture 2" descr="C:\Users\user\AppData\Local\Temp\16-12-2013 10-32-43.png"/>
+          <p:cNvPicPr>
+            <a:picLocks noChangeAspect="1" noChangeArrowheads="1"/>
+          </p:cNvPicPr>
+          <p:nvPr/>
+        </p:nvPicPr>
+        <p:blipFill>
+          <a:blip r:embed="rId2">
+            <a:extLst>
+              <a:ext uri="{28A0092B-C50C-407E-A947-70E740481C1C}">
+                <a14:useLocalDpi xmlns:a14="http://schemas.microsoft.com/office/drawing/2010/main" val="0"/>
+              </a:ext>
+            </a:extLst>
+          </a:blip>
+          <a:srcRect/>
+          <a:stretch>
+            <a:fillRect/>
+          </a:stretch>
+        </p:blipFill>
+        <p:spPr bwMode="auto">
+          <a:xfrm>
+            <a:off x="539552" y="1268760"/>
+            <a:ext cx="8011083" cy="4783403"/>
+          </a:xfrm>
+          <a:prstGeom prst="rect">
+            <a:avLst/>
+          </a:prstGeom>
+          <a:noFill/>
+          <a:extLst>
+            <a:ext uri="{909E8E84-426E-40DD-AFC4-6F175D3DCCD1}">
+              <a14:hiddenFill xmlns:a14="http://schemas.microsoft.com/office/drawing/2010/main">
+                <a:solidFill>
+                  <a:srgbClr val="FFFFFF"/>
+                </a:solidFill>
+              </a14:hiddenFill>
+            </a:ext>
+          </a:extLst>
+        </p:spPr>
+      </p:pic>
+      <p:cxnSp>
+        <p:nvCxnSpPr>
+          <p:cNvPr id="4" name="Straight Arrow Connector 3"/>
+          <p:cNvCxnSpPr/>
+          <p:nvPr/>
+        </p:nvCxnSpPr>
+        <p:spPr>
+          <a:xfrm>
+            <a:off x="2870630" y="2577465"/>
+            <a:ext cx="792088" cy="0"/>
+          </a:xfrm>
+          <a:prstGeom prst="straightConnector1">
+            <a:avLst/>
+          </a:prstGeom>
+          <a:ln>
+            <a:tailEnd type="arrow"/>
+          </a:ln>
+        </p:spPr>
+        <p:style>
+          <a:lnRef idx="1">
+            <a:schemeClr val="accent1"/>
+          </a:lnRef>
+          <a:fillRef idx="0">
+            <a:schemeClr val="accent1"/>
+          </a:fillRef>
+          <a:effectRef idx="0">
+            <a:schemeClr val="accent1"/>
+          </a:effectRef>
+          <a:fontRef idx="minor">
+            <a:schemeClr val="tx1"/>
+          </a:fontRef>
+        </p:style>
+      </p:cxnSp>
+      <p:sp>
+        <p:nvSpPr>
+          <p:cNvPr id="5" name="TextBox 4"/>
+          <p:cNvSpPr txBox="1"/>
+          <p:nvPr/>
+        </p:nvSpPr>
+        <p:spPr>
+          <a:xfrm>
+            <a:off x="3662718" y="2408188"/>
+            <a:ext cx="867886" cy="338554"/>
+          </a:xfrm>
+          <a:prstGeom prst="rect">
+            <a:avLst/>
+          </a:prstGeom>
+          <a:noFill/>
+        </p:spPr>
+        <p:txBody>
+          <a:bodyPr wrap="square" rtlCol="0">
+            <a:spAutoFit/>
+          </a:bodyPr>
+          <a:lstStyle/>
+          <a:p>
+            <a:r>
+              <a:rPr lang="id-ID" sz="1600" b="1" dirty="0" smtClean="0">
+                <a:solidFill>
+                  <a:schemeClr val="tx2">
+                    <a:lumMod val="75000"/>
+                  </a:schemeClr>
+                </a:solidFill>
+              </a:rPr>
+              <a:t>Bobot B</a:t>
+            </a:r>
+            <a:endParaRPr lang="id-ID" sz="1600" b="1" dirty="0">
+              <a:solidFill>
+                <a:schemeClr val="tx2">
+                  <a:lumMod val="75000"/>
+                </a:schemeClr>
+              </a:solidFill>
+            </a:endParaRPr>
           </a:p>
         </p:txBody>
       </p:sp>
@@ -9564,7 +9994,7 @@
         </p:nvCxnSpPr>
         <p:spPr>
           <a:xfrm>
-            <a:off x="2987824" y="2238911"/>
+            <a:off x="2870630" y="2793350"/>
             <a:ext cx="792088" cy="0"/>
           </a:xfrm>
           <a:prstGeom prst="straightConnector1">
@@ -9597,8 +10027,8 @@
         </p:nvSpPr>
         <p:spPr>
           <a:xfrm>
-            <a:off x="3779912" y="2069634"/>
-            <a:ext cx="867886" cy="338554"/>
+            <a:off x="3662719" y="2624073"/>
+            <a:ext cx="858208" cy="338554"/>
           </a:xfrm>
           <a:prstGeom prst="rect">
             <a:avLst/>
@@ -9619,8 +10049,73 @@
                   </a:schemeClr>
                 </a:solidFill>
               </a:rPr>
-              <a:t>Bobot </a:t>
-            </a:r>
+              <a:t>Bobot C</a:t>
+            </a:r>
+            <a:endParaRPr lang="id-ID" sz="1600" b="1" dirty="0">
+              <a:solidFill>
+                <a:schemeClr val="tx2">
+                  <a:lumMod val="75000"/>
+                </a:schemeClr>
+              </a:solidFill>
+            </a:endParaRPr>
+          </a:p>
+        </p:txBody>
+      </p:sp>
+      <p:cxnSp>
+        <p:nvCxnSpPr>
+          <p:cNvPr id="8" name="Straight Arrow Connector 7"/>
+          <p:cNvCxnSpPr/>
+          <p:nvPr/>
+        </p:nvCxnSpPr>
+        <p:spPr>
+          <a:xfrm>
+            <a:off x="2870630" y="3022213"/>
+            <a:ext cx="792088" cy="0"/>
+          </a:xfrm>
+          <a:prstGeom prst="straightConnector1">
+            <a:avLst/>
+          </a:prstGeom>
+          <a:ln>
+            <a:tailEnd type="arrow"/>
+          </a:ln>
+        </p:spPr>
+        <p:style>
+          <a:lnRef idx="1">
+            <a:schemeClr val="accent1"/>
+          </a:lnRef>
+          <a:fillRef idx="0">
+            <a:schemeClr val="accent1"/>
+          </a:fillRef>
+          <a:effectRef idx="0">
+            <a:schemeClr val="accent1"/>
+          </a:effectRef>
+          <a:fontRef idx="minor">
+            <a:schemeClr val="tx1"/>
+          </a:fontRef>
+        </p:style>
+      </p:cxnSp>
+      <p:sp>
+        <p:nvSpPr>
+          <p:cNvPr id="9" name="TextBox 8"/>
+          <p:cNvSpPr txBox="1"/>
+          <p:nvPr/>
+        </p:nvSpPr>
+        <p:spPr>
+          <a:xfrm>
+            <a:off x="3662718" y="2852936"/>
+            <a:ext cx="911719" cy="338554"/>
+          </a:xfrm>
+          <a:prstGeom prst="rect">
+            <a:avLst/>
+          </a:prstGeom>
+          <a:noFill/>
+        </p:spPr>
+        <p:txBody>
+          <a:bodyPr wrap="square" rtlCol="0">
+            <a:spAutoFit/>
+          </a:bodyPr>
+          <a:lstStyle/>
+          <a:p>
             <a:r>
               <a:rPr lang="id-ID" sz="1600" b="1" dirty="0" smtClean="0">
                 <a:solidFill>
@@ -9629,7 +10124,7 @@
                   </a:schemeClr>
                 </a:solidFill>
               </a:rPr>
-              <a:t>B</a:t>
+              <a:t>Bobot D</a:t>
             </a:r>
             <a:endParaRPr lang="id-ID" sz="1600" b="1" dirty="0">
               <a:solidFill>
@@ -9649,8 +10144,8 @@
         </p:nvCxnSpPr>
         <p:spPr>
           <a:xfrm>
-            <a:off x="2987824" y="2454796"/>
-            <a:ext cx="792088" cy="0"/>
+            <a:off x="2340225" y="4119400"/>
+            <a:ext cx="396044" cy="0"/>
           </a:xfrm>
           <a:prstGeom prst="straightConnector1">
             <a:avLst/>
@@ -9682,8 +10177,8 @@
         </p:nvSpPr>
         <p:spPr>
           <a:xfrm>
-            <a:off x="3779913" y="2285519"/>
-            <a:ext cx="858208" cy="338554"/>
+            <a:off x="2742663" y="3968674"/>
+            <a:ext cx="867886" cy="338554"/>
           </a:xfrm>
           <a:prstGeom prst="rect">
             <a:avLst/>
@@ -9704,7 +10199,7 @@
                   </a:schemeClr>
                 </a:solidFill>
               </a:rPr>
-              <a:t>Bobot C</a:t>
+              <a:t>Bobot E</a:t>
             </a:r>
             <a:endParaRPr lang="id-ID" sz="1600" b="1" dirty="0">
               <a:solidFill>
@@ -9718,14 +10213,14 @@
       </p:sp>
       <p:cxnSp>
         <p:nvCxnSpPr>
-          <p:cNvPr id="25" name="Straight Arrow Connector 24"/>
+          <p:cNvPr id="12" name="Straight Arrow Connector 11"/>
           <p:cNvCxnSpPr/>
           <p:nvPr/>
         </p:nvCxnSpPr>
         <p:spPr>
           <a:xfrm>
-            <a:off x="2987824" y="2683659"/>
-            <a:ext cx="792088" cy="0"/>
+            <a:off x="2340225" y="4335285"/>
+            <a:ext cx="396044" cy="0"/>
           </a:xfrm>
           <a:prstGeom prst="straightConnector1">
             <a:avLst/>
@@ -9751,13 +10246,88 @@
       </p:cxnSp>
       <p:sp>
         <p:nvSpPr>
-          <p:cNvPr id="26" name="TextBox 25"/>
+          <p:cNvPr id="13" name="TextBox 12"/>
           <p:cNvSpPr txBox="1"/>
           <p:nvPr/>
         </p:nvSpPr>
         <p:spPr>
           <a:xfrm>
-            <a:off x="3779912" y="2514382"/>
+            <a:off x="2742664" y="4184559"/>
+            <a:ext cx="858208" cy="338554"/>
+          </a:xfrm>
+          <a:prstGeom prst="rect">
+            <a:avLst/>
+          </a:prstGeom>
+          <a:noFill/>
+        </p:spPr>
+        <p:txBody>
+          <a:bodyPr wrap="square" rtlCol="0">
+            <a:spAutoFit/>
+          </a:bodyPr>
+          <a:lstStyle/>
+          <a:p>
+            <a:r>
+              <a:rPr lang="id-ID" sz="1600" b="1" dirty="0" smtClean="0">
+                <a:solidFill>
+                  <a:schemeClr val="tx2">
+                    <a:lumMod val="75000"/>
+                  </a:schemeClr>
+                </a:solidFill>
+              </a:rPr>
+              <a:t>Bobot F</a:t>
+            </a:r>
+            <a:endParaRPr lang="id-ID" sz="1600" b="1" dirty="0">
+              <a:solidFill>
+                <a:schemeClr val="tx2">
+                  <a:lumMod val="75000"/>
+                </a:schemeClr>
+              </a:solidFill>
+            </a:endParaRPr>
+          </a:p>
+        </p:txBody>
+      </p:sp>
+      <p:cxnSp>
+        <p:nvCxnSpPr>
+          <p:cNvPr id="14" name="Straight Arrow Connector 13"/>
+          <p:cNvCxnSpPr/>
+          <p:nvPr/>
+        </p:nvCxnSpPr>
+        <p:spPr>
+          <a:xfrm>
+            <a:off x="2341240" y="4564148"/>
+            <a:ext cx="395029" cy="0"/>
+          </a:xfrm>
+          <a:prstGeom prst="straightConnector1">
+            <a:avLst/>
+          </a:prstGeom>
+          <a:ln>
+            <a:tailEnd type="arrow"/>
+          </a:ln>
+        </p:spPr>
+        <p:style>
+          <a:lnRef idx="1">
+            <a:schemeClr val="accent1"/>
+          </a:lnRef>
+          <a:fillRef idx="0">
+            <a:schemeClr val="accent1"/>
+          </a:fillRef>
+          <a:effectRef idx="0">
+            <a:schemeClr val="accent1"/>
+          </a:effectRef>
+          <a:fontRef idx="minor">
+            <a:schemeClr val="tx1"/>
+          </a:fontRef>
+        </p:style>
+      </p:cxnSp>
+      <p:sp>
+        <p:nvSpPr>
+          <p:cNvPr id="15" name="TextBox 14"/>
+          <p:cNvSpPr txBox="1"/>
+          <p:nvPr/>
+        </p:nvSpPr>
+        <p:spPr>
+          <a:xfrm>
+            <a:off x="2742663" y="4413422"/>
             <a:ext cx="911719" cy="338554"/>
           </a:xfrm>
           <a:prstGeom prst="rect">
@@ -9779,8 +10349,73 @@
                   </a:schemeClr>
                 </a:solidFill>
               </a:rPr>
-              <a:t>Bobot </a:t>
-            </a:r>
+              <a:t>Bobot G</a:t>
+            </a:r>
+            <a:endParaRPr lang="id-ID" sz="1600" b="1" dirty="0">
+              <a:solidFill>
+                <a:schemeClr val="tx2">
+                  <a:lumMod val="75000"/>
+                </a:schemeClr>
+              </a:solidFill>
+            </a:endParaRPr>
+          </a:p>
+        </p:txBody>
+      </p:sp>
+      <p:cxnSp>
+        <p:nvCxnSpPr>
+          <p:cNvPr id="16" name="Straight Arrow Connector 15"/>
+          <p:cNvCxnSpPr/>
+          <p:nvPr/>
+        </p:nvCxnSpPr>
+        <p:spPr>
+          <a:xfrm>
+            <a:off x="2353940" y="4786522"/>
+            <a:ext cx="382329" cy="0"/>
+          </a:xfrm>
+          <a:prstGeom prst="straightConnector1">
+            <a:avLst/>
+          </a:prstGeom>
+          <a:ln>
+            <a:tailEnd type="arrow"/>
+          </a:ln>
+        </p:spPr>
+        <p:style>
+          <a:lnRef idx="1">
+            <a:schemeClr val="accent1"/>
+          </a:lnRef>
+          <a:fillRef idx="0">
+            <a:schemeClr val="accent1"/>
+          </a:fillRef>
+          <a:effectRef idx="0">
+            <a:schemeClr val="accent1"/>
+          </a:effectRef>
+          <a:fontRef idx="minor">
+            <a:schemeClr val="tx1"/>
+          </a:fontRef>
+        </p:style>
+      </p:cxnSp>
+      <p:sp>
+        <p:nvSpPr>
+          <p:cNvPr id="17" name="TextBox 16"/>
+          <p:cNvSpPr txBox="1"/>
+          <p:nvPr/>
+        </p:nvSpPr>
+        <p:spPr>
+          <a:xfrm>
+            <a:off x="2755363" y="4635796"/>
+            <a:ext cx="911719" cy="338554"/>
+          </a:xfrm>
+          <a:prstGeom prst="rect">
+            <a:avLst/>
+          </a:prstGeom>
+          <a:noFill/>
+        </p:spPr>
+        <p:txBody>
+          <a:bodyPr wrap="square" rtlCol="0">
+            <a:spAutoFit/>
+          </a:bodyPr>
+          <a:lstStyle/>
+          <a:p>
             <a:r>
               <a:rPr lang="id-ID" sz="1600" b="1" dirty="0" smtClean="0">
                 <a:solidFill>
@@ -9789,7 +10424,82 @@
                   </a:schemeClr>
                 </a:solidFill>
               </a:rPr>
-              <a:t>D</a:t>
+              <a:t>Bobot H</a:t>
+            </a:r>
+            <a:endParaRPr lang="id-ID" sz="1600" b="1" dirty="0">
+              <a:solidFill>
+                <a:schemeClr val="tx2">
+                  <a:lumMod val="75000"/>
+                </a:schemeClr>
+              </a:solidFill>
+            </a:endParaRPr>
+          </a:p>
+        </p:txBody>
+      </p:sp>
+      <p:cxnSp>
+        <p:nvCxnSpPr>
+          <p:cNvPr id="30" name="Straight Arrow Connector 29"/>
+          <p:cNvCxnSpPr/>
+          <p:nvPr/>
+        </p:nvCxnSpPr>
+        <p:spPr>
+          <a:xfrm>
+            <a:off x="4571999" y="4119400"/>
+            <a:ext cx="396044" cy="0"/>
+          </a:xfrm>
+          <a:prstGeom prst="straightConnector1">
+            <a:avLst/>
+          </a:prstGeom>
+          <a:ln>
+            <a:tailEnd type="arrow"/>
+          </a:ln>
+        </p:spPr>
+        <p:style>
+          <a:lnRef idx="1">
+            <a:schemeClr val="accent1"/>
+          </a:lnRef>
+          <a:fillRef idx="0">
+            <a:schemeClr val="accent1"/>
+          </a:fillRef>
+          <a:effectRef idx="0">
+            <a:schemeClr val="accent1"/>
+          </a:effectRef>
+          <a:fontRef idx="minor">
+            <a:schemeClr val="tx1"/>
+          </a:fontRef>
+        </p:style>
+      </p:cxnSp>
+      <p:sp>
+        <p:nvSpPr>
+          <p:cNvPr id="31" name="TextBox 30"/>
+          <p:cNvSpPr txBox="1"/>
+          <p:nvPr/>
+        </p:nvSpPr>
+        <p:spPr>
+          <a:xfrm>
+            <a:off x="4932040" y="3941842"/>
+            <a:ext cx="867886" cy="338554"/>
+          </a:xfrm>
+          <a:prstGeom prst="rect">
+            <a:avLst/>
+          </a:prstGeom>
+          <a:noFill/>
+        </p:spPr>
+        <p:txBody>
+          <a:bodyPr wrap="square" rtlCol="0">
+            <a:spAutoFit/>
+          </a:bodyPr>
+          <a:lstStyle/>
+          <a:p>
+            <a:r>
+              <a:rPr lang="id-ID" sz="1600" b="1" dirty="0" smtClean="0">
+                <a:solidFill>
+                  <a:schemeClr val="tx2">
+                    <a:lumMod val="75000"/>
+                  </a:schemeClr>
+                </a:solidFill>
+              </a:rPr>
+              <a:t>Bobot I</a:t>
             </a:r>
             <a:endParaRPr lang="id-ID" sz="1600" b="1" dirty="0">
               <a:solidFill>
@@ -9809,8 +10519,8 @@
         </p:nvCxnSpPr>
         <p:spPr>
           <a:xfrm>
-            <a:off x="2974109" y="3348345"/>
-            <a:ext cx="792088" cy="0"/>
+            <a:off x="4571999" y="4335285"/>
+            <a:ext cx="396044" cy="0"/>
           </a:xfrm>
           <a:prstGeom prst="straightConnector1">
             <a:avLst/>
@@ -9842,8 +10552,8 @@
         </p:nvSpPr>
         <p:spPr>
           <a:xfrm>
-            <a:off x="3766197" y="3179068"/>
-            <a:ext cx="867886" cy="338554"/>
+            <a:off x="4932041" y="4157727"/>
+            <a:ext cx="858208" cy="338554"/>
           </a:xfrm>
           <a:prstGeom prst="rect">
             <a:avLst/>
@@ -9864,7 +10574,7 @@
                   </a:schemeClr>
                 </a:solidFill>
               </a:rPr>
-              <a:t>Bobot E</a:t>
+              <a:t>Bobot J</a:t>
             </a:r>
             <a:endParaRPr lang="id-ID" sz="1600" b="1" dirty="0">
               <a:solidFill>
@@ -9884,8 +10594,8 @@
         </p:nvCxnSpPr>
         <p:spPr>
           <a:xfrm>
-            <a:off x="2974109" y="3564230"/>
-            <a:ext cx="792088" cy="0"/>
+            <a:off x="4571999" y="4564148"/>
+            <a:ext cx="396044" cy="0"/>
           </a:xfrm>
           <a:prstGeom prst="straightConnector1">
             <a:avLst/>
@@ -9917,8 +10627,8 @@
         </p:nvSpPr>
         <p:spPr>
           <a:xfrm>
-            <a:off x="3766198" y="3394953"/>
-            <a:ext cx="858208" cy="338554"/>
+            <a:off x="4932040" y="4386590"/>
+            <a:ext cx="911719" cy="338554"/>
           </a:xfrm>
           <a:prstGeom prst="rect">
             <a:avLst/>
@@ -9939,17 +10649,7 @@
                   </a:schemeClr>
                 </a:solidFill>
               </a:rPr>
-              <a:t>Bobot </a:t>
-            </a:r>
-            <a:r>
-              <a:rPr lang="id-ID" sz="1600" b="1" dirty="0" smtClean="0">
-                <a:solidFill>
-                  <a:schemeClr val="tx2">
-                    <a:lumMod val="75000"/>
-                  </a:schemeClr>
-                </a:solidFill>
-              </a:rPr>
-              <a:t>F</a:t>
+              <a:t>Bobot K</a:t>
             </a:r>
             <a:endParaRPr lang="id-ID" sz="1600" b="1" dirty="0">
               <a:solidFill>
@@ -9963,14 +10663,14 @@
       </p:sp>
       <p:cxnSp>
         <p:nvCxnSpPr>
-          <p:cNvPr id="36" name="Straight Arrow Connector 35"/>
+          <p:cNvPr id="41" name="Straight Arrow Connector 40"/>
           <p:cNvCxnSpPr/>
           <p:nvPr/>
         </p:nvCxnSpPr>
         <p:spPr>
           <a:xfrm>
-            <a:off x="2975124" y="3793093"/>
-            <a:ext cx="792088" cy="0"/>
+            <a:off x="6804248" y="4078365"/>
+            <a:ext cx="396044" cy="0"/>
           </a:xfrm>
           <a:prstGeom prst="straightConnector1">
             <a:avLst/>
@@ -9996,14 +10696,14 @@
       </p:cxnSp>
       <p:sp>
         <p:nvSpPr>
-          <p:cNvPr id="37" name="TextBox 36"/>
+          <p:cNvPr id="42" name="TextBox 41"/>
           <p:cNvSpPr txBox="1"/>
           <p:nvPr/>
         </p:nvSpPr>
         <p:spPr>
           <a:xfrm>
-            <a:off x="3766197" y="3623816"/>
-            <a:ext cx="911719" cy="338554"/>
+            <a:off x="7167233" y="3909088"/>
+            <a:ext cx="858208" cy="338554"/>
           </a:xfrm>
           <a:prstGeom prst="rect">
             <a:avLst/>
@@ -10024,17 +10724,7 @@
                   </a:schemeClr>
                 </a:solidFill>
               </a:rPr>
-              <a:t>Bobot </a:t>
-            </a:r>
-            <a:r>
-              <a:rPr lang="id-ID" sz="1600" b="1" dirty="0" smtClean="0">
-                <a:solidFill>
-                  <a:schemeClr val="tx2">
-                    <a:lumMod val="75000"/>
-                  </a:schemeClr>
-                </a:solidFill>
-              </a:rPr>
-              <a:t>G</a:t>
+              <a:t>Bobot L</a:t>
             </a:r>
             <a:endParaRPr lang="id-ID" sz="1600" b="1" dirty="0">
               <a:solidFill>
@@ -10048,14 +10738,14 @@
       </p:sp>
       <p:cxnSp>
         <p:nvCxnSpPr>
-          <p:cNvPr id="38" name="Straight Arrow Connector 37"/>
+          <p:cNvPr id="43" name="Straight Arrow Connector 42"/>
           <p:cNvCxnSpPr/>
           <p:nvPr/>
         </p:nvCxnSpPr>
         <p:spPr>
           <a:xfrm>
-            <a:off x="2987824" y="4015467"/>
-            <a:ext cx="792088" cy="0"/>
+            <a:off x="6804248" y="4307228"/>
+            <a:ext cx="396044" cy="0"/>
           </a:xfrm>
           <a:prstGeom prst="straightConnector1">
             <a:avLst/>
@@ -10081,428 +10771,13 @@
       </p:cxnSp>
       <p:sp>
         <p:nvSpPr>
-          <p:cNvPr id="39" name="TextBox 38"/>
+          <p:cNvPr id="44" name="TextBox 43"/>
           <p:cNvSpPr txBox="1"/>
           <p:nvPr/>
         </p:nvSpPr>
         <p:spPr>
           <a:xfrm>
-            <a:off x="3778897" y="3846190"/>
-            <a:ext cx="911719" cy="338554"/>
-          </a:xfrm>
-          <a:prstGeom prst="rect">
-            <a:avLst/>
-          </a:prstGeom>
-          <a:noFill/>
-        </p:spPr>
-        <p:txBody>
-          <a:bodyPr wrap="square" rtlCol="0">
-            <a:spAutoFit/>
-          </a:bodyPr>
-          <a:lstStyle/>
-          <a:p>
-            <a:r>
-              <a:rPr lang="id-ID" sz="1600" b="1" dirty="0" smtClean="0">
-                <a:solidFill>
-                  <a:schemeClr val="tx2">
-                    <a:lumMod val="75000"/>
-                  </a:schemeClr>
-                </a:solidFill>
-              </a:rPr>
-              <a:t>Bobot </a:t>
-            </a:r>
-            <a:r>
-              <a:rPr lang="id-ID" sz="1600" b="1" dirty="0" smtClean="0">
-                <a:solidFill>
-                  <a:schemeClr val="tx2">
-                    <a:lumMod val="75000"/>
-                  </a:schemeClr>
-                </a:solidFill>
-              </a:rPr>
-              <a:t>H</a:t>
-            </a:r>
-            <a:endParaRPr lang="id-ID" sz="1600" b="1" dirty="0">
-              <a:solidFill>
-                <a:schemeClr val="tx2">
-                  <a:lumMod val="75000"/>
-                </a:schemeClr>
-              </a:solidFill>
-            </a:endParaRPr>
-          </a:p>
-        </p:txBody>
-      </p:sp>
-      <p:cxnSp>
-        <p:nvCxnSpPr>
-          <p:cNvPr id="40" name="Straight Arrow Connector 39"/>
-          <p:cNvCxnSpPr/>
-          <p:nvPr/>
-        </p:nvCxnSpPr>
-        <p:spPr>
-          <a:xfrm>
-            <a:off x="2981475" y="4657501"/>
-            <a:ext cx="792088" cy="0"/>
-          </a:xfrm>
-          <a:prstGeom prst="straightConnector1">
-            <a:avLst/>
-          </a:prstGeom>
-          <a:ln>
-            <a:tailEnd type="arrow"/>
-          </a:ln>
-        </p:spPr>
-        <p:style>
-          <a:lnRef idx="1">
-            <a:schemeClr val="accent1"/>
-          </a:lnRef>
-          <a:fillRef idx="0">
-            <a:schemeClr val="accent1"/>
-          </a:fillRef>
-          <a:effectRef idx="0">
-            <a:schemeClr val="accent1"/>
-          </a:effectRef>
-          <a:fontRef idx="minor">
-            <a:schemeClr val="tx1"/>
-          </a:fontRef>
-        </p:style>
-      </p:cxnSp>
-      <p:sp>
-        <p:nvSpPr>
-          <p:cNvPr id="41" name="TextBox 40"/>
-          <p:cNvSpPr txBox="1"/>
-          <p:nvPr/>
-        </p:nvSpPr>
-        <p:spPr>
-          <a:xfrm>
-            <a:off x="3773563" y="4488224"/>
-            <a:ext cx="867886" cy="338554"/>
-          </a:xfrm>
-          <a:prstGeom prst="rect">
-            <a:avLst/>
-          </a:prstGeom>
-          <a:noFill/>
-        </p:spPr>
-        <p:txBody>
-          <a:bodyPr wrap="square" rtlCol="0">
-            <a:spAutoFit/>
-          </a:bodyPr>
-          <a:lstStyle/>
-          <a:p>
-            <a:r>
-              <a:rPr lang="id-ID" sz="1600" b="1" dirty="0" smtClean="0">
-                <a:solidFill>
-                  <a:schemeClr val="tx2">
-                    <a:lumMod val="75000"/>
-                  </a:schemeClr>
-                </a:solidFill>
-              </a:rPr>
-              <a:t>Bobot I</a:t>
-            </a:r>
-            <a:endParaRPr lang="id-ID" sz="1600" b="1" dirty="0">
-              <a:solidFill>
-                <a:schemeClr val="tx2">
-                  <a:lumMod val="75000"/>
-                </a:schemeClr>
-              </a:solidFill>
-            </a:endParaRPr>
-          </a:p>
-        </p:txBody>
-      </p:sp>
-      <p:cxnSp>
-        <p:nvCxnSpPr>
-          <p:cNvPr id="42" name="Straight Arrow Connector 41"/>
-          <p:cNvCxnSpPr/>
-          <p:nvPr/>
-        </p:nvCxnSpPr>
-        <p:spPr>
-          <a:xfrm>
-            <a:off x="2981475" y="4873386"/>
-            <a:ext cx="792088" cy="0"/>
-          </a:xfrm>
-          <a:prstGeom prst="straightConnector1">
-            <a:avLst/>
-          </a:prstGeom>
-          <a:ln>
-            <a:tailEnd type="arrow"/>
-          </a:ln>
-        </p:spPr>
-        <p:style>
-          <a:lnRef idx="1">
-            <a:schemeClr val="accent1"/>
-          </a:lnRef>
-          <a:fillRef idx="0">
-            <a:schemeClr val="accent1"/>
-          </a:fillRef>
-          <a:effectRef idx="0">
-            <a:schemeClr val="accent1"/>
-          </a:effectRef>
-          <a:fontRef idx="minor">
-            <a:schemeClr val="tx1"/>
-          </a:fontRef>
-        </p:style>
-      </p:cxnSp>
-      <p:sp>
-        <p:nvSpPr>
-          <p:cNvPr id="43" name="TextBox 42"/>
-          <p:cNvSpPr txBox="1"/>
-          <p:nvPr/>
-        </p:nvSpPr>
-        <p:spPr>
-          <a:xfrm>
-            <a:off x="3773564" y="4704109"/>
-            <a:ext cx="858208" cy="338554"/>
-          </a:xfrm>
-          <a:prstGeom prst="rect">
-            <a:avLst/>
-          </a:prstGeom>
-          <a:noFill/>
-        </p:spPr>
-        <p:txBody>
-          <a:bodyPr wrap="square" rtlCol="0">
-            <a:spAutoFit/>
-          </a:bodyPr>
-          <a:lstStyle/>
-          <a:p>
-            <a:r>
-              <a:rPr lang="id-ID" sz="1600" b="1" dirty="0" smtClean="0">
-                <a:solidFill>
-                  <a:schemeClr val="tx2">
-                    <a:lumMod val="75000"/>
-                  </a:schemeClr>
-                </a:solidFill>
-              </a:rPr>
-              <a:t>Bobot </a:t>
-            </a:r>
-            <a:r>
-              <a:rPr lang="id-ID" sz="1600" b="1" dirty="0" smtClean="0">
-                <a:solidFill>
-                  <a:schemeClr val="tx2">
-                    <a:lumMod val="75000"/>
-                  </a:schemeClr>
-                </a:solidFill>
-              </a:rPr>
-              <a:t>J</a:t>
-            </a:r>
-            <a:endParaRPr lang="id-ID" sz="1600" b="1" dirty="0">
-              <a:solidFill>
-                <a:schemeClr val="tx2">
-                  <a:lumMod val="75000"/>
-                </a:schemeClr>
-              </a:solidFill>
-            </a:endParaRPr>
-          </a:p>
-        </p:txBody>
-      </p:sp>
-      <p:cxnSp>
-        <p:nvCxnSpPr>
-          <p:cNvPr id="44" name="Straight Arrow Connector 43"/>
-          <p:cNvCxnSpPr/>
-          <p:nvPr/>
-        </p:nvCxnSpPr>
-        <p:spPr>
-          <a:xfrm>
-            <a:off x="2981475" y="5102249"/>
-            <a:ext cx="792088" cy="0"/>
-          </a:xfrm>
-          <a:prstGeom prst="straightConnector1">
-            <a:avLst/>
-          </a:prstGeom>
-          <a:ln>
-            <a:tailEnd type="arrow"/>
-          </a:ln>
-        </p:spPr>
-        <p:style>
-          <a:lnRef idx="1">
-            <a:schemeClr val="accent1"/>
-          </a:lnRef>
-          <a:fillRef idx="0">
-            <a:schemeClr val="accent1"/>
-          </a:fillRef>
-          <a:effectRef idx="0">
-            <a:schemeClr val="accent1"/>
-          </a:effectRef>
-          <a:fontRef idx="minor">
-            <a:schemeClr val="tx1"/>
-          </a:fontRef>
-        </p:style>
-      </p:cxnSp>
-      <p:sp>
-        <p:nvSpPr>
-          <p:cNvPr id="45" name="TextBox 44"/>
-          <p:cNvSpPr txBox="1"/>
-          <p:nvPr/>
-        </p:nvSpPr>
-        <p:spPr>
-          <a:xfrm>
-            <a:off x="3773563" y="4932972"/>
-            <a:ext cx="911719" cy="338554"/>
-          </a:xfrm>
-          <a:prstGeom prst="rect">
-            <a:avLst/>
-          </a:prstGeom>
-          <a:noFill/>
-        </p:spPr>
-        <p:txBody>
-          <a:bodyPr wrap="square" rtlCol="0">
-            <a:spAutoFit/>
-          </a:bodyPr>
-          <a:lstStyle/>
-          <a:p>
-            <a:r>
-              <a:rPr lang="id-ID" sz="1600" b="1" dirty="0" smtClean="0">
-                <a:solidFill>
-                  <a:schemeClr val="tx2">
-                    <a:lumMod val="75000"/>
-                  </a:schemeClr>
-                </a:solidFill>
-              </a:rPr>
-              <a:t>Bobot </a:t>
-            </a:r>
-            <a:r>
-              <a:rPr lang="id-ID" sz="1600" b="1" dirty="0" smtClean="0">
-                <a:solidFill>
-                  <a:schemeClr val="tx2">
-                    <a:lumMod val="75000"/>
-                  </a:schemeClr>
-                </a:solidFill>
-              </a:rPr>
-              <a:t>K</a:t>
-            </a:r>
-            <a:endParaRPr lang="id-ID" sz="1600" b="1" dirty="0">
-              <a:solidFill>
-                <a:schemeClr val="tx2">
-                  <a:lumMod val="75000"/>
-                </a:schemeClr>
-              </a:solidFill>
-            </a:endParaRPr>
-          </a:p>
-        </p:txBody>
-      </p:sp>
-      <p:cxnSp>
-        <p:nvCxnSpPr>
-          <p:cNvPr id="47" name="Straight Arrow Connector 46"/>
-          <p:cNvCxnSpPr/>
-          <p:nvPr/>
-        </p:nvCxnSpPr>
-        <p:spPr>
-          <a:xfrm>
-            <a:off x="2961069" y="5745678"/>
-            <a:ext cx="792088" cy="0"/>
-          </a:xfrm>
-          <a:prstGeom prst="straightConnector1">
-            <a:avLst/>
-          </a:prstGeom>
-          <a:ln>
-            <a:tailEnd type="arrow"/>
-          </a:ln>
-        </p:spPr>
-        <p:style>
-          <a:lnRef idx="1">
-            <a:schemeClr val="accent1"/>
-          </a:lnRef>
-          <a:fillRef idx="0">
-            <a:schemeClr val="accent1"/>
-          </a:fillRef>
-          <a:effectRef idx="0">
-            <a:schemeClr val="accent1"/>
-          </a:effectRef>
-          <a:fontRef idx="minor">
-            <a:schemeClr val="tx1"/>
-          </a:fontRef>
-        </p:style>
-      </p:cxnSp>
-      <p:sp>
-        <p:nvSpPr>
-          <p:cNvPr id="48" name="TextBox 47"/>
-          <p:cNvSpPr txBox="1"/>
-          <p:nvPr/>
-        </p:nvSpPr>
-        <p:spPr>
-          <a:xfrm>
-            <a:off x="3753158" y="5576401"/>
-            <a:ext cx="858208" cy="338554"/>
-          </a:xfrm>
-          <a:prstGeom prst="rect">
-            <a:avLst/>
-          </a:prstGeom>
-          <a:noFill/>
-        </p:spPr>
-        <p:txBody>
-          <a:bodyPr wrap="square" rtlCol="0">
-            <a:spAutoFit/>
-          </a:bodyPr>
-          <a:lstStyle/>
-          <a:p>
-            <a:r>
-              <a:rPr lang="id-ID" sz="1600" b="1" dirty="0" smtClean="0">
-                <a:solidFill>
-                  <a:schemeClr val="tx2">
-                    <a:lumMod val="75000"/>
-                  </a:schemeClr>
-                </a:solidFill>
-              </a:rPr>
-              <a:t>Bobot </a:t>
-            </a:r>
-            <a:r>
-              <a:rPr lang="id-ID" sz="1600" b="1" dirty="0" smtClean="0">
-                <a:solidFill>
-                  <a:schemeClr val="tx2">
-                    <a:lumMod val="75000"/>
-                  </a:schemeClr>
-                </a:solidFill>
-              </a:rPr>
-              <a:t>L</a:t>
-            </a:r>
-            <a:endParaRPr lang="id-ID" sz="1600" b="1" dirty="0">
-              <a:solidFill>
-                <a:schemeClr val="tx2">
-                  <a:lumMod val="75000"/>
-                </a:schemeClr>
-              </a:solidFill>
-            </a:endParaRPr>
-          </a:p>
-        </p:txBody>
-      </p:sp>
-      <p:cxnSp>
-        <p:nvCxnSpPr>
-          <p:cNvPr id="49" name="Straight Arrow Connector 48"/>
-          <p:cNvCxnSpPr/>
-          <p:nvPr/>
-        </p:nvCxnSpPr>
-        <p:spPr>
-          <a:xfrm>
-            <a:off x="2961069" y="5974541"/>
-            <a:ext cx="792088" cy="0"/>
-          </a:xfrm>
-          <a:prstGeom prst="straightConnector1">
-            <a:avLst/>
-          </a:prstGeom>
-          <a:ln>
-            <a:tailEnd type="arrow"/>
-          </a:ln>
-        </p:spPr>
-        <p:style>
-          <a:lnRef idx="1">
-            <a:schemeClr val="accent1"/>
-          </a:lnRef>
-          <a:fillRef idx="0">
-            <a:schemeClr val="accent1"/>
-          </a:fillRef>
-          <a:effectRef idx="0">
-            <a:schemeClr val="accent1"/>
-          </a:effectRef>
-          <a:fontRef idx="minor">
-            <a:schemeClr val="tx1"/>
-          </a:fontRef>
-        </p:style>
-      </p:cxnSp>
-      <p:sp>
-        <p:nvSpPr>
-          <p:cNvPr id="50" name="TextBox 49"/>
-          <p:cNvSpPr txBox="1"/>
-          <p:nvPr/>
-        </p:nvSpPr>
-        <p:spPr>
-          <a:xfrm>
-            <a:off x="3753157" y="5805264"/>
+            <a:off x="7167232" y="4137951"/>
             <a:ext cx="1034867" cy="338554"/>
           </a:xfrm>
           <a:prstGeom prst="rect">
@@ -10524,17 +10799,7 @@
                   </a:schemeClr>
                 </a:solidFill>
               </a:rPr>
-              <a:t>Bobot </a:t>
-            </a:r>
-            <a:r>
-              <a:rPr lang="id-ID" sz="1600" b="1" dirty="0" smtClean="0">
-                <a:solidFill>
-                  <a:schemeClr val="tx2">
-                    <a:lumMod val="75000"/>
-                  </a:schemeClr>
-                </a:solidFill>
-              </a:rPr>
-              <a:t>M</a:t>
+              <a:t>Bobot M</a:t>
             </a:r>
             <a:endParaRPr lang="id-ID" sz="1600" b="1" dirty="0">
               <a:solidFill>
@@ -10549,7 +10814,7 @@
     </p:spTree>
     <p:extLst>
       <p:ext uri="{BB962C8B-B14F-4D97-AF65-F5344CB8AC3E}">
-        <p14:creationId xmlns:p14="http://schemas.microsoft.com/office/powerpoint/2010/main" val="449580872"/>
+        <p14:creationId xmlns:p14="http://schemas.microsoft.com/office/powerpoint/2010/main" val="1017409753"/>
       </p:ext>
     </p:extLst>
   </p:cSld>
@@ -10566,7 +10831,7 @@
 </p:sld>
 </file>
 
-<file path=ppt/slides/slide15.xml><?xml version="1.0" encoding="utf-8"?>
+<file path=ppt/slides/slide16.xml><?xml version="1.0" encoding="utf-8"?>
 <p:sld xmlns:a="http://schemas.openxmlformats.org/drawingml/2006/main" xmlns:r="http://schemas.openxmlformats.org/officeDocument/2006/relationships" xmlns:p="http://schemas.openxmlformats.org/presentationml/2006/main">
   <p:cSld>
     <p:spTree>
@@ -11059,13 +11324,13 @@
       </p:sp>
       <p:pic>
         <p:nvPicPr>
-          <p:cNvPr id="1026" name="Picture 2"/>
+          <p:cNvPr id="3" name="Picture 2" descr="C:\Users\user\AppData\Local\Temp\16-12-2013 9-56-45.jpg"/>
           <p:cNvPicPr>
             <a:picLocks noChangeAspect="1" noChangeArrowheads="1"/>
           </p:cNvPicPr>
           <p:nvPr/>
         </p:nvPicPr>
-        <p:blipFill rotWithShape="1">
+        <p:blipFill>
           <a:blip r:embed="rId2">
             <a:extLst>
               <a:ext uri="{28A0092B-C50C-407E-A947-70E740481C1C}">
@@ -11073,48 +11338,27 @@
               </a:ext>
             </a:extLst>
           </a:blip>
-          <a:srcRect l="15599" r="11425"/>
-          <a:stretch/>
+          <a:srcRect/>
+          <a:stretch>
+            <a:fillRect/>
+          </a:stretch>
         </p:blipFill>
         <p:spPr bwMode="auto">
           <a:xfrm>
-            <a:off x="1187624" y="1196752"/>
-            <a:ext cx="7334398" cy="5371629"/>
+            <a:off x="715959" y="1484784"/>
+            <a:ext cx="7816481" cy="4464496"/>
           </a:xfrm>
           <a:prstGeom prst="rect">
             <a:avLst/>
           </a:prstGeom>
           <a:noFill/>
-          <a:ln>
-            <a:noFill/>
-          </a:ln>
-          <a:effectLst/>
           <a:extLst>
             <a:ext uri="{909E8E84-426E-40DD-AFC4-6F175D3DCCD1}">
               <a14:hiddenFill xmlns:a14="http://schemas.microsoft.com/office/drawing/2010/main">
                 <a:solidFill>
-                  <a:schemeClr val="accent1"/>
+                  <a:srgbClr val="FFFFFF"/>
                 </a:solidFill>
               </a14:hiddenFill>
-            </a:ext>
-            <a:ext uri="{91240B29-F687-4F45-9708-019B960494DF}">
-              <a14:hiddenLine xmlns:a14="http://schemas.microsoft.com/office/drawing/2010/main" w="9525">
-                <a:solidFill>
-                  <a:schemeClr val="tx1"/>
-                </a:solidFill>
-                <a:miter lim="800000"/>
-                <a:headEnd/>
-                <a:tailEnd/>
-              </a14:hiddenLine>
-            </a:ext>
-            <a:ext uri="{AF507438-7753-43E0-B8FC-AC1667EBCBE1}">
-              <a14:hiddenEffects xmlns:a14="http://schemas.microsoft.com/office/drawing/2010/main">
-                <a:effectLst>
-                  <a:outerShdw dist="35921" dir="2700000" algn="ctr" rotWithShape="0">
-                    <a:schemeClr val="bg2"/>
-                  </a:outerShdw>
-                </a:effectLst>
-              </a14:hiddenEffects>
             </a:ext>
           </a:extLst>
         </p:spPr>
@@ -11158,13 +11402,13 @@
       </p:grpSpPr>
       <p:pic>
         <p:nvPicPr>
-          <p:cNvPr id="14" name="Picture 2"/>
+          <p:cNvPr id="21" name="Picture 20" descr="C:\Users\user\AppData\Local\Temp\16-12-2013 9-56-45.jpg"/>
           <p:cNvPicPr>
             <a:picLocks noChangeAspect="1" noChangeArrowheads="1"/>
           </p:cNvPicPr>
           <p:nvPr/>
         </p:nvPicPr>
-        <p:blipFill rotWithShape="1">
+        <p:blipFill>
           <a:blip r:embed="rId2">
             <a:extLst>
               <a:ext uri="{28A0092B-C50C-407E-A947-70E740481C1C}">
@@ -11172,48 +11416,27 @@
               </a:ext>
             </a:extLst>
           </a:blip>
-          <a:srcRect l="15599" r="11425"/>
-          <a:stretch/>
+          <a:srcRect/>
+          <a:stretch>
+            <a:fillRect/>
+          </a:stretch>
         </p:blipFill>
         <p:spPr bwMode="auto">
           <a:xfrm>
-            <a:off x="2746349" y="1304742"/>
-            <a:ext cx="6046673" cy="4428514"/>
+            <a:off x="2333941" y="1535209"/>
+            <a:ext cx="6495950" cy="3710256"/>
           </a:xfrm>
           <a:prstGeom prst="rect">
             <a:avLst/>
           </a:prstGeom>
           <a:noFill/>
-          <a:ln>
-            <a:noFill/>
-          </a:ln>
-          <a:effectLst/>
           <a:extLst>
             <a:ext uri="{909E8E84-426E-40DD-AFC4-6F175D3DCCD1}">
               <a14:hiddenFill xmlns:a14="http://schemas.microsoft.com/office/drawing/2010/main">
                 <a:solidFill>
-                  <a:schemeClr val="accent1"/>
+                  <a:srgbClr val="FFFFFF"/>
                 </a:solidFill>
               </a14:hiddenFill>
-            </a:ext>
-            <a:ext uri="{91240B29-F687-4F45-9708-019B960494DF}">
-              <a14:hiddenLine xmlns:a14="http://schemas.microsoft.com/office/drawing/2010/main" w="9525">
-                <a:solidFill>
-                  <a:schemeClr val="tx1"/>
-                </a:solidFill>
-                <a:miter lim="800000"/>
-                <a:headEnd/>
-                <a:tailEnd/>
-              </a14:hiddenLine>
-            </a:ext>
-            <a:ext uri="{AF507438-7753-43E0-B8FC-AC1667EBCBE1}">
-              <a14:hiddenEffects xmlns:a14="http://schemas.microsoft.com/office/drawing/2010/main">
-                <a:effectLst>
-                  <a:outerShdw dist="35921" dir="2700000" algn="ctr" rotWithShape="0">
-                    <a:schemeClr val="bg2"/>
-                  </a:outerShdw>
-                </a:effectLst>
-              </a14:hiddenEffects>
             </a:ext>
           </a:extLst>
         </p:spPr>
@@ -11249,7 +11472,7 @@
         </p:nvSpPr>
         <p:spPr>
           <a:xfrm>
-            <a:off x="6173713" y="2367157"/>
+            <a:off x="5451457" y="2289052"/>
             <a:ext cx="1296144" cy="864096"/>
           </a:xfrm>
           <a:prstGeom prst="ellipse">
@@ -11291,14 +11514,15 @@
         <p:nvCxnSpPr>
           <p:cNvPr id="5" name="Straight Connector 4"/>
           <p:cNvCxnSpPr>
-            <a:stCxn id="3" idx="6"/>
+            <a:stCxn id="3" idx="2"/>
+            <a:endCxn id="7" idx="3"/>
           </p:cNvCxnSpPr>
           <p:nvPr/>
         </p:nvCxnSpPr>
         <p:spPr>
-          <a:xfrm flipV="1">
-            <a:off x="7469857" y="2367157"/>
-            <a:ext cx="790695" cy="432048"/>
+          <a:xfrm flipH="1" flipV="1">
+            <a:off x="4965619" y="2596147"/>
+            <a:ext cx="485838" cy="124953"/>
           </a:xfrm>
           <a:prstGeom prst="line">
             <a:avLst/>
@@ -11332,7 +11556,7 @@
         </p:nvSpPr>
         <p:spPr>
           <a:xfrm>
-            <a:off x="8312052" y="2013214"/>
+            <a:off x="4494015" y="2242204"/>
             <a:ext cx="471604" cy="707886"/>
           </a:xfrm>
           <a:prstGeom prst="rect">
@@ -11370,7 +11594,7 @@
         </p:nvSpPr>
         <p:spPr>
           <a:xfrm>
-            <a:off x="6163398" y="3491269"/>
+            <a:off x="6950296" y="2289052"/>
             <a:ext cx="1296144" cy="792088"/>
           </a:xfrm>
           <a:prstGeom prst="ellipse">
@@ -11414,13 +11638,16 @@
       <p:cxnSp>
         <p:nvCxnSpPr>
           <p:cNvPr id="9" name="Straight Connector 8"/>
-          <p:cNvCxnSpPr/>
+          <p:cNvCxnSpPr>
+            <a:stCxn id="11" idx="1"/>
+            <a:endCxn id="8" idx="4"/>
+          </p:cNvCxnSpPr>
           <p:nvPr/>
         </p:nvCxnSpPr>
         <p:spPr>
           <a:xfrm flipH="1" flipV="1">
-            <a:off x="7469857" y="3887313"/>
-            <a:ext cx="790695" cy="261767"/>
+            <a:off x="7598368" y="3081140"/>
+            <a:ext cx="254191" cy="674854"/>
           </a:xfrm>
           <a:prstGeom prst="line">
             <a:avLst/>
@@ -11457,7 +11684,7 @@
         </p:nvSpPr>
         <p:spPr>
           <a:xfrm>
-            <a:off x="8237131" y="3795137"/>
+            <a:off x="7852559" y="3402051"/>
             <a:ext cx="471604" cy="707886"/>
           </a:xfrm>
           <a:prstGeom prst="rect">
@@ -11677,70 +11904,7 @@
                   </a:outerShdw>
                 </a:effectLst>
               </a:rPr>
-              <a:t>A = (B x Bobot </a:t>
-            </a:r>
-            <a:r>
-              <a:rPr lang="id-ID" sz="3600" dirty="0" smtClean="0">
-                <a:ln w="18415" cmpd="sng">
-                  <a:solidFill>
-                    <a:srgbClr val="FFFFFF"/>
-                  </a:solidFill>
-                  <a:prstDash val="solid"/>
-                </a:ln>
-                <a:solidFill>
-                  <a:srgbClr val="FFFFFF"/>
-                </a:solidFill>
-                <a:effectLst>
-                  <a:outerShdw blurRad="63500" dir="3600000" algn="tl" rotWithShape="0">
-                    <a:srgbClr val="000000">
-                      <a:alpha val="70000"/>
-                    </a:srgbClr>
-                  </a:outerShdw>
-                </a:effectLst>
-              </a:rPr>
-              <a:t>+ C </a:t>
-            </a:r>
-            <a:r>
-              <a:rPr lang="id-ID" sz="3600" dirty="0" smtClean="0">
-                <a:ln w="18415" cmpd="sng">
-                  <a:solidFill>
-                    <a:srgbClr val="FFFFFF"/>
-                  </a:solidFill>
-                  <a:prstDash val="solid"/>
-                </a:ln>
-                <a:solidFill>
-                  <a:srgbClr val="FFFFFF"/>
-                </a:solidFill>
-                <a:effectLst>
-                  <a:outerShdw blurRad="63500" dir="3600000" algn="tl" rotWithShape="0">
-                    <a:srgbClr val="000000">
-                      <a:alpha val="70000"/>
-                    </a:srgbClr>
-                  </a:outerShdw>
-                </a:effectLst>
-              </a:rPr>
-              <a:t>x </a:t>
-            </a:r>
-            <a:r>
-              <a:rPr lang="id-ID" sz="3600" dirty="0" smtClean="0">
-                <a:ln w="18415" cmpd="sng">
-                  <a:solidFill>
-                    <a:srgbClr val="FFFFFF"/>
-                  </a:solidFill>
-                  <a:prstDash val="solid"/>
-                </a:ln>
-                <a:solidFill>
-                  <a:srgbClr val="FFFFFF"/>
-                </a:solidFill>
-                <a:effectLst>
-                  <a:outerShdw blurRad="63500" dir="3600000" algn="tl" rotWithShape="0">
-                    <a:srgbClr val="000000">
-                      <a:alpha val="70000"/>
-                    </a:srgbClr>
-                  </a:outerShdw>
-                </a:effectLst>
-              </a:rPr>
-              <a:t>Bobot+ D x Bobot)</a:t>
+              <a:t>A = (B x Bobot + C x Bobot+ D x Bobot)</a:t>
             </a:r>
             <a:endParaRPr lang="id-ID" sz="3600" dirty="0">
               <a:ln w="18415" cmpd="sng">
@@ -11771,7 +11935,7 @@
         </p:nvSpPr>
         <p:spPr>
           <a:xfrm>
-            <a:off x="6254668" y="4568439"/>
+            <a:off x="5451457" y="3473193"/>
             <a:ext cx="1296144" cy="792088"/>
           </a:xfrm>
           <a:prstGeom prst="ellipse">
@@ -11821,7 +11985,7 @@
         </p:nvCxnSpPr>
         <p:spPr>
           <a:xfrm flipH="1" flipV="1">
-            <a:off x="7550812" y="4964483"/>
+            <a:off x="6747601" y="3869237"/>
             <a:ext cx="709740" cy="396044"/>
           </a:xfrm>
           <a:prstGeom prst="line">
@@ -11858,7 +12022,7 @@
         </p:nvSpPr>
         <p:spPr>
           <a:xfrm>
-            <a:off x="8321418" y="5078646"/>
+            <a:off x="7457341" y="4032171"/>
             <a:ext cx="508473" cy="707886"/>
           </a:xfrm>
           <a:prstGeom prst="rect">
@@ -11929,6 +12093,27 @@
           <a:p>
             <a:pPr algn="ctr"/>
             <a:r>
+              <a:rPr lang="en-US" sz="3600" dirty="0" smtClean="0">
+                <a:ln w="18415" cmpd="sng">
+                  <a:solidFill>
+                    <a:srgbClr val="FFFFFF"/>
+                  </a:solidFill>
+                  <a:prstDash val="solid"/>
+                </a:ln>
+                <a:solidFill>
+                  <a:srgbClr val="FFFFFF"/>
+                </a:solidFill>
+                <a:effectLst>
+                  <a:outerShdw blurRad="63500" dir="3600000" algn="tl" rotWithShape="0">
+                    <a:srgbClr val="000000">
+                      <a:alpha val="70000"/>
+                    </a:srgbClr>
+                  </a:outerShdw>
+                </a:effectLst>
+              </a:rPr>
+              <a:t>68</a:t>
+            </a:r>
+            <a:r>
               <a:rPr lang="id-ID" sz="3600" dirty="0" smtClean="0">
                 <a:ln w="18415" cmpd="sng">
                   <a:solidFill>
@@ -11947,7 +12132,7 @@
                   </a:outerShdw>
                 </a:effectLst>
               </a:rPr>
-              <a:t>56 </a:t>
+              <a:t> </a:t>
             </a:r>
             <a:r>
               <a:rPr lang="id-ID" sz="3600" dirty="0" smtClean="0">
@@ -11989,7 +12174,28 @@
                   </a:outerShdw>
                 </a:effectLst>
               </a:rPr>
-              <a:t>(50 </a:t>
+              <a:t>(</a:t>
+            </a:r>
+            <a:r>
+              <a:rPr lang="en-US" sz="3600" dirty="0" smtClean="0">
+                <a:ln w="18415" cmpd="sng">
+                  <a:solidFill>
+                    <a:srgbClr val="FFFFFF"/>
+                  </a:solidFill>
+                  <a:prstDash val="solid"/>
+                </a:ln>
+                <a:solidFill>
+                  <a:srgbClr val="FFFFFF"/>
+                </a:solidFill>
+                <a:effectLst>
+                  <a:outerShdw blurRad="63500" dir="3600000" algn="tl" rotWithShape="0">
+                    <a:srgbClr val="000000">
+                      <a:alpha val="70000"/>
+                    </a:srgbClr>
+                  </a:outerShdw>
+                </a:effectLst>
+              </a:rPr>
+              <a:t>89</a:t>
             </a:r>
             <a:r>
               <a:rPr lang="id-ID" sz="3600" dirty="0" smtClean="0">
@@ -12010,7 +12216,7 @@
                   </a:outerShdw>
                 </a:effectLst>
               </a:rPr>
-              <a:t>x </a:t>
+              <a:t> </a:t>
             </a:r>
             <a:r>
               <a:rPr lang="id-ID" sz="3600" dirty="0" smtClean="0">
@@ -12031,7 +12237,28 @@
                   </a:outerShdw>
                 </a:effectLst>
               </a:rPr>
-              <a:t>50% + 65 </a:t>
+              <a:t>x 50% + </a:t>
+            </a:r>
+            <a:r>
+              <a:rPr lang="en-US" sz="3600" dirty="0" smtClean="0">
+                <a:ln w="18415" cmpd="sng">
+                  <a:solidFill>
+                    <a:srgbClr val="FFFFFF"/>
+                  </a:solidFill>
+                  <a:prstDash val="solid"/>
+                </a:ln>
+                <a:solidFill>
+                  <a:srgbClr val="FFFFFF"/>
+                </a:solidFill>
+                <a:effectLst>
+                  <a:outerShdw blurRad="63500" dir="3600000" algn="tl" rotWithShape="0">
+                    <a:srgbClr val="000000">
+                      <a:alpha val="70000"/>
+                    </a:srgbClr>
+                  </a:outerShdw>
+                </a:effectLst>
+              </a:rPr>
+              <a:t>35</a:t>
             </a:r>
             <a:r>
               <a:rPr lang="id-ID" sz="3600" dirty="0" smtClean="0">
@@ -12052,7 +12279,7 @@
                   </a:outerShdw>
                 </a:effectLst>
               </a:rPr>
-              <a:t>x </a:t>
+              <a:t> </a:t>
             </a:r>
             <a:r>
               <a:rPr lang="id-ID" sz="3600" dirty="0" smtClean="0">
@@ -12073,7 +12300,70 @@
                   </a:outerShdw>
                 </a:effectLst>
               </a:rPr>
-              <a:t>30% + 57 x 20%)</a:t>
+              <a:t>x 30% + </a:t>
+            </a:r>
+            <a:r>
+              <a:rPr lang="en-US" sz="3600" dirty="0" smtClean="0">
+                <a:ln w="18415" cmpd="sng">
+                  <a:solidFill>
+                    <a:srgbClr val="FFFFFF"/>
+                  </a:solidFill>
+                  <a:prstDash val="solid"/>
+                </a:ln>
+                <a:solidFill>
+                  <a:srgbClr val="FFFFFF"/>
+                </a:solidFill>
+                <a:effectLst>
+                  <a:outerShdw blurRad="63500" dir="3600000" algn="tl" rotWithShape="0">
+                    <a:srgbClr val="000000">
+                      <a:alpha val="70000"/>
+                    </a:srgbClr>
+                  </a:outerShdw>
+                </a:effectLst>
+              </a:rPr>
+              <a:t>69</a:t>
+            </a:r>
+            <a:r>
+              <a:rPr lang="id-ID" sz="3600" dirty="0" smtClean="0">
+                <a:ln w="18415" cmpd="sng">
+                  <a:solidFill>
+                    <a:srgbClr val="FFFFFF"/>
+                  </a:solidFill>
+                  <a:prstDash val="solid"/>
+                </a:ln>
+                <a:solidFill>
+                  <a:srgbClr val="FFFFFF"/>
+                </a:solidFill>
+                <a:effectLst>
+                  <a:outerShdw blurRad="63500" dir="3600000" algn="tl" rotWithShape="0">
+                    <a:srgbClr val="000000">
+                      <a:alpha val="70000"/>
+                    </a:srgbClr>
+                  </a:outerShdw>
+                </a:effectLst>
+              </a:rPr>
+              <a:t> </a:t>
+            </a:r>
+            <a:r>
+              <a:rPr lang="id-ID" sz="3600" dirty="0" smtClean="0">
+                <a:ln w="18415" cmpd="sng">
+                  <a:solidFill>
+                    <a:srgbClr val="FFFFFF"/>
+                  </a:solidFill>
+                  <a:prstDash val="solid"/>
+                </a:ln>
+                <a:solidFill>
+                  <a:srgbClr val="FFFFFF"/>
+                </a:solidFill>
+                <a:effectLst>
+                  <a:outerShdw blurRad="63500" dir="3600000" algn="tl" rotWithShape="0">
+                    <a:srgbClr val="000000">
+                      <a:alpha val="70000"/>
+                    </a:srgbClr>
+                  </a:outerShdw>
+                </a:effectLst>
+              </a:rPr>
+              <a:t>x 20%)</a:t>
             </a:r>
             <a:endParaRPr lang="id-ID" sz="3600" dirty="0">
               <a:ln w="18415" cmpd="sng">
@@ -12149,20 +12439,26 @@
           <a:lstStyle/>
           <a:p>
             <a:r>
-              <a:rPr lang="id-ID" dirty="0" smtClean="0"/>
-              <a:t>Level 2 KPPN</a:t>
-            </a:r>
-            <a:endParaRPr lang="id-ID" dirty="0"/>
+              <a:rPr lang="en-US" dirty="0" smtClean="0"/>
+              <a:t>Level 2 : Monitoring per </a:t>
+            </a:r>
+            <a:r>
+              <a:rPr lang="en-US" dirty="0" err="1" smtClean="0"/>
+              <a:t>Kanwil</a:t>
+            </a:r>
+            <a:endParaRPr lang="en-US" dirty="0"/>
           </a:p>
         </p:txBody>
       </p:sp>
       <p:pic>
         <p:nvPicPr>
-          <p:cNvPr id="3" name="Picture 2"/>
+          <p:cNvPr id="4" name="Picture 2" descr="C:\Users\user\AppData\Local\Temp\16-12-2013 10-03-55.jpg"/>
           <p:cNvPicPr>
-            <a:picLocks noChangeAspect="1" noChangeArrowheads="1"/>
+            <a:picLocks noGrp="1" noChangeAspect="1" noChangeArrowheads="1"/>
           </p:cNvPicPr>
-          <p:nvPr/>
+          <p:nvPr>
+            <p:ph idx="1"/>
+          </p:nvPr>
         </p:nvPicPr>
         <p:blipFill rotWithShape="1">
           <a:blip r:embed="rId2">
@@ -12172,48 +12468,25 @@
               </a:ext>
             </a:extLst>
           </a:blip>
-          <a:srcRect l="12318" r="11313"/>
+          <a:srcRect l="7443" r="4136"/>
           <a:stretch/>
         </p:blipFill>
         <p:spPr bwMode="auto">
           <a:xfrm>
-            <a:off x="2195736" y="1196752"/>
-            <a:ext cx="4960782" cy="5328592"/>
+            <a:off x="1407203" y="1600200"/>
+            <a:ext cx="6329593" cy="4525963"/>
           </a:xfrm>
           <a:prstGeom prst="rect">
             <a:avLst/>
           </a:prstGeom>
           <a:noFill/>
-          <a:ln>
-            <a:noFill/>
-          </a:ln>
-          <a:effectLst/>
           <a:extLst>
             <a:ext uri="{909E8E84-426E-40DD-AFC4-6F175D3DCCD1}">
               <a14:hiddenFill xmlns:a14="http://schemas.microsoft.com/office/drawing/2010/main">
                 <a:solidFill>
-                  <a:schemeClr val="accent1"/>
+                  <a:srgbClr val="FFFFFF"/>
                 </a:solidFill>
               </a14:hiddenFill>
-            </a:ext>
-            <a:ext uri="{91240B29-F687-4F45-9708-019B960494DF}">
-              <a14:hiddenLine xmlns:a14="http://schemas.microsoft.com/office/drawing/2010/main" w="9525">
-                <a:solidFill>
-                  <a:schemeClr val="tx1"/>
-                </a:solidFill>
-                <a:miter lim="800000"/>
-                <a:headEnd/>
-                <a:tailEnd/>
-              </a14:hiddenLine>
-            </a:ext>
-            <a:ext uri="{AF507438-7753-43E0-B8FC-AC1667EBCBE1}">
-              <a14:hiddenEffects xmlns:a14="http://schemas.microsoft.com/office/drawing/2010/main">
-                <a:effectLst>
-                  <a:outerShdw dist="35921" dir="2700000" algn="ctr" rotWithShape="0">
-                    <a:schemeClr val="bg2"/>
-                  </a:outerShdw>
-                </a:effectLst>
-              </a14:hiddenEffects>
             </a:ext>
           </a:extLst>
         </p:spPr>
@@ -12221,7 +12494,7 @@
     </p:spTree>
     <p:extLst>
       <p:ext uri="{BB962C8B-B14F-4D97-AF65-F5344CB8AC3E}">
-        <p14:creationId xmlns:p14="http://schemas.microsoft.com/office/powerpoint/2010/main" val="1748194775"/>
+        <p14:creationId xmlns:p14="http://schemas.microsoft.com/office/powerpoint/2010/main" val="3221529527"/>
       </p:ext>
     </p:extLst>
   </p:cSld>
@@ -12255,63 +12528,6 @@
           <a:chExt cx="0" cy="0"/>
         </a:xfrm>
       </p:grpSpPr>
-      <p:pic>
-        <p:nvPicPr>
-          <p:cNvPr id="16" name="Picture 15"/>
-          <p:cNvPicPr>
-            <a:picLocks noChangeAspect="1" noChangeArrowheads="1"/>
-          </p:cNvPicPr>
-          <p:nvPr/>
-        </p:nvPicPr>
-        <p:blipFill rotWithShape="1">
-          <a:blip r:embed="rId2">
-            <a:extLst>
-              <a:ext uri="{28A0092B-C50C-407E-A947-70E740481C1C}">
-                <a14:useLocalDpi xmlns:a14="http://schemas.microsoft.com/office/drawing/2010/main" val="0"/>
-              </a:ext>
-            </a:extLst>
-          </a:blip>
-          <a:srcRect l="12318" r="11313"/>
-          <a:stretch/>
-        </p:blipFill>
-        <p:spPr bwMode="auto">
-          <a:xfrm>
-            <a:off x="3619510" y="1226086"/>
-            <a:ext cx="4960782" cy="5328592"/>
-          </a:xfrm>
-          <a:prstGeom prst="rect">
-            <a:avLst/>
-          </a:prstGeom>
-          <a:noFill/>
-          <a:ln w="9525">
-            <a:solidFill>
-              <a:schemeClr val="tx1"/>
-            </a:solidFill>
-            <a:miter lim="800000"/>
-            <a:headEnd/>
-            <a:tailEnd/>
-          </a:ln>
-          <a:effectLst/>
-          <a:extLst>
-            <a:ext uri="{909E8E84-426E-40DD-AFC4-6F175D3DCCD1}">
-              <a14:hiddenFill xmlns:a14="http://schemas.microsoft.com/office/drawing/2010/main">
-                <a:solidFill>
-                  <a:schemeClr val="accent1"/>
-                </a:solidFill>
-              </a14:hiddenFill>
-            </a:ext>
-            <a:ext uri="{AF507438-7753-43E0-B8FC-AC1667EBCBE1}">
-              <a14:hiddenEffects xmlns:a14="http://schemas.microsoft.com/office/drawing/2010/main">
-                <a:effectLst>
-                  <a:outerShdw dist="35921" dir="2700000" algn="ctr" rotWithShape="0">
-                    <a:schemeClr val="bg2"/>
-                  </a:outerShdw>
-                </a:effectLst>
-              </a14:hiddenEffects>
-            </a:ext>
-          </a:extLst>
-        </p:spPr>
-      </p:pic>
       <p:sp>
         <p:nvSpPr>
           <p:cNvPr id="2" name="Title 1"/>
@@ -12324,852 +12540,72 @@
         </p:nvSpPr>
         <p:spPr/>
         <p:txBody>
-          <a:bodyPr/>
+          <a:bodyPr>
+            <a:normAutofit/>
+          </a:bodyPr>
           <a:lstStyle/>
           <a:p>
             <a:r>
-              <a:rPr lang="id-ID" dirty="0" smtClean="0"/>
-              <a:t>Level 2 KPPN : Perhitungan</a:t>
+              <a:rPr lang="id-ID" sz="3600" dirty="0" smtClean="0"/>
+              <a:t>Level </a:t>
+            </a:r>
+            <a:r>
+              <a:rPr lang="en-US" sz="3600" dirty="0" smtClean="0"/>
+              <a:t>3 : </a:t>
+            </a:r>
+            <a:r>
+              <a:rPr lang="it-IT" sz="3600" dirty="0" smtClean="0"/>
+              <a:t>Monitoring KPPN di Kanwil xxx</a:t>
             </a:r>
             <a:endParaRPr lang="id-ID" dirty="0"/>
           </a:p>
         </p:txBody>
       </p:sp>
-      <p:sp>
-        <p:nvSpPr>
-          <p:cNvPr id="3" name="Rectangle 2"/>
-          <p:cNvSpPr/>
+      <p:pic>
+        <p:nvPicPr>
+          <p:cNvPr id="2051" name="Picture 3" descr="C:\Users\user\AppData\Local\Temp\16-12-2013 10-09-13.png"/>
+          <p:cNvPicPr>
+            <a:picLocks noChangeAspect="1" noChangeArrowheads="1"/>
+          </p:cNvPicPr>
           <p:nvPr/>
-        </p:nvSpPr>
-        <p:spPr>
+        </p:nvPicPr>
+        <p:blipFill>
+          <a:blip r:embed="rId2">
+            <a:extLst>
+              <a:ext uri="{28A0092B-C50C-407E-A947-70E740481C1C}">
+                <a14:useLocalDpi xmlns:a14="http://schemas.microsoft.com/office/drawing/2010/main" val="0"/>
+              </a:ext>
+            </a:extLst>
+          </a:blip>
+          <a:srcRect/>
+          <a:stretch>
+            <a:fillRect/>
+          </a:stretch>
+        </p:blipFill>
+        <p:spPr bwMode="auto">
           <a:xfrm>
-            <a:off x="251520" y="3581191"/>
-            <a:ext cx="3096344" cy="1292841"/>
-          </a:xfrm>
-          <a:prstGeom prst="rect">
-            <a:avLst/>
-          </a:prstGeom>
-        </p:spPr>
-        <p:style>
-          <a:lnRef idx="2">
-            <a:schemeClr val="accent1">
-              <a:shade val="50000"/>
-            </a:schemeClr>
-          </a:lnRef>
-          <a:fillRef idx="1">
-            <a:schemeClr val="accent1"/>
-          </a:fillRef>
-          <a:effectRef idx="0">
-            <a:schemeClr val="accent1"/>
-          </a:effectRef>
-          <a:fontRef idx="minor">
-            <a:schemeClr val="lt1"/>
-          </a:fontRef>
-        </p:style>
-        <p:txBody>
-          <a:bodyPr rtlCol="0" anchor="ctr"/>
-          <a:lstStyle/>
-          <a:p>
-            <a:pPr algn="ctr"/>
-            <a:r>
-              <a:rPr lang="id-ID" sz="2400" dirty="0" smtClean="0"/>
-              <a:t>B = </a:t>
-            </a:r>
-          </a:p>
-          <a:p>
-            <a:pPr algn="ctr"/>
-            <a:r>
-              <a:rPr lang="id-ID" sz="2400" dirty="0" smtClean="0"/>
-              <a:t>E </a:t>
-            </a:r>
-            <a:r>
-              <a:rPr lang="id-ID" sz="2400" dirty="0" smtClean="0"/>
-              <a:t>x Bobot </a:t>
-            </a:r>
-            <a:r>
-              <a:rPr lang="id-ID" sz="2400" dirty="0" smtClean="0"/>
-              <a:t>+ F </a:t>
-            </a:r>
-            <a:r>
-              <a:rPr lang="id-ID" sz="2400" dirty="0" smtClean="0"/>
-              <a:t>x Bobot </a:t>
-            </a:r>
-            <a:r>
-              <a:rPr lang="id-ID" sz="2400" dirty="0" smtClean="0"/>
-              <a:t>+ </a:t>
-            </a:r>
-          </a:p>
-          <a:p>
-            <a:pPr algn="ctr"/>
-            <a:r>
-              <a:rPr lang="id-ID" sz="2400" dirty="0" smtClean="0"/>
-              <a:t>G </a:t>
-            </a:r>
-            <a:r>
-              <a:rPr lang="id-ID" sz="2400" dirty="0" smtClean="0"/>
-              <a:t>x </a:t>
-            </a:r>
-            <a:r>
-              <a:rPr lang="id-ID" sz="2400" dirty="0" smtClean="0"/>
-              <a:t>Bobot + H x Bobot</a:t>
-            </a:r>
-            <a:endParaRPr lang="id-ID" sz="2400" dirty="0"/>
-          </a:p>
-        </p:txBody>
-      </p:sp>
-      <p:sp>
-        <p:nvSpPr>
-          <p:cNvPr id="5" name="Oval 4"/>
-          <p:cNvSpPr/>
-          <p:nvPr/>
-        </p:nvSpPr>
-        <p:spPr>
-          <a:xfrm>
-            <a:off x="5320469" y="4227612"/>
-            <a:ext cx="619683" cy="432048"/>
-          </a:xfrm>
-          <a:prstGeom prst="ellipse">
-            <a:avLst/>
-          </a:prstGeom>
-          <a:noFill/>
-          <a:ln w="28575">
-            <a:solidFill>
-              <a:schemeClr val="tx2">
-                <a:lumMod val="60000"/>
-                <a:lumOff val="40000"/>
-              </a:schemeClr>
-            </a:solidFill>
-          </a:ln>
-        </p:spPr>
-        <p:style>
-          <a:lnRef idx="2">
-            <a:schemeClr val="accent1">
-              <a:shade val="50000"/>
-            </a:schemeClr>
-          </a:lnRef>
-          <a:fillRef idx="1">
-            <a:schemeClr val="accent1"/>
-          </a:fillRef>
-          <a:effectRef idx="0">
-            <a:schemeClr val="accent1"/>
-          </a:effectRef>
-          <a:fontRef idx="minor">
-            <a:schemeClr val="lt1"/>
-          </a:fontRef>
-        </p:style>
-        <p:txBody>
-          <a:bodyPr rtlCol="0" anchor="ctr"/>
-          <a:lstStyle/>
-          <a:p>
-            <a:pPr algn="ctr"/>
-            <a:endParaRPr lang="id-ID"/>
-          </a:p>
-        </p:txBody>
-      </p:sp>
-      <p:sp>
-        <p:nvSpPr>
-          <p:cNvPr id="6" name="Oval 5"/>
-          <p:cNvSpPr/>
-          <p:nvPr/>
-        </p:nvSpPr>
-        <p:spPr>
-          <a:xfrm>
-            <a:off x="5894556" y="4222126"/>
-            <a:ext cx="619683" cy="432048"/>
-          </a:xfrm>
-          <a:prstGeom prst="ellipse">
-            <a:avLst/>
-          </a:prstGeom>
-          <a:noFill/>
-          <a:ln w="28575">
-            <a:solidFill>
-              <a:srgbClr val="FF0000"/>
-            </a:solidFill>
-          </a:ln>
-        </p:spPr>
-        <p:style>
-          <a:lnRef idx="2">
-            <a:schemeClr val="accent1">
-              <a:shade val="50000"/>
-            </a:schemeClr>
-          </a:lnRef>
-          <a:fillRef idx="1">
-            <a:schemeClr val="accent1"/>
-          </a:fillRef>
-          <a:effectRef idx="0">
-            <a:schemeClr val="accent1"/>
-          </a:effectRef>
-          <a:fontRef idx="minor">
-            <a:schemeClr val="lt1"/>
-          </a:fontRef>
-        </p:style>
-        <p:txBody>
-          <a:bodyPr rtlCol="0" anchor="ctr"/>
-          <a:lstStyle/>
-          <a:p>
-            <a:pPr algn="ctr"/>
-            <a:endParaRPr lang="id-ID"/>
-          </a:p>
-        </p:txBody>
-      </p:sp>
-      <p:sp>
-        <p:nvSpPr>
-          <p:cNvPr id="7" name="Oval 6"/>
-          <p:cNvSpPr/>
-          <p:nvPr/>
-        </p:nvSpPr>
-        <p:spPr>
-          <a:xfrm>
-            <a:off x="6444208" y="4207386"/>
-            <a:ext cx="619683" cy="432048"/>
-          </a:xfrm>
-          <a:prstGeom prst="ellipse">
-            <a:avLst/>
-          </a:prstGeom>
-          <a:noFill/>
-          <a:ln w="28575">
-            <a:solidFill>
-              <a:schemeClr val="accent3">
-                <a:lumMod val="75000"/>
-              </a:schemeClr>
-            </a:solidFill>
-          </a:ln>
-        </p:spPr>
-        <p:style>
-          <a:lnRef idx="2">
-            <a:schemeClr val="accent1">
-              <a:shade val="50000"/>
-            </a:schemeClr>
-          </a:lnRef>
-          <a:fillRef idx="1">
-            <a:schemeClr val="accent1"/>
-          </a:fillRef>
-          <a:effectRef idx="0">
-            <a:schemeClr val="accent1"/>
-          </a:effectRef>
-          <a:fontRef idx="minor">
-            <a:schemeClr val="lt1"/>
-          </a:fontRef>
-        </p:style>
-        <p:txBody>
-          <a:bodyPr rtlCol="0" anchor="ctr"/>
-          <a:lstStyle/>
-          <a:p>
-            <a:pPr algn="ctr"/>
-            <a:endParaRPr lang="id-ID"/>
-          </a:p>
-        </p:txBody>
-      </p:sp>
-      <p:cxnSp>
-        <p:nvCxnSpPr>
-          <p:cNvPr id="8" name="Straight Connector 7"/>
-          <p:cNvCxnSpPr>
-            <a:stCxn id="5" idx="2"/>
-          </p:cNvCxnSpPr>
-          <p:nvPr/>
-        </p:nvCxnSpPr>
-        <p:spPr>
-          <a:xfrm flipH="1" flipV="1">
-            <a:off x="4312357" y="4403184"/>
-            <a:ext cx="1008112" cy="40452"/>
-          </a:xfrm>
-          <a:prstGeom prst="line">
-            <a:avLst/>
-          </a:prstGeom>
-        </p:spPr>
-        <p:style>
-          <a:lnRef idx="1">
-            <a:schemeClr val="accent1"/>
-          </a:lnRef>
-          <a:fillRef idx="0">
-            <a:schemeClr val="accent1"/>
-          </a:fillRef>
-          <a:effectRef idx="0">
-            <a:schemeClr val="accent1"/>
-          </a:effectRef>
-          <a:fontRef idx="minor">
-            <a:schemeClr val="tx1"/>
-          </a:fontRef>
-        </p:style>
-      </p:cxnSp>
-      <p:sp>
-        <p:nvSpPr>
-          <p:cNvPr id="9" name="TextBox 8"/>
-          <p:cNvSpPr txBox="1"/>
-          <p:nvPr/>
-        </p:nvSpPr>
-        <p:spPr>
-          <a:xfrm>
-            <a:off x="3827217" y="4056846"/>
-            <a:ext cx="410690" cy="646331"/>
+            <a:off x="1162968" y="1268761"/>
+            <a:ext cx="7164288" cy="4946618"/>
           </a:xfrm>
           <a:prstGeom prst="rect">
             <a:avLst/>
           </a:prstGeom>
           <a:noFill/>
+          <a:extLst>
+            <a:ext uri="{909E8E84-426E-40DD-AFC4-6F175D3DCCD1}">
+              <a14:hiddenFill xmlns:a14="http://schemas.microsoft.com/office/drawing/2010/main">
+                <a:solidFill>
+                  <a:srgbClr val="FFFFFF"/>
+                </a:solidFill>
+              </a14:hiddenFill>
+            </a:ext>
+          </a:extLst>
         </p:spPr>
-        <p:txBody>
-          <a:bodyPr wrap="none" rtlCol="0">
-            <a:spAutoFit/>
-          </a:bodyPr>
-          <a:lstStyle/>
-          <a:p>
-            <a:r>
-              <a:rPr lang="id-ID" sz="3600" dirty="0" smtClean="0">
-                <a:solidFill>
-                  <a:schemeClr val="tx2">
-                    <a:lumMod val="60000"/>
-                    <a:lumOff val="40000"/>
-                  </a:schemeClr>
-                </a:solidFill>
-              </a:rPr>
-              <a:t>E</a:t>
-            </a:r>
-            <a:endParaRPr lang="id-ID" sz="3600" dirty="0">
-              <a:solidFill>
-                <a:schemeClr val="tx2">
-                  <a:lumMod val="60000"/>
-                  <a:lumOff val="40000"/>
-                </a:schemeClr>
-              </a:solidFill>
-            </a:endParaRPr>
-          </a:p>
-        </p:txBody>
-      </p:sp>
-      <p:cxnSp>
-        <p:nvCxnSpPr>
-          <p:cNvPr id="11" name="Straight Connector 10"/>
-          <p:cNvCxnSpPr/>
-          <p:nvPr/>
-        </p:nvCxnSpPr>
-        <p:spPr>
-          <a:xfrm flipH="1">
-            <a:off x="4674207" y="4677346"/>
-            <a:ext cx="1530190" cy="895420"/>
-          </a:xfrm>
-          <a:prstGeom prst="line">
-            <a:avLst/>
-          </a:prstGeom>
-          <a:ln>
-            <a:solidFill>
-              <a:srgbClr val="FF0000"/>
-            </a:solidFill>
-          </a:ln>
-        </p:spPr>
-        <p:style>
-          <a:lnRef idx="1">
-            <a:schemeClr val="accent1"/>
-          </a:lnRef>
-          <a:fillRef idx="0">
-            <a:schemeClr val="accent1"/>
-          </a:fillRef>
-          <a:effectRef idx="0">
-            <a:schemeClr val="accent1"/>
-          </a:effectRef>
-          <a:fontRef idx="minor">
-            <a:schemeClr val="tx1"/>
-          </a:fontRef>
-        </p:style>
-      </p:cxnSp>
-      <p:sp>
-        <p:nvSpPr>
-          <p:cNvPr id="14" name="TextBox 13"/>
-          <p:cNvSpPr txBox="1"/>
-          <p:nvPr/>
-        </p:nvSpPr>
-        <p:spPr>
-          <a:xfrm>
-            <a:off x="4171238" y="5249600"/>
-            <a:ext cx="410690" cy="646331"/>
-          </a:xfrm>
-          <a:prstGeom prst="rect">
-            <a:avLst/>
-          </a:prstGeom>
-          <a:noFill/>
-        </p:spPr>
-        <p:txBody>
-          <a:bodyPr wrap="none" rtlCol="0">
-            <a:spAutoFit/>
-          </a:bodyPr>
-          <a:lstStyle/>
-          <a:p>
-            <a:r>
-              <a:rPr lang="id-ID" sz="3600" dirty="0" smtClean="0">
-                <a:solidFill>
-                  <a:srgbClr val="FF0000"/>
-                </a:solidFill>
-              </a:rPr>
-              <a:t>F</a:t>
-            </a:r>
-            <a:endParaRPr lang="id-ID" sz="3600" dirty="0">
-              <a:solidFill>
-                <a:srgbClr val="FF0000"/>
-              </a:solidFill>
-            </a:endParaRPr>
-          </a:p>
-        </p:txBody>
-      </p:sp>
-      <p:cxnSp>
-        <p:nvCxnSpPr>
-          <p:cNvPr id="15" name="Straight Connector 14"/>
-          <p:cNvCxnSpPr/>
-          <p:nvPr/>
-        </p:nvCxnSpPr>
-        <p:spPr>
-          <a:xfrm flipH="1">
-            <a:off x="6592052" y="4639434"/>
-            <a:ext cx="161997" cy="895420"/>
-          </a:xfrm>
-          <a:prstGeom prst="line">
-            <a:avLst/>
-          </a:prstGeom>
-          <a:ln>
-            <a:solidFill>
-              <a:schemeClr val="accent3">
-                <a:lumMod val="75000"/>
-              </a:schemeClr>
-            </a:solidFill>
-          </a:ln>
-        </p:spPr>
-        <p:style>
-          <a:lnRef idx="1">
-            <a:schemeClr val="accent1"/>
-          </a:lnRef>
-          <a:fillRef idx="0">
-            <a:schemeClr val="accent1"/>
-          </a:fillRef>
-          <a:effectRef idx="0">
-            <a:schemeClr val="accent1"/>
-          </a:effectRef>
-          <a:fontRef idx="minor">
-            <a:schemeClr val="tx1"/>
-          </a:fontRef>
-        </p:style>
-      </p:cxnSp>
-      <p:sp>
-        <p:nvSpPr>
-          <p:cNvPr id="17" name="TextBox 16"/>
-          <p:cNvSpPr txBox="1"/>
-          <p:nvPr/>
-        </p:nvSpPr>
-        <p:spPr>
-          <a:xfrm>
-            <a:off x="6343359" y="5534854"/>
-            <a:ext cx="476412" cy="646331"/>
-          </a:xfrm>
-          <a:prstGeom prst="rect">
-            <a:avLst/>
-          </a:prstGeom>
-          <a:noFill/>
-        </p:spPr>
-        <p:txBody>
-          <a:bodyPr wrap="none" rtlCol="0">
-            <a:spAutoFit/>
-          </a:bodyPr>
-          <a:lstStyle/>
-          <a:p>
-            <a:r>
-              <a:rPr lang="id-ID" sz="3600" dirty="0" smtClean="0">
-                <a:solidFill>
-                  <a:schemeClr val="accent3">
-                    <a:lumMod val="75000"/>
-                  </a:schemeClr>
-                </a:solidFill>
-              </a:rPr>
-              <a:t>G</a:t>
-            </a:r>
-            <a:endParaRPr lang="id-ID" sz="3600" dirty="0">
-              <a:solidFill>
-                <a:schemeClr val="accent3">
-                  <a:lumMod val="75000"/>
-                </a:schemeClr>
-              </a:solidFill>
-            </a:endParaRPr>
-          </a:p>
-        </p:txBody>
-      </p:sp>
-      <p:sp>
-        <p:nvSpPr>
-          <p:cNvPr id="18" name="Line Callout 1 17"/>
-          <p:cNvSpPr/>
-          <p:nvPr/>
-        </p:nvSpPr>
-        <p:spPr>
-          <a:xfrm rot="21002584">
-            <a:off x="1154242" y="1642847"/>
-            <a:ext cx="2310865" cy="648072"/>
-          </a:xfrm>
-          <a:prstGeom prst="borderCallout1">
-            <a:avLst>
-              <a:gd name="adj1" fmla="val 47055"/>
-              <a:gd name="adj2" fmla="val 91044"/>
-              <a:gd name="adj3" fmla="val 158366"/>
-              <a:gd name="adj4" fmla="val 160225"/>
-            </a:avLst>
-          </a:prstGeom>
-        </p:spPr>
-        <p:style>
-          <a:lnRef idx="2">
-            <a:schemeClr val="accent1">
-              <a:shade val="50000"/>
-            </a:schemeClr>
-          </a:lnRef>
-          <a:fillRef idx="1">
-            <a:schemeClr val="accent1"/>
-          </a:fillRef>
-          <a:effectRef idx="0">
-            <a:schemeClr val="accent1"/>
-          </a:effectRef>
-          <a:fontRef idx="minor">
-            <a:schemeClr val="lt1"/>
-          </a:fontRef>
-        </p:style>
-        <p:txBody>
-          <a:bodyPr rtlCol="0" anchor="ctr"/>
-          <a:lstStyle/>
-          <a:p>
-            <a:pPr algn="ctr"/>
-            <a:r>
-              <a:rPr lang="id-ID" dirty="0" smtClean="0"/>
-              <a:t>Grafik diisi oleh </a:t>
-            </a:r>
-          </a:p>
-          <a:p>
-            <a:pPr algn="ctr"/>
-            <a:r>
-              <a:rPr lang="id-ID" dirty="0" smtClean="0"/>
-              <a:t>Nilai B dari tiap KPPN</a:t>
-            </a:r>
-            <a:endParaRPr lang="id-ID" dirty="0"/>
-          </a:p>
-        </p:txBody>
-      </p:sp>
-      <p:sp>
-        <p:nvSpPr>
-          <p:cNvPr id="19" name="Oval 18"/>
-          <p:cNvSpPr/>
-          <p:nvPr/>
-        </p:nvSpPr>
-        <p:spPr>
-          <a:xfrm>
-            <a:off x="7003639" y="4207386"/>
-            <a:ext cx="619683" cy="432048"/>
-          </a:xfrm>
-          <a:prstGeom prst="ellipse">
-            <a:avLst/>
-          </a:prstGeom>
-          <a:noFill/>
-          <a:ln/>
-        </p:spPr>
-        <p:style>
-          <a:lnRef idx="2">
-            <a:schemeClr val="accent4"/>
-          </a:lnRef>
-          <a:fillRef idx="1">
-            <a:schemeClr val="lt1"/>
-          </a:fillRef>
-          <a:effectRef idx="0">
-            <a:schemeClr val="accent4"/>
-          </a:effectRef>
-          <a:fontRef idx="minor">
-            <a:schemeClr val="dk1"/>
-          </a:fontRef>
-        </p:style>
-        <p:txBody>
-          <a:bodyPr rtlCol="0" anchor="ctr"/>
-          <a:lstStyle/>
-          <a:p>
-            <a:pPr algn="ctr"/>
-            <a:endParaRPr lang="id-ID"/>
-          </a:p>
-        </p:txBody>
-      </p:sp>
-      <p:cxnSp>
-        <p:nvCxnSpPr>
-          <p:cNvPr id="20" name="Straight Connector 19"/>
-          <p:cNvCxnSpPr/>
-          <p:nvPr/>
-        </p:nvCxnSpPr>
-        <p:spPr>
-          <a:xfrm flipH="1">
-            <a:off x="7313480" y="4639434"/>
-            <a:ext cx="1" cy="895420"/>
-          </a:xfrm>
-          <a:prstGeom prst="line">
-            <a:avLst/>
-          </a:prstGeom>
-          <a:ln>
-            <a:solidFill>
-              <a:schemeClr val="accent4">
-                <a:lumMod val="75000"/>
-              </a:schemeClr>
-            </a:solidFill>
-          </a:ln>
-        </p:spPr>
-        <p:style>
-          <a:lnRef idx="1">
-            <a:schemeClr val="accent1"/>
-          </a:lnRef>
-          <a:fillRef idx="0">
-            <a:schemeClr val="accent1"/>
-          </a:fillRef>
-          <a:effectRef idx="0">
-            <a:schemeClr val="accent1"/>
-          </a:effectRef>
-          <a:fontRef idx="minor">
-            <a:schemeClr val="tx1"/>
-          </a:fontRef>
-        </p:style>
-      </p:cxnSp>
-      <p:sp>
-        <p:nvSpPr>
-          <p:cNvPr id="21" name="TextBox 20"/>
-          <p:cNvSpPr txBox="1"/>
-          <p:nvPr/>
-        </p:nvSpPr>
-        <p:spPr>
-          <a:xfrm>
-            <a:off x="7102125" y="5506235"/>
-            <a:ext cx="471604" cy="646331"/>
-          </a:xfrm>
-          <a:prstGeom prst="rect">
-            <a:avLst/>
-          </a:prstGeom>
-          <a:noFill/>
-        </p:spPr>
-        <p:txBody>
-          <a:bodyPr wrap="none" rtlCol="0">
-            <a:spAutoFit/>
-          </a:bodyPr>
-          <a:lstStyle/>
-          <a:p>
-            <a:r>
-              <a:rPr lang="id-ID" sz="3600" dirty="0" smtClean="0">
-                <a:solidFill>
-                  <a:schemeClr val="accent4">
-                    <a:lumMod val="75000"/>
-                  </a:schemeClr>
-                </a:solidFill>
-              </a:rPr>
-              <a:t>H</a:t>
-            </a:r>
-            <a:endParaRPr lang="id-ID" sz="3600" dirty="0">
-              <a:solidFill>
-                <a:schemeClr val="accent4">
-                  <a:lumMod val="75000"/>
-                </a:schemeClr>
-              </a:solidFill>
-            </a:endParaRPr>
-          </a:p>
-        </p:txBody>
-      </p:sp>
-      <p:sp>
-        <p:nvSpPr>
-          <p:cNvPr id="22" name="Oval 21"/>
-          <p:cNvSpPr/>
-          <p:nvPr/>
-        </p:nvSpPr>
-        <p:spPr>
-          <a:xfrm>
-            <a:off x="7573729" y="4207386"/>
-            <a:ext cx="619683" cy="432048"/>
-          </a:xfrm>
-          <a:prstGeom prst="ellipse">
-            <a:avLst/>
-          </a:prstGeom>
-          <a:noFill/>
-          <a:ln>
-            <a:solidFill>
-              <a:schemeClr val="accent6">
-                <a:lumMod val="75000"/>
-              </a:schemeClr>
-            </a:solidFill>
-          </a:ln>
-        </p:spPr>
-        <p:style>
-          <a:lnRef idx="2">
-            <a:schemeClr val="accent4"/>
-          </a:lnRef>
-          <a:fillRef idx="1">
-            <a:schemeClr val="lt1"/>
-          </a:fillRef>
-          <a:effectRef idx="0">
-            <a:schemeClr val="accent4"/>
-          </a:effectRef>
-          <a:fontRef idx="minor">
-            <a:schemeClr val="dk1"/>
-          </a:fontRef>
-        </p:style>
-        <p:txBody>
-          <a:bodyPr rtlCol="0" anchor="ctr"/>
-          <a:lstStyle/>
-          <a:p>
-            <a:pPr algn="ctr"/>
-            <a:endParaRPr lang="id-ID"/>
-          </a:p>
-        </p:txBody>
-      </p:sp>
-      <p:cxnSp>
-        <p:nvCxnSpPr>
-          <p:cNvPr id="23" name="Straight Connector 22"/>
-          <p:cNvCxnSpPr/>
-          <p:nvPr/>
-        </p:nvCxnSpPr>
-        <p:spPr>
-          <a:xfrm flipH="1">
-            <a:off x="7894551" y="3332192"/>
-            <a:ext cx="298861" cy="895420"/>
-          </a:xfrm>
-          <a:prstGeom prst="line">
-            <a:avLst/>
-          </a:prstGeom>
-          <a:ln>
-            <a:solidFill>
-              <a:schemeClr val="accent6">
-                <a:lumMod val="75000"/>
-              </a:schemeClr>
-            </a:solidFill>
-          </a:ln>
-        </p:spPr>
-        <p:style>
-          <a:lnRef idx="1">
-            <a:schemeClr val="accent1"/>
-          </a:lnRef>
-          <a:fillRef idx="0">
-            <a:schemeClr val="accent1"/>
-          </a:fillRef>
-          <a:effectRef idx="0">
-            <a:schemeClr val="accent1"/>
-          </a:effectRef>
-          <a:fontRef idx="minor">
-            <a:schemeClr val="tx1"/>
-          </a:fontRef>
-        </p:style>
-      </p:cxnSp>
-      <p:sp>
-        <p:nvSpPr>
-          <p:cNvPr id="24" name="TextBox 23"/>
-          <p:cNvSpPr txBox="1"/>
-          <p:nvPr/>
-        </p:nvSpPr>
-        <p:spPr>
-          <a:xfrm>
-            <a:off x="8108688" y="2682567"/>
-            <a:ext cx="436338" cy="646331"/>
-          </a:xfrm>
-          <a:prstGeom prst="rect">
-            <a:avLst/>
-          </a:prstGeom>
-          <a:noFill/>
-        </p:spPr>
-        <p:txBody>
-          <a:bodyPr wrap="none" rtlCol="0">
-            <a:spAutoFit/>
-          </a:bodyPr>
-          <a:lstStyle/>
-          <a:p>
-            <a:r>
-              <a:rPr lang="id-ID" sz="3600" dirty="0" smtClean="0">
-                <a:solidFill>
-                  <a:schemeClr val="accent6">
-                    <a:lumMod val="75000"/>
-                  </a:schemeClr>
-                </a:solidFill>
-              </a:rPr>
-              <a:t>B</a:t>
-            </a:r>
-            <a:endParaRPr lang="id-ID" sz="3600" dirty="0">
-              <a:solidFill>
-                <a:schemeClr val="accent6">
-                  <a:lumMod val="75000"/>
-                </a:schemeClr>
-              </a:solidFill>
-            </a:endParaRPr>
-          </a:p>
-        </p:txBody>
-      </p:sp>
-      <p:sp>
-        <p:nvSpPr>
-          <p:cNvPr id="26" name="Rectangle 25"/>
-          <p:cNvSpPr/>
-          <p:nvPr/>
-        </p:nvSpPr>
-        <p:spPr>
-          <a:xfrm>
-            <a:off x="247135" y="5026432"/>
-            <a:ext cx="3096344" cy="1292841"/>
-          </a:xfrm>
-          <a:prstGeom prst="rect">
-            <a:avLst/>
-          </a:prstGeom>
-        </p:spPr>
-        <p:style>
-          <a:lnRef idx="2">
-            <a:schemeClr val="accent1">
-              <a:shade val="50000"/>
-            </a:schemeClr>
-          </a:lnRef>
-          <a:fillRef idx="1">
-            <a:schemeClr val="accent1"/>
-          </a:fillRef>
-          <a:effectRef idx="0">
-            <a:schemeClr val="accent1"/>
-          </a:effectRef>
-          <a:fontRef idx="minor">
-            <a:schemeClr val="lt1"/>
-          </a:fontRef>
-        </p:style>
-        <p:txBody>
-          <a:bodyPr rtlCol="0" anchor="ctr"/>
-          <a:lstStyle/>
-          <a:p>
-            <a:pPr algn="ctr"/>
-            <a:r>
-              <a:rPr lang="id-ID" sz="2400" dirty="0" smtClean="0"/>
-              <a:t>68 </a:t>
-            </a:r>
-            <a:r>
-              <a:rPr lang="id-ID" sz="2400" dirty="0" smtClean="0"/>
-              <a:t>= </a:t>
-            </a:r>
-          </a:p>
-          <a:p>
-            <a:pPr algn="ctr"/>
-            <a:r>
-              <a:rPr lang="id-ID" sz="2400" dirty="0" smtClean="0"/>
-              <a:t>37 x 25% + 100 </a:t>
-            </a:r>
-            <a:r>
-              <a:rPr lang="id-ID" sz="2400" dirty="0" smtClean="0"/>
-              <a:t>x </a:t>
-            </a:r>
-            <a:r>
-              <a:rPr lang="id-ID" sz="2400" dirty="0" smtClean="0"/>
-              <a:t>20% + </a:t>
-            </a:r>
-          </a:p>
-          <a:p>
-            <a:pPr algn="ctr"/>
-            <a:r>
-              <a:rPr lang="id-ID" sz="2400" dirty="0" smtClean="0"/>
-              <a:t>65 </a:t>
-            </a:r>
-            <a:r>
-              <a:rPr lang="id-ID" sz="2400" dirty="0" smtClean="0"/>
-              <a:t>x </a:t>
-            </a:r>
-            <a:r>
-              <a:rPr lang="id-ID" sz="2400" dirty="0" smtClean="0"/>
-              <a:t>30% + 75 x 25%</a:t>
-            </a:r>
-            <a:endParaRPr lang="id-ID" sz="2400" dirty="0"/>
-          </a:p>
-        </p:txBody>
-      </p:sp>
+      </p:pic>
     </p:spTree>
     <p:extLst>
       <p:ext uri="{BB962C8B-B14F-4D97-AF65-F5344CB8AC3E}">
-        <p14:creationId xmlns:p14="http://schemas.microsoft.com/office/powerpoint/2010/main" val="3383297392"/>
+        <p14:creationId xmlns:p14="http://schemas.microsoft.com/office/powerpoint/2010/main" val="1748194775"/>
       </p:ext>
     </p:extLst>
   </p:cSld>
@@ -13215,12 +12651,22 @@
         </p:nvSpPr>
         <p:spPr/>
         <p:txBody>
-          <a:bodyPr/>
+          <a:bodyPr>
+            <a:normAutofit/>
+          </a:bodyPr>
           <a:lstStyle/>
           <a:p>
             <a:r>
-              <a:rPr lang="id-ID" dirty="0" smtClean="0"/>
-              <a:t>Level 3 KPPN</a:t>
+              <a:rPr lang="id-ID" sz="3600" dirty="0" smtClean="0"/>
+              <a:t>Level </a:t>
+            </a:r>
+            <a:r>
+              <a:rPr lang="en-US" sz="3600" dirty="0" smtClean="0"/>
+              <a:t>3 : </a:t>
+            </a:r>
+            <a:r>
+              <a:rPr lang="it-IT" sz="3600" dirty="0" smtClean="0"/>
+              <a:t>Monitoring KPPN di Kanwil xxx</a:t>
             </a:r>
             <a:endParaRPr lang="id-ID" dirty="0"/>
           </a:p>
@@ -13228,288 +12674,45 @@
       </p:sp>
       <p:pic>
         <p:nvPicPr>
-          <p:cNvPr id="3074" name="Picture 2"/>
+          <p:cNvPr id="2051" name="Picture 3" descr="C:\Users\user\AppData\Local\Temp\16-12-2013 10-09-13.png"/>
           <p:cNvPicPr>
             <a:picLocks noChangeAspect="1" noChangeArrowheads="1"/>
           </p:cNvPicPr>
           <p:nvPr/>
         </p:nvPicPr>
-        <p:blipFill rotWithShape="1">
-          <a:blip r:embed="rId2" cstate="print">
+        <p:blipFill>
+          <a:blip r:embed="rId2">
             <a:extLst>
               <a:ext uri="{28A0092B-C50C-407E-A947-70E740481C1C}">
                 <a14:useLocalDpi xmlns:a14="http://schemas.microsoft.com/office/drawing/2010/main" val="0"/>
               </a:ext>
             </a:extLst>
           </a:blip>
-          <a:srcRect l="12860" r="11493"/>
-          <a:stretch/>
+          <a:srcRect/>
+          <a:stretch>
+            <a:fillRect/>
+          </a:stretch>
         </p:blipFill>
         <p:spPr bwMode="auto">
           <a:xfrm>
-            <a:off x="2627804" y="1218381"/>
-            <a:ext cx="4022809" cy="5234955"/>
+            <a:off x="1162968" y="1268761"/>
+            <a:ext cx="7164288" cy="4946618"/>
           </a:xfrm>
           <a:prstGeom prst="rect">
             <a:avLst/>
           </a:prstGeom>
           <a:noFill/>
-          <a:ln>
-            <a:noFill/>
-          </a:ln>
-          <a:effectLst/>
           <a:extLst>
             <a:ext uri="{909E8E84-426E-40DD-AFC4-6F175D3DCCD1}">
               <a14:hiddenFill xmlns:a14="http://schemas.microsoft.com/office/drawing/2010/main">
                 <a:solidFill>
-                  <a:schemeClr val="accent1"/>
+                  <a:srgbClr val="FFFFFF"/>
                 </a:solidFill>
               </a14:hiddenFill>
-            </a:ext>
-            <a:ext uri="{91240B29-F687-4F45-9708-019B960494DF}">
-              <a14:hiddenLine xmlns:a14="http://schemas.microsoft.com/office/drawing/2010/main" w="9525">
-                <a:solidFill>
-                  <a:schemeClr val="tx1"/>
-                </a:solidFill>
-                <a:miter lim="800000"/>
-                <a:headEnd/>
-                <a:tailEnd/>
-              </a14:hiddenLine>
-            </a:ext>
-            <a:ext uri="{AF507438-7753-43E0-B8FC-AC1667EBCBE1}">
-              <a14:hiddenEffects xmlns:a14="http://schemas.microsoft.com/office/drawing/2010/main">
-                <a:effectLst>
-                  <a:outerShdw dist="35921" dir="2700000" algn="ctr" rotWithShape="0">
-                    <a:schemeClr val="bg2"/>
-                  </a:outerShdw>
-                </a:effectLst>
-              </a14:hiddenEffects>
             </a:ext>
           </a:extLst>
         </p:spPr>
       </p:pic>
-    </p:spTree>
-    <p:extLst>
-      <p:ext uri="{BB962C8B-B14F-4D97-AF65-F5344CB8AC3E}">
-        <p14:creationId xmlns:p14="http://schemas.microsoft.com/office/powerpoint/2010/main" val="457849512"/>
-      </p:ext>
-    </p:extLst>
-  </p:cSld>
-  <p:clrMapOvr>
-    <a:masterClrMapping/>
-  </p:clrMapOvr>
-  <p:timing>
-    <p:tnLst>
-      <p:par>
-        <p:cTn id="1" dur="indefinite" restart="never" nodeType="tmRoot"/>
-      </p:par>
-    </p:tnLst>
-  </p:timing>
-</p:sld>
-</file>
-
-<file path=ppt/slides/slide8.xml><?xml version="1.0" encoding="utf-8"?>
-<p:sld xmlns:a="http://schemas.openxmlformats.org/drawingml/2006/main" xmlns:r="http://schemas.openxmlformats.org/officeDocument/2006/relationships" xmlns:p="http://schemas.openxmlformats.org/presentationml/2006/main">
-  <p:cSld>
-    <p:spTree>
-      <p:nvGrpSpPr>
-        <p:cNvPr id="1" name=""/>
-        <p:cNvGrpSpPr/>
-        <p:nvPr/>
-      </p:nvGrpSpPr>
-      <p:grpSpPr>
-        <a:xfrm>
-          <a:off x="0" y="0"/>
-          <a:ext cx="0" cy="0"/>
-          <a:chOff x="0" y="0"/>
-          <a:chExt cx="0" cy="0"/>
-        </a:xfrm>
-      </p:grpSpPr>
-      <p:pic>
-        <p:nvPicPr>
-          <p:cNvPr id="15" name="Picture 2"/>
-          <p:cNvPicPr>
-            <a:picLocks noChangeAspect="1" noChangeArrowheads="1"/>
-          </p:cNvPicPr>
-          <p:nvPr/>
-        </p:nvPicPr>
-        <p:blipFill rotWithShape="1">
-          <a:blip r:embed="rId2" cstate="print">
-            <a:extLst>
-              <a:ext uri="{28A0092B-C50C-407E-A947-70E740481C1C}">
-                <a14:useLocalDpi xmlns:a14="http://schemas.microsoft.com/office/drawing/2010/main" val="0"/>
-              </a:ext>
-            </a:extLst>
-          </a:blip>
-          <a:srcRect l="12860" r="11493"/>
-          <a:stretch/>
-        </p:blipFill>
-        <p:spPr bwMode="auto">
-          <a:xfrm>
-            <a:off x="4424049" y="1197972"/>
-            <a:ext cx="4022809" cy="5234955"/>
-          </a:xfrm>
-          <a:prstGeom prst="rect">
-            <a:avLst/>
-          </a:prstGeom>
-          <a:noFill/>
-          <a:ln>
-            <a:noFill/>
-          </a:ln>
-          <a:effectLst/>
-          <a:extLst>
-            <a:ext uri="{909E8E84-426E-40DD-AFC4-6F175D3DCCD1}">
-              <a14:hiddenFill xmlns:a14="http://schemas.microsoft.com/office/drawing/2010/main">
-                <a:solidFill>
-                  <a:schemeClr val="accent1"/>
-                </a:solidFill>
-              </a14:hiddenFill>
-            </a:ext>
-            <a:ext uri="{91240B29-F687-4F45-9708-019B960494DF}">
-              <a14:hiddenLine xmlns:a14="http://schemas.microsoft.com/office/drawing/2010/main" w="9525">
-                <a:solidFill>
-                  <a:schemeClr val="tx1"/>
-                </a:solidFill>
-                <a:miter lim="800000"/>
-                <a:headEnd/>
-                <a:tailEnd/>
-              </a14:hiddenLine>
-            </a:ext>
-            <a:ext uri="{AF507438-7753-43E0-B8FC-AC1667EBCBE1}">
-              <a14:hiddenEffects xmlns:a14="http://schemas.microsoft.com/office/drawing/2010/main">
-                <a:effectLst>
-                  <a:outerShdw dist="35921" dir="2700000" algn="ctr" rotWithShape="0">
-                    <a:schemeClr val="bg2"/>
-                  </a:outerShdw>
-                </a:effectLst>
-              </a14:hiddenEffects>
-            </a:ext>
-          </a:extLst>
-        </p:spPr>
-      </p:pic>
-      <p:sp>
-        <p:nvSpPr>
-          <p:cNvPr id="2" name="Title 1"/>
-          <p:cNvSpPr>
-            <a:spLocks noGrp="1"/>
-          </p:cNvSpPr>
-          <p:nvPr>
-            <p:ph type="title"/>
-          </p:nvPr>
-        </p:nvSpPr>
-        <p:spPr/>
-        <p:txBody>
-          <a:bodyPr/>
-          <a:lstStyle/>
-          <a:p>
-            <a:r>
-              <a:rPr lang="id-ID" dirty="0" smtClean="0"/>
-              <a:t>Level 3 KPPN</a:t>
-            </a:r>
-            <a:endParaRPr lang="id-ID" dirty="0"/>
-          </a:p>
-        </p:txBody>
-      </p:sp>
-      <p:sp>
-        <p:nvSpPr>
-          <p:cNvPr id="4" name="Rectangle 3"/>
-          <p:cNvSpPr/>
-          <p:nvPr/>
-        </p:nvSpPr>
-        <p:spPr>
-          <a:xfrm>
-            <a:off x="323528" y="3288084"/>
-            <a:ext cx="2897859" cy="1577570"/>
-          </a:xfrm>
-          <a:prstGeom prst="rect">
-            <a:avLst/>
-          </a:prstGeom>
-        </p:spPr>
-        <p:style>
-          <a:lnRef idx="2">
-            <a:schemeClr val="accent1">
-              <a:shade val="50000"/>
-            </a:schemeClr>
-          </a:lnRef>
-          <a:fillRef idx="1">
-            <a:schemeClr val="accent1"/>
-          </a:fillRef>
-          <a:effectRef idx="0">
-            <a:schemeClr val="accent1"/>
-          </a:effectRef>
-          <a:fontRef idx="minor">
-            <a:schemeClr val="lt1"/>
-          </a:fontRef>
-        </p:style>
-        <p:txBody>
-          <a:bodyPr rtlCol="0" anchor="ctr"/>
-          <a:lstStyle/>
-          <a:p>
-            <a:pPr algn="ctr"/>
-            <a:r>
-              <a:rPr lang="id-ID" sz="2400" dirty="0" smtClean="0"/>
-              <a:t>E% </a:t>
-            </a:r>
-            <a:r>
-              <a:rPr lang="id-ID" sz="2400" dirty="0" smtClean="0"/>
-              <a:t>= </a:t>
-            </a:r>
-            <a:r>
-              <a:rPr lang="id-ID" sz="2400" dirty="0" smtClean="0"/>
-              <a:t>Sukses/Total</a:t>
-            </a:r>
-            <a:endParaRPr lang="id-ID" sz="2400" dirty="0" smtClean="0"/>
-          </a:p>
-          <a:p>
-            <a:pPr algn="ctr"/>
-            <a:r>
-              <a:rPr lang="id-ID" sz="2400" dirty="0" smtClean="0"/>
-              <a:t>F% </a:t>
-            </a:r>
-            <a:r>
-              <a:rPr lang="id-ID" sz="2400" dirty="0" smtClean="0"/>
-              <a:t>= </a:t>
-            </a:r>
-            <a:r>
-              <a:rPr lang="id-ID" sz="2400" dirty="0" smtClean="0"/>
-              <a:t>Sukses/Total</a:t>
-            </a:r>
-            <a:endParaRPr lang="id-ID" sz="2400" dirty="0" smtClean="0"/>
-          </a:p>
-          <a:p>
-            <a:pPr algn="ctr"/>
-            <a:r>
-              <a:rPr lang="id-ID" sz="2400" dirty="0" smtClean="0"/>
-              <a:t>G% </a:t>
-            </a:r>
-            <a:r>
-              <a:rPr lang="id-ID" sz="2400" dirty="0" smtClean="0"/>
-              <a:t>= </a:t>
-            </a:r>
-            <a:r>
-              <a:rPr lang="id-ID" sz="2400" dirty="0" smtClean="0"/>
-              <a:t>Sukses/Total</a:t>
-            </a:r>
-            <a:endParaRPr lang="id-ID" sz="2400" dirty="0" smtClean="0"/>
-          </a:p>
-          <a:p>
-            <a:pPr algn="ctr"/>
-            <a:r>
-              <a:rPr lang="id-ID" sz="2400" dirty="0" smtClean="0"/>
-              <a:t>H% </a:t>
-            </a:r>
-            <a:r>
-              <a:rPr lang="id-ID" sz="2400" dirty="0"/>
-              <a:t>= </a:t>
-            </a:r>
-            <a:r>
-              <a:rPr lang="id-ID" sz="2400" dirty="0" smtClean="0"/>
-              <a:t>Sukses/Total</a:t>
-            </a:r>
-            <a:endParaRPr lang="id-ID" sz="2400" dirty="0"/>
-          </a:p>
-        </p:txBody>
-      </p:sp>
       <p:sp>
         <p:nvSpPr>
           <p:cNvPr id="6" name="Oval 5"/>
@@ -13518,8 +12721,8 @@
         </p:nvSpPr>
         <p:spPr>
           <a:xfrm>
-            <a:off x="6372200" y="4349629"/>
-            <a:ext cx="126509" cy="175571"/>
+            <a:off x="3347864" y="4999645"/>
+            <a:ext cx="772185" cy="373571"/>
           </a:xfrm>
           <a:prstGeom prst="ellipse">
             <a:avLst/>
@@ -13567,8 +12770,8 @@
         </p:nvSpPr>
         <p:spPr>
           <a:xfrm>
-            <a:off x="6885985" y="4365450"/>
-            <a:ext cx="110291" cy="143929"/>
+            <a:off x="4283968" y="5015466"/>
+            <a:ext cx="712747" cy="357750"/>
           </a:xfrm>
           <a:prstGeom prst="ellipse">
             <a:avLst/>
@@ -13613,8 +12816,8 @@
         </p:nvSpPr>
         <p:spPr>
           <a:xfrm>
-            <a:off x="7353575" y="4349423"/>
-            <a:ext cx="157738" cy="187823"/>
+            <a:off x="5148064" y="5057182"/>
+            <a:ext cx="677205" cy="316034"/>
           </a:xfrm>
           <a:prstGeom prst="ellipse">
             <a:avLst/>
@@ -13657,14 +12860,15 @@
         <p:nvCxnSpPr>
           <p:cNvPr id="9" name="Straight Connector 8"/>
           <p:cNvCxnSpPr>
-            <a:stCxn id="6" idx="2"/>
+            <a:stCxn id="6" idx="4"/>
+            <a:endCxn id="10" idx="0"/>
           </p:cNvCxnSpPr>
           <p:nvPr/>
         </p:nvCxnSpPr>
         <p:spPr>
           <a:xfrm flipH="1">
-            <a:off x="4837478" y="4437415"/>
-            <a:ext cx="1534722" cy="87785"/>
+            <a:off x="3152623" y="5373216"/>
+            <a:ext cx="581334" cy="648072"/>
           </a:xfrm>
           <a:prstGeom prst="line">
             <a:avLst/>
@@ -13693,7 +12897,7 @@
         </p:nvSpPr>
         <p:spPr>
           <a:xfrm>
-            <a:off x="4700727" y="4076869"/>
+            <a:off x="2947278" y="6021288"/>
             <a:ext cx="410690" cy="646331"/>
           </a:xfrm>
           <a:prstGeom prst="rect">
@@ -13734,13 +12938,14 @@
           <p:cNvPr id="11" name="Straight Connector 10"/>
           <p:cNvCxnSpPr>
             <a:stCxn id="7" idx="4"/>
+            <a:endCxn id="12" idx="3"/>
           </p:cNvCxnSpPr>
           <p:nvPr/>
         </p:nvCxnSpPr>
         <p:spPr>
           <a:xfrm flipH="1">
-            <a:off x="5682749" y="4509379"/>
-            <a:ext cx="1258382" cy="913205"/>
+            <a:off x="4192057" y="5373216"/>
+            <a:ext cx="448285" cy="1049733"/>
           </a:xfrm>
           <a:prstGeom prst="line">
             <a:avLst/>
@@ -13774,7 +12979,7 @@
         </p:nvSpPr>
         <p:spPr>
           <a:xfrm>
-            <a:off x="5364088" y="5229200"/>
+            <a:off x="3781367" y="6099783"/>
             <a:ext cx="410690" cy="646331"/>
           </a:xfrm>
           <a:prstGeom prst="rect">
@@ -13809,13 +13014,14 @@
           <p:cNvPr id="13" name="Straight Connector 12"/>
           <p:cNvCxnSpPr>
             <a:stCxn id="8" idx="4"/>
+            <a:endCxn id="14" idx="3"/>
           </p:cNvCxnSpPr>
           <p:nvPr/>
         </p:nvCxnSpPr>
         <p:spPr>
           <a:xfrm flipH="1">
-            <a:off x="6781340" y="4537246"/>
-            <a:ext cx="651104" cy="984052"/>
+            <a:off x="5110890" y="5373216"/>
+            <a:ext cx="375777" cy="1049734"/>
           </a:xfrm>
           <a:prstGeom prst="line">
             <a:avLst/>
@@ -13851,7 +13057,7 @@
         </p:nvSpPr>
         <p:spPr>
           <a:xfrm>
-            <a:off x="6425239" y="5320017"/>
+            <a:off x="4634478" y="6099784"/>
             <a:ext cx="476412" cy="646331"/>
           </a:xfrm>
           <a:prstGeom prst="rect">
@@ -13887,70 +13093,14 @@
       </p:sp>
       <p:sp>
         <p:nvSpPr>
-          <p:cNvPr id="18" name="Line Callout 1 17"/>
-          <p:cNvSpPr/>
-          <p:nvPr/>
-        </p:nvSpPr>
-        <p:spPr>
-          <a:xfrm rot="20999498">
-            <a:off x="1544927" y="2153873"/>
-            <a:ext cx="2088232" cy="648072"/>
-          </a:xfrm>
-          <a:prstGeom prst="borderCallout1">
-            <a:avLst>
-              <a:gd name="adj1" fmla="val 47055"/>
-              <a:gd name="adj2" fmla="val 91044"/>
-              <a:gd name="adj3" fmla="val 91389"/>
-              <a:gd name="adj4" fmla="val 161308"/>
-            </a:avLst>
-          </a:prstGeom>
-        </p:spPr>
-        <p:style>
-          <a:lnRef idx="2">
-            <a:schemeClr val="accent1">
-              <a:shade val="50000"/>
-            </a:schemeClr>
-          </a:lnRef>
-          <a:fillRef idx="1">
-            <a:schemeClr val="accent1"/>
-          </a:fillRef>
-          <a:effectRef idx="0">
-            <a:schemeClr val="accent1"/>
-          </a:effectRef>
-          <a:fontRef idx="minor">
-            <a:schemeClr val="lt1"/>
-          </a:fontRef>
-        </p:style>
-        <p:txBody>
-          <a:bodyPr rtlCol="0" anchor="ctr"/>
-          <a:lstStyle/>
-          <a:p>
-            <a:pPr algn="ctr"/>
-            <a:r>
-              <a:rPr lang="id-ID" dirty="0" smtClean="0"/>
-              <a:t>Grafik diisi oleh </a:t>
-            </a:r>
-          </a:p>
-          <a:p>
-            <a:pPr algn="ctr"/>
-            <a:r>
-              <a:rPr lang="id-ID" dirty="0" smtClean="0"/>
-              <a:t>E, F, G dan H</a:t>
-            </a:r>
-            <a:endParaRPr lang="id-ID" dirty="0"/>
-          </a:p>
-        </p:txBody>
-      </p:sp>
-      <p:sp>
-        <p:nvSpPr>
-          <p:cNvPr id="25" name="Oval 24"/>
+          <p:cNvPr id="15" name="Oval 14"/>
           <p:cNvSpPr/>
           <p:nvPr/>
         </p:nvSpPr>
         <p:spPr>
           <a:xfrm>
-            <a:off x="7862546" y="4365450"/>
-            <a:ext cx="157738" cy="187823"/>
+            <a:off x="6012160" y="5019869"/>
+            <a:ext cx="600282" cy="319864"/>
           </a:xfrm>
           <a:prstGeom prst="ellipse">
             <a:avLst/>
@@ -13991,17 +13141,17 @@
       </p:sp>
       <p:cxnSp>
         <p:nvCxnSpPr>
-          <p:cNvPr id="26" name="Straight Connector 25"/>
+          <p:cNvPr id="16" name="Straight Connector 15"/>
           <p:cNvCxnSpPr>
-            <a:stCxn id="25" idx="4"/>
-            <a:endCxn id="27" idx="0"/>
+            <a:stCxn id="15" idx="4"/>
+            <a:endCxn id="17" idx="0"/>
           </p:cNvCxnSpPr>
           <p:nvPr/>
         </p:nvCxnSpPr>
         <p:spPr>
           <a:xfrm flipH="1">
-            <a:off x="7782078" y="4553273"/>
-            <a:ext cx="159337" cy="869311"/>
+            <a:off x="5893863" y="5339733"/>
+            <a:ext cx="418438" cy="826607"/>
           </a:xfrm>
           <a:prstGeom prst="line">
             <a:avLst/>
@@ -14031,13 +13181,13 @@
       </p:cxnSp>
       <p:sp>
         <p:nvSpPr>
-          <p:cNvPr id="27" name="TextBox 26"/>
+          <p:cNvPr id="17" name="TextBox 16"/>
           <p:cNvSpPr txBox="1"/>
           <p:nvPr/>
         </p:nvSpPr>
         <p:spPr>
           <a:xfrm>
-            <a:off x="7543872" y="5422584"/>
+            <a:off x="5655657" y="6166340"/>
             <a:ext cx="476412" cy="646331"/>
           </a:xfrm>
           <a:prstGeom prst="rect">
@@ -14073,14 +13223,201 @@
       </p:sp>
       <p:sp>
         <p:nvSpPr>
-          <p:cNvPr id="29" name="Rectangle 28"/>
+          <p:cNvPr id="29" name="Oval 28"/>
           <p:cNvSpPr/>
           <p:nvPr/>
         </p:nvSpPr>
         <p:spPr>
           <a:xfrm>
-            <a:off x="1259632" y="5029272"/>
-            <a:ext cx="2897859" cy="1577570"/>
+            <a:off x="6948264" y="5053352"/>
+            <a:ext cx="600282" cy="319864"/>
+          </a:xfrm>
+          <a:prstGeom prst="ellipse">
+            <a:avLst/>
+          </a:prstGeom>
+          <a:noFill/>
+          <a:ln w="28575">
+            <a:solidFill>
+              <a:schemeClr val="accent6">
+                <a:lumMod val="50000"/>
+              </a:schemeClr>
+            </a:solidFill>
+          </a:ln>
+        </p:spPr>
+        <p:style>
+          <a:lnRef idx="2">
+            <a:schemeClr val="accent1">
+              <a:shade val="50000"/>
+            </a:schemeClr>
+          </a:lnRef>
+          <a:fillRef idx="1">
+            <a:schemeClr val="accent1"/>
+          </a:fillRef>
+          <a:effectRef idx="0">
+            <a:schemeClr val="accent1"/>
+          </a:effectRef>
+          <a:fontRef idx="minor">
+            <a:schemeClr val="lt1"/>
+          </a:fontRef>
+        </p:style>
+        <p:txBody>
+          <a:bodyPr rtlCol="0" anchor="ctr"/>
+          <a:lstStyle/>
+          <a:p>
+            <a:pPr algn="ctr"/>
+            <a:endParaRPr lang="id-ID">
+              <a:solidFill>
+                <a:schemeClr val="tx1"/>
+              </a:solidFill>
+            </a:endParaRPr>
+          </a:p>
+        </p:txBody>
+      </p:sp>
+      <p:cxnSp>
+        <p:nvCxnSpPr>
+          <p:cNvPr id="30" name="Straight Connector 29"/>
+          <p:cNvCxnSpPr>
+            <a:stCxn id="33" idx="2"/>
+            <a:endCxn id="29" idx="0"/>
+          </p:cNvCxnSpPr>
+          <p:nvPr/>
+        </p:nvCxnSpPr>
+        <p:spPr>
+          <a:xfrm flipH="1">
+            <a:off x="7248405" y="4438731"/>
+            <a:ext cx="111870" cy="614621"/>
+          </a:xfrm>
+          <a:prstGeom prst="line">
+            <a:avLst/>
+          </a:prstGeom>
+          <a:ln>
+            <a:solidFill>
+              <a:schemeClr val="accent6">
+                <a:lumMod val="50000"/>
+              </a:schemeClr>
+            </a:solidFill>
+          </a:ln>
+        </p:spPr>
+        <p:style>
+          <a:lnRef idx="1">
+            <a:schemeClr val="accent1"/>
+          </a:lnRef>
+          <a:fillRef idx="0">
+            <a:schemeClr val="accent1"/>
+          </a:fillRef>
+          <a:effectRef idx="0">
+            <a:schemeClr val="accent1"/>
+          </a:effectRef>
+          <a:fontRef idx="minor">
+            <a:schemeClr val="tx1"/>
+          </a:fontRef>
+        </p:style>
+      </p:cxnSp>
+      <p:sp>
+        <p:nvSpPr>
+          <p:cNvPr id="33" name="TextBox 32"/>
+          <p:cNvSpPr txBox="1"/>
+          <p:nvPr/>
+        </p:nvSpPr>
+        <p:spPr>
+          <a:xfrm>
+            <a:off x="7142106" y="3792400"/>
+            <a:ext cx="436338" cy="646331"/>
+          </a:xfrm>
+          <a:prstGeom prst="rect">
+            <a:avLst/>
+          </a:prstGeom>
+          <a:noFill/>
+        </p:spPr>
+        <p:txBody>
+          <a:bodyPr wrap="none" rtlCol="0">
+            <a:spAutoFit/>
+          </a:bodyPr>
+          <a:lstStyle/>
+          <a:p>
+            <a:r>
+              <a:rPr lang="en-US" sz="3600" dirty="0" smtClean="0">
+                <a:solidFill>
+                  <a:schemeClr val="accent6">
+                    <a:lumMod val="50000"/>
+                  </a:schemeClr>
+                </a:solidFill>
+              </a:rPr>
+              <a:t>B</a:t>
+            </a:r>
+            <a:endParaRPr lang="id-ID" sz="3600" dirty="0">
+              <a:solidFill>
+                <a:schemeClr val="accent6">
+                  <a:lumMod val="50000"/>
+                </a:schemeClr>
+              </a:solidFill>
+            </a:endParaRPr>
+          </a:p>
+        </p:txBody>
+      </p:sp>
+      <p:sp>
+        <p:nvSpPr>
+          <p:cNvPr id="35" name="Line Callout 1 34"/>
+          <p:cNvSpPr/>
+          <p:nvPr/>
+        </p:nvSpPr>
+        <p:spPr>
+          <a:xfrm rot="20999498">
+            <a:off x="7405702" y="2180258"/>
+            <a:ext cx="1430910" cy="648072"/>
+          </a:xfrm>
+          <a:prstGeom prst="borderCallout1">
+            <a:avLst>
+              <a:gd name="adj1" fmla="val 46372"/>
+              <a:gd name="adj2" fmla="val 6123"/>
+              <a:gd name="adj3" fmla="val 102576"/>
+              <a:gd name="adj4" fmla="val -55117"/>
+            </a:avLst>
+          </a:prstGeom>
+        </p:spPr>
+        <p:style>
+          <a:lnRef idx="2">
+            <a:schemeClr val="accent1">
+              <a:shade val="50000"/>
+            </a:schemeClr>
+          </a:lnRef>
+          <a:fillRef idx="1">
+            <a:schemeClr val="accent1"/>
+          </a:fillRef>
+          <a:effectRef idx="0">
+            <a:schemeClr val="accent1"/>
+          </a:effectRef>
+          <a:fontRef idx="minor">
+            <a:schemeClr val="lt1"/>
+          </a:fontRef>
+        </p:style>
+        <p:txBody>
+          <a:bodyPr rtlCol="0" anchor="ctr"/>
+          <a:lstStyle/>
+          <a:p>
+            <a:pPr algn="ctr"/>
+            <a:r>
+              <a:rPr lang="id-ID" dirty="0" smtClean="0"/>
+              <a:t>Grafik diisi oleh </a:t>
+            </a:r>
+            <a:r>
+              <a:rPr lang="en-US" dirty="0"/>
+              <a:t>B</a:t>
+            </a:r>
+            <a:endParaRPr lang="id-ID" dirty="0"/>
+          </a:p>
+        </p:txBody>
+      </p:sp>
+      <p:sp>
+        <p:nvSpPr>
+          <p:cNvPr id="36" name="Rectangle 35"/>
+          <p:cNvSpPr/>
+          <p:nvPr/>
+        </p:nvSpPr>
+        <p:spPr>
+          <a:xfrm>
+            <a:off x="107504" y="2204865"/>
+            <a:ext cx="2592288" cy="1296144"/>
           </a:xfrm>
           <a:prstGeom prst="rect">
             <a:avLst/>
@@ -14108,73 +13445,1070 @@
           <a:p>
             <a:pPr algn="ctr"/>
             <a:r>
-              <a:rPr lang="id-ID" sz="2400" dirty="0" smtClean="0"/>
-              <a:t>23% </a:t>
-            </a:r>
-            <a:r>
-              <a:rPr lang="id-ID" sz="2400" dirty="0" smtClean="0"/>
+              <a:rPr lang="en-US" sz="2000" dirty="0">
+                <a:ln w="18415" cmpd="sng">
+                  <a:solidFill>
+                    <a:srgbClr val="FFFFFF"/>
+                  </a:solidFill>
+                  <a:prstDash val="solid"/>
+                </a:ln>
+                <a:solidFill>
+                  <a:srgbClr val="FFFFFF"/>
+                </a:solidFill>
+                <a:effectLst>
+                  <a:outerShdw blurRad="63500" dir="3600000" algn="tl" rotWithShape="0">
+                    <a:srgbClr val="000000">
+                      <a:alpha val="70000"/>
+                    </a:srgbClr>
+                  </a:outerShdw>
+                </a:effectLst>
+              </a:rPr>
+              <a:t>B</a:t>
+            </a:r>
+            <a:r>
+              <a:rPr lang="id-ID" sz="2000" smtClean="0">
+                <a:ln w="18415" cmpd="sng">
+                  <a:solidFill>
+                    <a:srgbClr val="FFFFFF"/>
+                  </a:solidFill>
+                  <a:prstDash val="solid"/>
+                </a:ln>
+                <a:solidFill>
+                  <a:srgbClr val="FFFFFF"/>
+                </a:solidFill>
+                <a:effectLst>
+                  <a:outerShdw blurRad="63500" dir="3600000" algn="tl" rotWithShape="0">
+                    <a:srgbClr val="000000">
+                      <a:alpha val="70000"/>
+                    </a:srgbClr>
+                  </a:outerShdw>
+                </a:effectLst>
+              </a:rPr>
+              <a:t> </a:t>
+            </a:r>
+            <a:r>
+              <a:rPr lang="id-ID" sz="2000" dirty="0" smtClean="0">
+                <a:ln w="18415" cmpd="sng">
+                  <a:solidFill>
+                    <a:srgbClr val="FFFFFF"/>
+                  </a:solidFill>
+                  <a:prstDash val="solid"/>
+                </a:ln>
+                <a:solidFill>
+                  <a:srgbClr val="FFFFFF"/>
+                </a:solidFill>
+                <a:effectLst>
+                  <a:outerShdw blurRad="63500" dir="3600000" algn="tl" rotWithShape="0">
+                    <a:srgbClr val="000000">
+                      <a:alpha val="70000"/>
+                    </a:srgbClr>
+                  </a:outerShdw>
+                </a:effectLst>
+              </a:rPr>
               <a:t>= </a:t>
             </a:r>
-            <a:r>
-              <a:rPr lang="id-ID" sz="2400" dirty="0" smtClean="0"/>
-              <a:t> 231/1032</a:t>
-            </a:r>
-            <a:endParaRPr lang="id-ID" sz="2400" dirty="0" smtClean="0"/>
+            <a:endParaRPr lang="en-US" sz="2000" dirty="0" smtClean="0">
+              <a:ln w="18415" cmpd="sng">
+                <a:solidFill>
+                  <a:srgbClr val="FFFFFF"/>
+                </a:solidFill>
+                <a:prstDash val="solid"/>
+              </a:ln>
+              <a:solidFill>
+                <a:srgbClr val="FFFFFF"/>
+              </a:solidFill>
+              <a:effectLst>
+                <a:outerShdw blurRad="63500" dir="3600000" algn="tl" rotWithShape="0">
+                  <a:srgbClr val="000000">
+                    <a:alpha val="70000"/>
+                  </a:srgbClr>
+                </a:outerShdw>
+              </a:effectLst>
+            </a:endParaRPr>
           </a:p>
           <a:p>
             <a:pPr algn="ctr"/>
             <a:r>
-              <a:rPr lang="id-ID" sz="2400" dirty="0" smtClean="0"/>
-              <a:t>12% </a:t>
-            </a:r>
-            <a:r>
-              <a:rPr lang="id-ID" sz="2400" dirty="0" smtClean="0"/>
+              <a:rPr lang="id-ID" sz="2000" dirty="0" smtClean="0">
+                <a:ln w="18415" cmpd="sng">
+                  <a:solidFill>
+                    <a:srgbClr val="FFFFFF"/>
+                  </a:solidFill>
+                  <a:prstDash val="solid"/>
+                </a:ln>
+                <a:solidFill>
+                  <a:srgbClr val="FFFFFF"/>
+                </a:solidFill>
+                <a:effectLst>
+                  <a:outerShdw blurRad="63500" dir="3600000" algn="tl" rotWithShape="0">
+                    <a:srgbClr val="000000">
+                      <a:alpha val="70000"/>
+                    </a:srgbClr>
+                  </a:outerShdw>
+                </a:effectLst>
+              </a:rPr>
+              <a:t>(</a:t>
+            </a:r>
+            <a:r>
+              <a:rPr lang="en-US" sz="2000" dirty="0" smtClean="0">
+                <a:ln w="18415" cmpd="sng">
+                  <a:solidFill>
+                    <a:srgbClr val="FFFFFF"/>
+                  </a:solidFill>
+                  <a:prstDash val="solid"/>
+                </a:ln>
+                <a:solidFill>
+                  <a:srgbClr val="FFFFFF"/>
+                </a:solidFill>
+                <a:effectLst>
+                  <a:outerShdw blurRad="63500" dir="3600000" algn="tl" rotWithShape="0">
+                    <a:srgbClr val="000000">
+                      <a:alpha val="70000"/>
+                    </a:srgbClr>
+                  </a:outerShdw>
+                </a:effectLst>
+              </a:rPr>
+              <a:t>E</a:t>
+            </a:r>
+            <a:r>
+              <a:rPr lang="id-ID" sz="2000" dirty="0" smtClean="0">
+                <a:ln w="18415" cmpd="sng">
+                  <a:solidFill>
+                    <a:srgbClr val="FFFFFF"/>
+                  </a:solidFill>
+                  <a:prstDash val="solid"/>
+                </a:ln>
+                <a:solidFill>
+                  <a:srgbClr val="FFFFFF"/>
+                </a:solidFill>
+                <a:effectLst>
+                  <a:outerShdw blurRad="63500" dir="3600000" algn="tl" rotWithShape="0">
+                    <a:srgbClr val="000000">
+                      <a:alpha val="70000"/>
+                    </a:srgbClr>
+                  </a:outerShdw>
+                </a:effectLst>
+              </a:rPr>
+              <a:t> </a:t>
+            </a:r>
+            <a:r>
+              <a:rPr lang="id-ID" sz="2000" dirty="0" smtClean="0">
+                <a:ln w="18415" cmpd="sng">
+                  <a:solidFill>
+                    <a:srgbClr val="FFFFFF"/>
+                  </a:solidFill>
+                  <a:prstDash val="solid"/>
+                </a:ln>
+                <a:solidFill>
+                  <a:srgbClr val="FFFFFF"/>
+                </a:solidFill>
+                <a:effectLst>
+                  <a:outerShdw blurRad="63500" dir="3600000" algn="tl" rotWithShape="0">
+                    <a:srgbClr val="000000">
+                      <a:alpha val="70000"/>
+                    </a:srgbClr>
+                  </a:outerShdw>
+                </a:effectLst>
+              </a:rPr>
+              <a:t>x Bobot + </a:t>
+            </a:r>
+            <a:r>
+              <a:rPr lang="en-US" sz="2000" dirty="0" smtClean="0">
+                <a:ln w="18415" cmpd="sng">
+                  <a:solidFill>
+                    <a:srgbClr val="FFFFFF"/>
+                  </a:solidFill>
+                  <a:prstDash val="solid"/>
+                </a:ln>
+                <a:solidFill>
+                  <a:srgbClr val="FFFFFF"/>
+                </a:solidFill>
+                <a:effectLst>
+                  <a:outerShdw blurRad="63500" dir="3600000" algn="tl" rotWithShape="0">
+                    <a:srgbClr val="000000">
+                      <a:alpha val="70000"/>
+                    </a:srgbClr>
+                  </a:outerShdw>
+                </a:effectLst>
+              </a:rPr>
+              <a:t>F</a:t>
+            </a:r>
+            <a:r>
+              <a:rPr lang="id-ID" sz="2000" dirty="0" smtClean="0">
+                <a:ln w="18415" cmpd="sng">
+                  <a:solidFill>
+                    <a:srgbClr val="FFFFFF"/>
+                  </a:solidFill>
+                  <a:prstDash val="solid"/>
+                </a:ln>
+                <a:solidFill>
+                  <a:srgbClr val="FFFFFF"/>
+                </a:solidFill>
+                <a:effectLst>
+                  <a:outerShdw blurRad="63500" dir="3600000" algn="tl" rotWithShape="0">
+                    <a:srgbClr val="000000">
+                      <a:alpha val="70000"/>
+                    </a:srgbClr>
+                  </a:outerShdw>
+                </a:effectLst>
+              </a:rPr>
+              <a:t> </a:t>
+            </a:r>
+            <a:r>
+              <a:rPr lang="id-ID" sz="2000" dirty="0" smtClean="0">
+                <a:ln w="18415" cmpd="sng">
+                  <a:solidFill>
+                    <a:srgbClr val="FFFFFF"/>
+                  </a:solidFill>
+                  <a:prstDash val="solid"/>
+                </a:ln>
+                <a:solidFill>
+                  <a:srgbClr val="FFFFFF"/>
+                </a:solidFill>
+                <a:effectLst>
+                  <a:outerShdw blurRad="63500" dir="3600000" algn="tl" rotWithShape="0">
+                    <a:srgbClr val="000000">
+                      <a:alpha val="70000"/>
+                    </a:srgbClr>
+                  </a:outerShdw>
+                </a:effectLst>
+              </a:rPr>
+              <a:t>x Bobot+ </a:t>
+            </a:r>
+            <a:r>
+              <a:rPr lang="en-US" sz="2000" dirty="0" smtClean="0">
+                <a:ln w="18415" cmpd="sng">
+                  <a:solidFill>
+                    <a:srgbClr val="FFFFFF"/>
+                  </a:solidFill>
+                  <a:prstDash val="solid"/>
+                </a:ln>
+                <a:solidFill>
+                  <a:srgbClr val="FFFFFF"/>
+                </a:solidFill>
+                <a:effectLst>
+                  <a:outerShdw blurRad="63500" dir="3600000" algn="tl" rotWithShape="0">
+                    <a:srgbClr val="000000">
+                      <a:alpha val="70000"/>
+                    </a:srgbClr>
+                  </a:outerShdw>
+                </a:effectLst>
+              </a:rPr>
+              <a:t>G</a:t>
+            </a:r>
+            <a:r>
+              <a:rPr lang="id-ID" sz="2000" dirty="0" smtClean="0">
+                <a:ln w="18415" cmpd="sng">
+                  <a:solidFill>
+                    <a:srgbClr val="FFFFFF"/>
+                  </a:solidFill>
+                  <a:prstDash val="solid"/>
+                </a:ln>
+                <a:solidFill>
+                  <a:srgbClr val="FFFFFF"/>
+                </a:solidFill>
+                <a:effectLst>
+                  <a:outerShdw blurRad="63500" dir="3600000" algn="tl" rotWithShape="0">
+                    <a:srgbClr val="000000">
+                      <a:alpha val="70000"/>
+                    </a:srgbClr>
+                  </a:outerShdw>
+                </a:effectLst>
+              </a:rPr>
+              <a:t> </a:t>
+            </a:r>
+            <a:r>
+              <a:rPr lang="id-ID" sz="2000" dirty="0" smtClean="0">
+                <a:ln w="18415" cmpd="sng">
+                  <a:solidFill>
+                    <a:srgbClr val="FFFFFF"/>
+                  </a:solidFill>
+                  <a:prstDash val="solid"/>
+                </a:ln>
+                <a:solidFill>
+                  <a:srgbClr val="FFFFFF"/>
+                </a:solidFill>
+                <a:effectLst>
+                  <a:outerShdw blurRad="63500" dir="3600000" algn="tl" rotWithShape="0">
+                    <a:srgbClr val="000000">
+                      <a:alpha val="70000"/>
+                    </a:srgbClr>
+                  </a:outerShdw>
+                </a:effectLst>
+              </a:rPr>
+              <a:t>x </a:t>
+            </a:r>
+            <a:r>
+              <a:rPr lang="id-ID" sz="2000" dirty="0">
+                <a:ln w="18415" cmpd="sng">
+                  <a:solidFill>
+                    <a:srgbClr val="FFFFFF"/>
+                  </a:solidFill>
+                  <a:prstDash val="solid"/>
+                </a:ln>
+                <a:solidFill>
+                  <a:srgbClr val="FFFFFF"/>
+                </a:solidFill>
+                <a:effectLst>
+                  <a:outerShdw blurRad="63500" dir="3600000" algn="tl" rotWithShape="0">
+                    <a:srgbClr val="000000">
+                      <a:alpha val="70000"/>
+                    </a:srgbClr>
+                  </a:outerShdw>
+                </a:effectLst>
+              </a:rPr>
+              <a:t>Bobot + </a:t>
+            </a:r>
+            <a:r>
+              <a:rPr lang="en-US" sz="2000" dirty="0" smtClean="0">
+                <a:ln w="18415" cmpd="sng">
+                  <a:solidFill>
+                    <a:srgbClr val="FFFFFF"/>
+                  </a:solidFill>
+                  <a:prstDash val="solid"/>
+                </a:ln>
+                <a:solidFill>
+                  <a:srgbClr val="FFFFFF"/>
+                </a:solidFill>
+                <a:effectLst>
+                  <a:outerShdw blurRad="63500" dir="3600000" algn="tl" rotWithShape="0">
+                    <a:srgbClr val="000000">
+                      <a:alpha val="70000"/>
+                    </a:srgbClr>
+                  </a:outerShdw>
+                </a:effectLst>
+              </a:rPr>
+              <a:t>H</a:t>
+            </a:r>
+            <a:r>
+              <a:rPr lang="id-ID" sz="2000" dirty="0" smtClean="0">
+                <a:ln w="18415" cmpd="sng">
+                  <a:solidFill>
+                    <a:srgbClr val="FFFFFF"/>
+                  </a:solidFill>
+                  <a:prstDash val="solid"/>
+                </a:ln>
+                <a:solidFill>
+                  <a:srgbClr val="FFFFFF"/>
+                </a:solidFill>
+                <a:effectLst>
+                  <a:outerShdw blurRad="63500" dir="3600000" algn="tl" rotWithShape="0">
+                    <a:srgbClr val="000000">
+                      <a:alpha val="70000"/>
+                    </a:srgbClr>
+                  </a:outerShdw>
+                </a:effectLst>
+              </a:rPr>
+              <a:t> </a:t>
+            </a:r>
+            <a:r>
+              <a:rPr lang="id-ID" sz="2000" dirty="0">
+                <a:ln w="18415" cmpd="sng">
+                  <a:solidFill>
+                    <a:srgbClr val="FFFFFF"/>
+                  </a:solidFill>
+                  <a:prstDash val="solid"/>
+                </a:ln>
+                <a:solidFill>
+                  <a:srgbClr val="FFFFFF"/>
+                </a:solidFill>
+                <a:effectLst>
+                  <a:outerShdw blurRad="63500" dir="3600000" algn="tl" rotWithShape="0">
+                    <a:srgbClr val="000000">
+                      <a:alpha val="70000"/>
+                    </a:srgbClr>
+                  </a:outerShdw>
+                </a:effectLst>
+              </a:rPr>
+              <a:t>x Bobot)</a:t>
+            </a:r>
+            <a:endParaRPr lang="id-ID" sz="2000" dirty="0">
+              <a:ln w="18415" cmpd="sng">
+                <a:solidFill>
+                  <a:srgbClr val="FFFFFF"/>
+                </a:solidFill>
+                <a:prstDash val="solid"/>
+              </a:ln>
+              <a:solidFill>
+                <a:srgbClr val="FFFFFF"/>
+              </a:solidFill>
+              <a:effectLst>
+                <a:outerShdw blurRad="63500" dir="3600000" algn="tl" rotWithShape="0">
+                  <a:srgbClr val="000000">
+                    <a:alpha val="70000"/>
+                  </a:srgbClr>
+                </a:outerShdw>
+              </a:effectLst>
+            </a:endParaRPr>
+          </a:p>
+        </p:txBody>
+      </p:sp>
+      <p:sp>
+        <p:nvSpPr>
+          <p:cNvPr id="37" name="Rectangle 36"/>
+          <p:cNvSpPr/>
+          <p:nvPr/>
+        </p:nvSpPr>
+        <p:spPr>
+          <a:xfrm>
+            <a:off x="127854" y="3731054"/>
+            <a:ext cx="2571937" cy="906711"/>
+          </a:xfrm>
+          <a:prstGeom prst="rect">
+            <a:avLst/>
+          </a:prstGeom>
+        </p:spPr>
+        <p:style>
+          <a:lnRef idx="2">
+            <a:schemeClr val="accent1">
+              <a:shade val="50000"/>
+            </a:schemeClr>
+          </a:lnRef>
+          <a:fillRef idx="1">
+            <a:schemeClr val="accent1"/>
+          </a:fillRef>
+          <a:effectRef idx="0">
+            <a:schemeClr val="accent1"/>
+          </a:effectRef>
+          <a:fontRef idx="minor">
+            <a:schemeClr val="lt1"/>
+          </a:fontRef>
+        </p:style>
+        <p:txBody>
+          <a:bodyPr rtlCol="0" anchor="ctr"/>
+          <a:lstStyle/>
+          <a:p>
+            <a:pPr algn="ctr"/>
+            <a:r>
+              <a:rPr lang="en-US" sz="2000" dirty="0" smtClean="0">
+                <a:ln w="18415" cmpd="sng">
+                  <a:solidFill>
+                    <a:srgbClr val="FFFFFF"/>
+                  </a:solidFill>
+                  <a:prstDash val="solid"/>
+                </a:ln>
+                <a:solidFill>
+                  <a:srgbClr val="FFFFFF"/>
+                </a:solidFill>
+                <a:effectLst>
+                  <a:outerShdw blurRad="63500" dir="3600000" algn="tl" rotWithShape="0">
+                    <a:srgbClr val="000000">
+                      <a:alpha val="70000"/>
+                    </a:srgbClr>
+                  </a:outerShdw>
+                </a:effectLst>
+              </a:rPr>
+              <a:t>95</a:t>
+            </a:r>
+            <a:r>
+              <a:rPr lang="id-ID" sz="2000" dirty="0" smtClean="0">
+                <a:ln w="18415" cmpd="sng">
+                  <a:solidFill>
+                    <a:srgbClr val="FFFFFF"/>
+                  </a:solidFill>
+                  <a:prstDash val="solid"/>
+                </a:ln>
+                <a:solidFill>
+                  <a:srgbClr val="FFFFFF"/>
+                </a:solidFill>
+                <a:effectLst>
+                  <a:outerShdw blurRad="63500" dir="3600000" algn="tl" rotWithShape="0">
+                    <a:srgbClr val="000000">
+                      <a:alpha val="70000"/>
+                    </a:srgbClr>
+                  </a:outerShdw>
+                </a:effectLst>
+              </a:rPr>
+              <a:t> </a:t>
+            </a:r>
+            <a:r>
+              <a:rPr lang="id-ID" sz="2000" dirty="0" smtClean="0">
+                <a:ln w="18415" cmpd="sng">
+                  <a:solidFill>
+                    <a:srgbClr val="FFFFFF"/>
+                  </a:solidFill>
+                  <a:prstDash val="solid"/>
+                </a:ln>
+                <a:solidFill>
+                  <a:srgbClr val="FFFFFF"/>
+                </a:solidFill>
+                <a:effectLst>
+                  <a:outerShdw blurRad="63500" dir="3600000" algn="tl" rotWithShape="0">
+                    <a:srgbClr val="000000">
+                      <a:alpha val="70000"/>
+                    </a:srgbClr>
+                  </a:outerShdw>
+                </a:effectLst>
+              </a:rPr>
               <a:t>= </a:t>
             </a:r>
-            <a:r>
-              <a:rPr lang="id-ID" sz="2400" dirty="0" smtClean="0"/>
-              <a:t>18/153</a:t>
-            </a:r>
-            <a:endParaRPr lang="id-ID" sz="2400" dirty="0" smtClean="0"/>
+            <a:endParaRPr lang="en-US" sz="2000" dirty="0" smtClean="0">
+              <a:ln w="18415" cmpd="sng">
+                <a:solidFill>
+                  <a:srgbClr val="FFFFFF"/>
+                </a:solidFill>
+                <a:prstDash val="solid"/>
+              </a:ln>
+              <a:solidFill>
+                <a:srgbClr val="FFFFFF"/>
+              </a:solidFill>
+              <a:effectLst>
+                <a:outerShdw blurRad="63500" dir="3600000" algn="tl" rotWithShape="0">
+                  <a:srgbClr val="000000">
+                    <a:alpha val="70000"/>
+                  </a:srgbClr>
+                </a:outerShdw>
+              </a:effectLst>
+            </a:endParaRPr>
           </a:p>
           <a:p>
             <a:pPr algn="ctr"/>
             <a:r>
-              <a:rPr lang="id-ID" sz="2400" dirty="0" smtClean="0"/>
-              <a:t>47% </a:t>
-            </a:r>
-            <a:r>
-              <a:rPr lang="id-ID" sz="2400" dirty="0" smtClean="0"/>
-              <a:t>= </a:t>
-            </a:r>
-            <a:r>
-              <a:rPr lang="id-ID" sz="2400" dirty="0" smtClean="0"/>
-              <a:t>993/1748</a:t>
-            </a:r>
-            <a:endParaRPr lang="id-ID" sz="2400" dirty="0" smtClean="0"/>
-          </a:p>
-          <a:p>
-            <a:pPr algn="ctr"/>
-            <a:r>
-              <a:rPr lang="id-ID" sz="2400" dirty="0" smtClean="0"/>
-              <a:t>56% </a:t>
-            </a:r>
-            <a:r>
-              <a:rPr lang="id-ID" sz="2400" dirty="0"/>
-              <a:t>= </a:t>
-            </a:r>
-            <a:r>
-              <a:rPr lang="id-ID" sz="2400" dirty="0" smtClean="0"/>
-              <a:t>848/1548</a:t>
-            </a:r>
-            <a:endParaRPr lang="id-ID" sz="2400" dirty="0"/>
+              <a:rPr lang="id-ID" sz="2000" dirty="0" smtClean="0">
+                <a:ln w="18415" cmpd="sng">
+                  <a:solidFill>
+                    <a:srgbClr val="FFFFFF"/>
+                  </a:solidFill>
+                  <a:prstDash val="solid"/>
+                </a:ln>
+                <a:solidFill>
+                  <a:srgbClr val="FFFFFF"/>
+                </a:solidFill>
+                <a:effectLst>
+                  <a:outerShdw blurRad="63500" dir="3600000" algn="tl" rotWithShape="0">
+                    <a:srgbClr val="000000">
+                      <a:alpha val="70000"/>
+                    </a:srgbClr>
+                  </a:outerShdw>
+                </a:effectLst>
+              </a:rPr>
+              <a:t>(</a:t>
+            </a:r>
+            <a:r>
+              <a:rPr lang="en-US" sz="2000" dirty="0" smtClean="0">
+                <a:ln w="18415" cmpd="sng">
+                  <a:solidFill>
+                    <a:srgbClr val="FFFFFF"/>
+                  </a:solidFill>
+                  <a:prstDash val="solid"/>
+                </a:ln>
+                <a:solidFill>
+                  <a:srgbClr val="FFFFFF"/>
+                </a:solidFill>
+                <a:effectLst>
+                  <a:outerShdw blurRad="63500" dir="3600000" algn="tl" rotWithShape="0">
+                    <a:srgbClr val="000000">
+                      <a:alpha val="70000"/>
+                    </a:srgbClr>
+                  </a:outerShdw>
+                </a:effectLst>
+              </a:rPr>
+              <a:t>99</a:t>
+            </a:r>
+            <a:r>
+              <a:rPr lang="id-ID" sz="2000" dirty="0" smtClean="0">
+                <a:ln w="18415" cmpd="sng">
+                  <a:solidFill>
+                    <a:srgbClr val="FFFFFF"/>
+                  </a:solidFill>
+                  <a:prstDash val="solid"/>
+                </a:ln>
+                <a:solidFill>
+                  <a:srgbClr val="FFFFFF"/>
+                </a:solidFill>
+                <a:effectLst>
+                  <a:outerShdw blurRad="63500" dir="3600000" algn="tl" rotWithShape="0">
+                    <a:srgbClr val="000000">
+                      <a:alpha val="70000"/>
+                    </a:srgbClr>
+                  </a:outerShdw>
+                </a:effectLst>
+              </a:rPr>
+              <a:t> </a:t>
+            </a:r>
+            <a:r>
+              <a:rPr lang="id-ID" sz="2000" dirty="0" smtClean="0">
+                <a:ln w="18415" cmpd="sng">
+                  <a:solidFill>
+                    <a:srgbClr val="FFFFFF"/>
+                  </a:solidFill>
+                  <a:prstDash val="solid"/>
+                </a:ln>
+                <a:solidFill>
+                  <a:srgbClr val="FFFFFF"/>
+                </a:solidFill>
+                <a:effectLst>
+                  <a:outerShdw blurRad="63500" dir="3600000" algn="tl" rotWithShape="0">
+                    <a:srgbClr val="000000">
+                      <a:alpha val="70000"/>
+                    </a:srgbClr>
+                  </a:outerShdw>
+                </a:effectLst>
+              </a:rPr>
+              <a:t>x </a:t>
+            </a:r>
+            <a:r>
+              <a:rPr lang="en-US" sz="2000" dirty="0" smtClean="0">
+                <a:ln w="18415" cmpd="sng">
+                  <a:solidFill>
+                    <a:srgbClr val="FFFFFF"/>
+                  </a:solidFill>
+                  <a:prstDash val="solid"/>
+                </a:ln>
+                <a:solidFill>
+                  <a:srgbClr val="FFFFFF"/>
+                </a:solidFill>
+                <a:effectLst>
+                  <a:outerShdw blurRad="63500" dir="3600000" algn="tl" rotWithShape="0">
+                    <a:srgbClr val="000000">
+                      <a:alpha val="70000"/>
+                    </a:srgbClr>
+                  </a:outerShdw>
+                </a:effectLst>
+              </a:rPr>
+              <a:t>25</a:t>
+            </a:r>
+            <a:r>
+              <a:rPr lang="id-ID" sz="2000" dirty="0" smtClean="0">
+                <a:ln w="18415" cmpd="sng">
+                  <a:solidFill>
+                    <a:srgbClr val="FFFFFF"/>
+                  </a:solidFill>
+                  <a:prstDash val="solid"/>
+                </a:ln>
+                <a:solidFill>
+                  <a:srgbClr val="FFFFFF"/>
+                </a:solidFill>
+                <a:effectLst>
+                  <a:outerShdw blurRad="63500" dir="3600000" algn="tl" rotWithShape="0">
+                    <a:srgbClr val="000000">
+                      <a:alpha val="70000"/>
+                    </a:srgbClr>
+                  </a:outerShdw>
+                </a:effectLst>
+              </a:rPr>
+              <a:t>% </a:t>
+            </a:r>
+            <a:r>
+              <a:rPr lang="id-ID" sz="2000" dirty="0" smtClean="0">
+                <a:ln w="18415" cmpd="sng">
+                  <a:solidFill>
+                    <a:srgbClr val="FFFFFF"/>
+                  </a:solidFill>
+                  <a:prstDash val="solid"/>
+                </a:ln>
+                <a:solidFill>
+                  <a:srgbClr val="FFFFFF"/>
+                </a:solidFill>
+                <a:effectLst>
+                  <a:outerShdw blurRad="63500" dir="3600000" algn="tl" rotWithShape="0">
+                    <a:srgbClr val="000000">
+                      <a:alpha val="70000"/>
+                    </a:srgbClr>
+                  </a:outerShdw>
+                </a:effectLst>
+              </a:rPr>
+              <a:t>+ </a:t>
+            </a:r>
+            <a:r>
+              <a:rPr lang="en-US" sz="2000" dirty="0" smtClean="0">
+                <a:ln w="18415" cmpd="sng">
+                  <a:solidFill>
+                    <a:srgbClr val="FFFFFF"/>
+                  </a:solidFill>
+                  <a:prstDash val="solid"/>
+                </a:ln>
+                <a:solidFill>
+                  <a:srgbClr val="FFFFFF"/>
+                </a:solidFill>
+                <a:effectLst>
+                  <a:outerShdw blurRad="63500" dir="3600000" algn="tl" rotWithShape="0">
+                    <a:srgbClr val="000000">
+                      <a:alpha val="70000"/>
+                    </a:srgbClr>
+                  </a:outerShdw>
+                </a:effectLst>
+              </a:rPr>
+              <a:t>92</a:t>
+            </a:r>
+            <a:r>
+              <a:rPr lang="id-ID" sz="2000" dirty="0" smtClean="0">
+                <a:ln w="18415" cmpd="sng">
+                  <a:solidFill>
+                    <a:srgbClr val="FFFFFF"/>
+                  </a:solidFill>
+                  <a:prstDash val="solid"/>
+                </a:ln>
+                <a:solidFill>
+                  <a:srgbClr val="FFFFFF"/>
+                </a:solidFill>
+                <a:effectLst>
+                  <a:outerShdw blurRad="63500" dir="3600000" algn="tl" rotWithShape="0">
+                    <a:srgbClr val="000000">
+                      <a:alpha val="70000"/>
+                    </a:srgbClr>
+                  </a:outerShdw>
+                </a:effectLst>
+              </a:rPr>
+              <a:t> </a:t>
+            </a:r>
+            <a:r>
+              <a:rPr lang="id-ID" sz="2000" dirty="0" smtClean="0">
+                <a:ln w="18415" cmpd="sng">
+                  <a:solidFill>
+                    <a:srgbClr val="FFFFFF"/>
+                  </a:solidFill>
+                  <a:prstDash val="solid"/>
+                </a:ln>
+                <a:solidFill>
+                  <a:srgbClr val="FFFFFF"/>
+                </a:solidFill>
+                <a:effectLst>
+                  <a:outerShdw blurRad="63500" dir="3600000" algn="tl" rotWithShape="0">
+                    <a:srgbClr val="000000">
+                      <a:alpha val="70000"/>
+                    </a:srgbClr>
+                  </a:outerShdw>
+                </a:effectLst>
+              </a:rPr>
+              <a:t>x </a:t>
+            </a:r>
+            <a:r>
+              <a:rPr lang="en-US" sz="2000" dirty="0" smtClean="0">
+                <a:ln w="18415" cmpd="sng">
+                  <a:solidFill>
+                    <a:srgbClr val="FFFFFF"/>
+                  </a:solidFill>
+                  <a:prstDash val="solid"/>
+                </a:ln>
+                <a:solidFill>
+                  <a:srgbClr val="FFFFFF"/>
+                </a:solidFill>
+                <a:effectLst>
+                  <a:outerShdw blurRad="63500" dir="3600000" algn="tl" rotWithShape="0">
+                    <a:srgbClr val="000000">
+                      <a:alpha val="70000"/>
+                    </a:srgbClr>
+                  </a:outerShdw>
+                </a:effectLst>
+              </a:rPr>
+              <a:t>20</a:t>
+            </a:r>
+            <a:r>
+              <a:rPr lang="id-ID" sz="2000" dirty="0" smtClean="0">
+                <a:ln w="18415" cmpd="sng">
+                  <a:solidFill>
+                    <a:srgbClr val="FFFFFF"/>
+                  </a:solidFill>
+                  <a:prstDash val="solid"/>
+                </a:ln>
+                <a:solidFill>
+                  <a:srgbClr val="FFFFFF"/>
+                </a:solidFill>
+                <a:effectLst>
+                  <a:outerShdw blurRad="63500" dir="3600000" algn="tl" rotWithShape="0">
+                    <a:srgbClr val="000000">
+                      <a:alpha val="70000"/>
+                    </a:srgbClr>
+                  </a:outerShdw>
+                </a:effectLst>
+              </a:rPr>
+              <a:t>% </a:t>
+            </a:r>
+            <a:r>
+              <a:rPr lang="id-ID" sz="2000" dirty="0" smtClean="0">
+                <a:ln w="18415" cmpd="sng">
+                  <a:solidFill>
+                    <a:srgbClr val="FFFFFF"/>
+                  </a:solidFill>
+                  <a:prstDash val="solid"/>
+                </a:ln>
+                <a:solidFill>
+                  <a:srgbClr val="FFFFFF"/>
+                </a:solidFill>
+                <a:effectLst>
+                  <a:outerShdw blurRad="63500" dir="3600000" algn="tl" rotWithShape="0">
+                    <a:srgbClr val="000000">
+                      <a:alpha val="70000"/>
+                    </a:srgbClr>
+                  </a:outerShdw>
+                </a:effectLst>
+              </a:rPr>
+              <a:t>+ </a:t>
+            </a:r>
+            <a:r>
+              <a:rPr lang="en-US" sz="2000" dirty="0" smtClean="0">
+                <a:ln w="18415" cmpd="sng">
+                  <a:solidFill>
+                    <a:srgbClr val="FFFFFF"/>
+                  </a:solidFill>
+                  <a:prstDash val="solid"/>
+                </a:ln>
+                <a:solidFill>
+                  <a:srgbClr val="FFFFFF"/>
+                </a:solidFill>
+                <a:effectLst>
+                  <a:outerShdw blurRad="63500" dir="3600000" algn="tl" rotWithShape="0">
+                    <a:srgbClr val="000000">
+                      <a:alpha val="70000"/>
+                    </a:srgbClr>
+                  </a:outerShdw>
+                </a:effectLst>
+              </a:rPr>
+              <a:t>93</a:t>
+            </a:r>
+            <a:r>
+              <a:rPr lang="id-ID" sz="2000" dirty="0" smtClean="0">
+                <a:ln w="18415" cmpd="sng">
+                  <a:solidFill>
+                    <a:srgbClr val="FFFFFF"/>
+                  </a:solidFill>
+                  <a:prstDash val="solid"/>
+                </a:ln>
+                <a:solidFill>
+                  <a:srgbClr val="FFFFFF"/>
+                </a:solidFill>
+                <a:effectLst>
+                  <a:outerShdw blurRad="63500" dir="3600000" algn="tl" rotWithShape="0">
+                    <a:srgbClr val="000000">
+                      <a:alpha val="70000"/>
+                    </a:srgbClr>
+                  </a:outerShdw>
+                </a:effectLst>
+              </a:rPr>
+              <a:t> </a:t>
+            </a:r>
+            <a:r>
+              <a:rPr lang="id-ID" sz="2000" dirty="0" smtClean="0">
+                <a:ln w="18415" cmpd="sng">
+                  <a:solidFill>
+                    <a:srgbClr val="FFFFFF"/>
+                  </a:solidFill>
+                  <a:prstDash val="solid"/>
+                </a:ln>
+                <a:solidFill>
+                  <a:srgbClr val="FFFFFF"/>
+                </a:solidFill>
+                <a:effectLst>
+                  <a:outerShdw blurRad="63500" dir="3600000" algn="tl" rotWithShape="0">
+                    <a:srgbClr val="000000">
+                      <a:alpha val="70000"/>
+                    </a:srgbClr>
+                  </a:outerShdw>
+                </a:effectLst>
+              </a:rPr>
+              <a:t>x </a:t>
+            </a:r>
+            <a:r>
+              <a:rPr lang="en-US" sz="2000" dirty="0" smtClean="0">
+                <a:ln w="18415" cmpd="sng">
+                  <a:solidFill>
+                    <a:srgbClr val="FFFFFF"/>
+                  </a:solidFill>
+                  <a:prstDash val="solid"/>
+                </a:ln>
+                <a:solidFill>
+                  <a:srgbClr val="FFFFFF"/>
+                </a:solidFill>
+                <a:effectLst>
+                  <a:outerShdw blurRad="63500" dir="3600000" algn="tl" rotWithShape="0">
+                    <a:srgbClr val="000000">
+                      <a:alpha val="70000"/>
+                    </a:srgbClr>
+                  </a:outerShdw>
+                </a:effectLst>
+              </a:rPr>
+              <a:t>30</a:t>
+            </a:r>
+            <a:r>
+              <a:rPr lang="id-ID" sz="2000" dirty="0" smtClean="0">
+                <a:ln w="18415" cmpd="sng">
+                  <a:solidFill>
+                    <a:srgbClr val="FFFFFF"/>
+                  </a:solidFill>
+                  <a:prstDash val="solid"/>
+                </a:ln>
+                <a:solidFill>
+                  <a:srgbClr val="FFFFFF"/>
+                </a:solidFill>
+                <a:effectLst>
+                  <a:outerShdw blurRad="63500" dir="3600000" algn="tl" rotWithShape="0">
+                    <a:srgbClr val="000000">
+                      <a:alpha val="70000"/>
+                    </a:srgbClr>
+                  </a:outerShdw>
+                </a:effectLst>
+              </a:rPr>
+              <a:t>%</a:t>
+            </a:r>
+            <a:r>
+              <a:rPr lang="en-US" sz="2000" dirty="0" smtClean="0">
+                <a:ln w="18415" cmpd="sng">
+                  <a:solidFill>
+                    <a:srgbClr val="FFFFFF"/>
+                  </a:solidFill>
+                  <a:prstDash val="solid"/>
+                </a:ln>
+                <a:solidFill>
+                  <a:srgbClr val="FFFFFF"/>
+                </a:solidFill>
+                <a:effectLst>
+                  <a:outerShdw blurRad="63500" dir="3600000" algn="tl" rotWithShape="0">
+                    <a:srgbClr val="000000">
+                      <a:alpha val="70000"/>
+                    </a:srgbClr>
+                  </a:outerShdw>
+                </a:effectLst>
+              </a:rPr>
+              <a:t> + 94 x 25% </a:t>
+            </a:r>
+            <a:r>
+              <a:rPr lang="id-ID" sz="2000" dirty="0" smtClean="0">
+                <a:ln w="18415" cmpd="sng">
+                  <a:solidFill>
+                    <a:srgbClr val="FFFFFF"/>
+                  </a:solidFill>
+                  <a:prstDash val="solid"/>
+                </a:ln>
+                <a:solidFill>
+                  <a:srgbClr val="FFFFFF"/>
+                </a:solidFill>
+                <a:effectLst>
+                  <a:outerShdw blurRad="63500" dir="3600000" algn="tl" rotWithShape="0">
+                    <a:srgbClr val="000000">
+                      <a:alpha val="70000"/>
+                    </a:srgbClr>
+                  </a:outerShdw>
+                </a:effectLst>
+              </a:rPr>
+              <a:t>)</a:t>
+            </a:r>
+            <a:endParaRPr lang="id-ID" sz="2000" dirty="0">
+              <a:ln w="18415" cmpd="sng">
+                <a:solidFill>
+                  <a:srgbClr val="FFFFFF"/>
+                </a:solidFill>
+                <a:prstDash val="solid"/>
+              </a:ln>
+              <a:solidFill>
+                <a:srgbClr val="FFFFFF"/>
+              </a:solidFill>
+              <a:effectLst>
+                <a:outerShdw blurRad="63500" dir="3600000" algn="tl" rotWithShape="0">
+                  <a:srgbClr val="000000">
+                    <a:alpha val="70000"/>
+                  </a:srgbClr>
+                </a:outerShdw>
+              </a:effectLst>
+            </a:endParaRPr>
           </a:p>
         </p:txBody>
       </p:sp>
     </p:spTree>
     <p:extLst>
       <p:ext uri="{BB962C8B-B14F-4D97-AF65-F5344CB8AC3E}">
-        <p14:creationId xmlns:p14="http://schemas.microsoft.com/office/powerpoint/2010/main" val="2965281379"/>
+        <p14:creationId xmlns:p14="http://schemas.microsoft.com/office/powerpoint/2010/main" val="1196067924"/>
+      </p:ext>
+    </p:extLst>
+  </p:cSld>
+  <p:clrMapOvr>
+    <a:masterClrMapping/>
+  </p:clrMapOvr>
+  <p:timing>
+    <p:tnLst>
+      <p:par>
+        <p:cTn id="1" dur="indefinite" restart="never" nodeType="tmRoot"/>
+      </p:par>
+    </p:tnLst>
+  </p:timing>
+</p:sld>
+</file>
+
+<file path=ppt/slides/slide8.xml><?xml version="1.0" encoding="utf-8"?>
+<p:sld xmlns:a="http://schemas.openxmlformats.org/drawingml/2006/main" xmlns:r="http://schemas.openxmlformats.org/officeDocument/2006/relationships" xmlns:p="http://schemas.openxmlformats.org/presentationml/2006/main">
+  <p:cSld>
+    <p:spTree>
+      <p:nvGrpSpPr>
+        <p:cNvPr id="1" name=""/>
+        <p:cNvGrpSpPr/>
+        <p:nvPr/>
+      </p:nvGrpSpPr>
+      <p:grpSpPr>
+        <a:xfrm>
+          <a:off x="0" y="0"/>
+          <a:ext cx="0" cy="0"/>
+          <a:chOff x="0" y="0"/>
+          <a:chExt cx="0" cy="0"/>
+        </a:xfrm>
+      </p:grpSpPr>
+      <p:sp>
+        <p:nvSpPr>
+          <p:cNvPr id="2" name="Title 1"/>
+          <p:cNvSpPr>
+            <a:spLocks noGrp="1"/>
+          </p:cNvSpPr>
+          <p:nvPr>
+            <p:ph type="title"/>
+          </p:nvPr>
+        </p:nvSpPr>
+        <p:spPr/>
+        <p:txBody>
+          <a:bodyPr/>
+          <a:lstStyle/>
+          <a:p>
+            <a:r>
+              <a:rPr lang="en-US" dirty="0" smtClean="0"/>
+              <a:t>Level 4 : Monitoring KPPN xxx</a:t>
+            </a:r>
+            <a:endParaRPr lang="en-US" dirty="0"/>
+          </a:p>
+        </p:txBody>
+      </p:sp>
+      <p:pic>
+        <p:nvPicPr>
+          <p:cNvPr id="3074" name="Picture 2" descr="C:\Users\user\AppData\Local\Temp\16-12-2013 10-13-21.png"/>
+          <p:cNvPicPr>
+            <a:picLocks noChangeAspect="1" noChangeArrowheads="1"/>
+          </p:cNvPicPr>
+          <p:nvPr/>
+        </p:nvPicPr>
+        <p:blipFill>
+          <a:blip r:embed="rId2">
+            <a:extLst>
+              <a:ext uri="{28A0092B-C50C-407E-A947-70E740481C1C}">
+                <a14:useLocalDpi xmlns:a14="http://schemas.microsoft.com/office/drawing/2010/main" val="0"/>
+              </a:ext>
+            </a:extLst>
+          </a:blip>
+          <a:srcRect/>
+          <a:stretch>
+            <a:fillRect/>
+          </a:stretch>
+        </p:blipFill>
+        <p:spPr bwMode="auto">
+          <a:xfrm>
+            <a:off x="1691680" y="1340768"/>
+            <a:ext cx="5756218" cy="5177875"/>
+          </a:xfrm>
+          <a:prstGeom prst="rect">
+            <a:avLst/>
+          </a:prstGeom>
+          <a:noFill/>
+          <a:extLst>
+            <a:ext uri="{909E8E84-426E-40DD-AFC4-6F175D3DCCD1}">
+              <a14:hiddenFill xmlns:a14="http://schemas.microsoft.com/office/drawing/2010/main">
+                <a:solidFill>
+                  <a:srgbClr val="FFFFFF"/>
+                </a:solidFill>
+              </a14:hiddenFill>
+            </a:ext>
+          </a:extLst>
+        </p:spPr>
+      </p:pic>
+    </p:spTree>
+    <p:extLst>
+      <p:ext uri="{BB962C8B-B14F-4D97-AF65-F5344CB8AC3E}">
+        <p14:creationId xmlns:p14="http://schemas.microsoft.com/office/powerpoint/2010/main" val="250515367"/>
       </p:ext>
     </p:extLst>
   </p:cSld>
@@ -14224,22 +14558,22 @@
           <a:lstStyle/>
           <a:p>
             <a:r>
-              <a:rPr lang="id-ID" dirty="0" smtClean="0"/>
-              <a:t>Level 2 BA.999</a:t>
-            </a:r>
-            <a:endParaRPr lang="id-ID" dirty="0"/>
+              <a:rPr lang="en-US" dirty="0" smtClean="0"/>
+              <a:t>Level 4 : Monitoring KPPN xxx</a:t>
+            </a:r>
+            <a:endParaRPr lang="en-US" dirty="0"/>
           </a:p>
         </p:txBody>
       </p:sp>
       <p:pic>
         <p:nvPicPr>
-          <p:cNvPr id="4098" name="Picture 2"/>
+          <p:cNvPr id="3074" name="Picture 2" descr="C:\Users\user\AppData\Local\Temp\16-12-2013 10-13-21.png"/>
           <p:cNvPicPr>
             <a:picLocks noChangeAspect="1" noChangeArrowheads="1"/>
           </p:cNvPicPr>
           <p:nvPr/>
         </p:nvPicPr>
-        <p:blipFill rotWithShape="1">
+        <p:blipFill>
           <a:blip r:embed="rId2">
             <a:extLst>
               <a:ext uri="{28A0092B-C50C-407E-A947-70E740481C1C}">
@@ -14247,56 +14581,819 @@
               </a:ext>
             </a:extLst>
           </a:blip>
-          <a:srcRect l="12884" r="10973"/>
-          <a:stretch/>
+          <a:srcRect/>
+          <a:stretch>
+            <a:fillRect/>
+          </a:stretch>
         </p:blipFill>
         <p:spPr bwMode="auto">
           <a:xfrm>
-            <a:off x="2186326" y="1196752"/>
-            <a:ext cx="5049969" cy="5396193"/>
+            <a:off x="2987824" y="1333263"/>
+            <a:ext cx="5756218" cy="5177875"/>
           </a:xfrm>
           <a:prstGeom prst="rect">
             <a:avLst/>
           </a:prstGeom>
           <a:noFill/>
-          <a:ln>
-            <a:noFill/>
-          </a:ln>
-          <a:effectLst/>
           <a:extLst>
             <a:ext uri="{909E8E84-426E-40DD-AFC4-6F175D3DCCD1}">
               <a14:hiddenFill xmlns:a14="http://schemas.microsoft.com/office/drawing/2010/main">
                 <a:solidFill>
-                  <a:schemeClr val="accent1"/>
+                  <a:srgbClr val="FFFFFF"/>
                 </a:solidFill>
               </a14:hiddenFill>
-            </a:ext>
-            <a:ext uri="{91240B29-F687-4F45-9708-019B960494DF}">
-              <a14:hiddenLine xmlns:a14="http://schemas.microsoft.com/office/drawing/2010/main" w="9525">
-                <a:solidFill>
-                  <a:schemeClr val="tx1"/>
-                </a:solidFill>
-                <a:miter lim="800000"/>
-                <a:headEnd/>
-                <a:tailEnd/>
-              </a14:hiddenLine>
-            </a:ext>
-            <a:ext uri="{AF507438-7753-43E0-B8FC-AC1667EBCBE1}">
-              <a14:hiddenEffects xmlns:a14="http://schemas.microsoft.com/office/drawing/2010/main">
-                <a:effectLst>
-                  <a:outerShdw dist="35921" dir="2700000" algn="ctr" rotWithShape="0">
-                    <a:schemeClr val="bg2"/>
-                  </a:outerShdw>
-                </a:effectLst>
-              </a14:hiddenEffects>
             </a:ext>
           </a:extLst>
         </p:spPr>
       </p:pic>
+      <p:sp>
+        <p:nvSpPr>
+          <p:cNvPr id="4" name="Rectangle 3"/>
+          <p:cNvSpPr/>
+          <p:nvPr/>
+        </p:nvSpPr>
+        <p:spPr>
+          <a:xfrm>
+            <a:off x="323528" y="3288084"/>
+            <a:ext cx="2897859" cy="1577570"/>
+          </a:xfrm>
+          <a:prstGeom prst="rect">
+            <a:avLst/>
+          </a:prstGeom>
+        </p:spPr>
+        <p:style>
+          <a:lnRef idx="2">
+            <a:schemeClr val="accent1">
+              <a:shade val="50000"/>
+            </a:schemeClr>
+          </a:lnRef>
+          <a:fillRef idx="1">
+            <a:schemeClr val="accent1"/>
+          </a:fillRef>
+          <a:effectRef idx="0">
+            <a:schemeClr val="accent1"/>
+          </a:effectRef>
+          <a:fontRef idx="minor">
+            <a:schemeClr val="lt1"/>
+          </a:fontRef>
+        </p:style>
+        <p:txBody>
+          <a:bodyPr rtlCol="0" anchor="ctr"/>
+          <a:lstStyle/>
+          <a:p>
+            <a:pPr algn="ctr"/>
+            <a:r>
+              <a:rPr lang="id-ID" sz="2400" dirty="0" smtClean="0"/>
+              <a:t>E% = Sukses/Total</a:t>
+            </a:r>
+          </a:p>
+          <a:p>
+            <a:pPr algn="ctr"/>
+            <a:r>
+              <a:rPr lang="id-ID" sz="2400" dirty="0" smtClean="0"/>
+              <a:t>F% = Sukses/Total</a:t>
+            </a:r>
+          </a:p>
+          <a:p>
+            <a:pPr algn="ctr"/>
+            <a:r>
+              <a:rPr lang="id-ID" sz="2400" dirty="0" smtClean="0"/>
+              <a:t>G% = Sukses/Total</a:t>
+            </a:r>
+          </a:p>
+          <a:p>
+            <a:pPr algn="ctr"/>
+            <a:r>
+              <a:rPr lang="id-ID" sz="2400" dirty="0" smtClean="0"/>
+              <a:t>H% </a:t>
+            </a:r>
+            <a:r>
+              <a:rPr lang="id-ID" sz="2400" dirty="0"/>
+              <a:t>= </a:t>
+            </a:r>
+            <a:r>
+              <a:rPr lang="id-ID" sz="2400" dirty="0" smtClean="0"/>
+              <a:t>Sukses/Total</a:t>
+            </a:r>
+            <a:endParaRPr lang="id-ID" sz="2400" dirty="0"/>
+          </a:p>
+        </p:txBody>
+      </p:sp>
+      <p:sp>
+        <p:nvSpPr>
+          <p:cNvPr id="5" name="Line Callout 1 4"/>
+          <p:cNvSpPr/>
+          <p:nvPr/>
+        </p:nvSpPr>
+        <p:spPr>
+          <a:xfrm rot="20999498">
+            <a:off x="728340" y="2177089"/>
+            <a:ext cx="2088232" cy="648072"/>
+          </a:xfrm>
+          <a:prstGeom prst="borderCallout1">
+            <a:avLst>
+              <a:gd name="adj1" fmla="val 47055"/>
+              <a:gd name="adj2" fmla="val 91044"/>
+              <a:gd name="adj3" fmla="val 91389"/>
+              <a:gd name="adj4" fmla="val 161308"/>
+            </a:avLst>
+          </a:prstGeom>
+        </p:spPr>
+        <p:style>
+          <a:lnRef idx="2">
+            <a:schemeClr val="accent1">
+              <a:shade val="50000"/>
+            </a:schemeClr>
+          </a:lnRef>
+          <a:fillRef idx="1">
+            <a:schemeClr val="accent1"/>
+          </a:fillRef>
+          <a:effectRef idx="0">
+            <a:schemeClr val="accent1"/>
+          </a:effectRef>
+          <a:fontRef idx="minor">
+            <a:schemeClr val="lt1"/>
+          </a:fontRef>
+        </p:style>
+        <p:txBody>
+          <a:bodyPr rtlCol="0" anchor="ctr"/>
+          <a:lstStyle/>
+          <a:p>
+            <a:pPr algn="ctr"/>
+            <a:r>
+              <a:rPr lang="id-ID" dirty="0" smtClean="0"/>
+              <a:t>Grafik diisi oleh </a:t>
+            </a:r>
+          </a:p>
+          <a:p>
+            <a:pPr algn="ctr"/>
+            <a:r>
+              <a:rPr lang="id-ID" dirty="0" smtClean="0"/>
+              <a:t>E, F, G dan H</a:t>
+            </a:r>
+            <a:endParaRPr lang="id-ID" dirty="0"/>
+          </a:p>
+        </p:txBody>
+      </p:sp>
+      <p:sp>
+        <p:nvSpPr>
+          <p:cNvPr id="6" name="Rectangle 5"/>
+          <p:cNvSpPr/>
+          <p:nvPr/>
+        </p:nvSpPr>
+        <p:spPr>
+          <a:xfrm>
+            <a:off x="323528" y="5007573"/>
+            <a:ext cx="2897859" cy="1577570"/>
+          </a:xfrm>
+          <a:prstGeom prst="rect">
+            <a:avLst/>
+          </a:prstGeom>
+        </p:spPr>
+        <p:style>
+          <a:lnRef idx="2">
+            <a:schemeClr val="accent1">
+              <a:shade val="50000"/>
+            </a:schemeClr>
+          </a:lnRef>
+          <a:fillRef idx="1">
+            <a:schemeClr val="accent1"/>
+          </a:fillRef>
+          <a:effectRef idx="0">
+            <a:schemeClr val="accent1"/>
+          </a:effectRef>
+          <a:fontRef idx="minor">
+            <a:schemeClr val="lt1"/>
+          </a:fontRef>
+        </p:style>
+        <p:txBody>
+          <a:bodyPr rtlCol="0" anchor="ctr"/>
+          <a:lstStyle/>
+          <a:p>
+            <a:pPr algn="ctr"/>
+            <a:r>
+              <a:rPr lang="en-US" sz="2400" dirty="0" smtClean="0"/>
+              <a:t>97</a:t>
+            </a:r>
+            <a:r>
+              <a:rPr lang="id-ID" sz="2400" dirty="0" smtClean="0"/>
+              <a:t>% </a:t>
+            </a:r>
+            <a:r>
+              <a:rPr lang="id-ID" sz="2400" dirty="0" smtClean="0"/>
+              <a:t>=  </a:t>
+            </a:r>
+            <a:r>
+              <a:rPr lang="en-US" sz="2400" dirty="0" smtClean="0"/>
+              <a:t>7956</a:t>
+            </a:r>
+            <a:r>
+              <a:rPr lang="id-ID" sz="2400" dirty="0" smtClean="0"/>
+              <a:t>/</a:t>
+            </a:r>
+            <a:r>
+              <a:rPr lang="en-US" sz="2400" dirty="0" smtClean="0"/>
+              <a:t>8236</a:t>
+            </a:r>
+          </a:p>
+          <a:p>
+            <a:pPr algn="ctr"/>
+            <a:r>
+              <a:rPr lang="en-US" sz="2400" dirty="0" smtClean="0"/>
+              <a:t>93</a:t>
+            </a:r>
+            <a:r>
+              <a:rPr lang="id-ID" sz="2400" dirty="0" smtClean="0"/>
+              <a:t>% </a:t>
+            </a:r>
+            <a:r>
+              <a:rPr lang="id-ID" sz="2400" dirty="0" smtClean="0"/>
+              <a:t>= </a:t>
+            </a:r>
+            <a:r>
+              <a:rPr lang="en-US" sz="2400" dirty="0" smtClean="0"/>
+              <a:t>5280</a:t>
+            </a:r>
+            <a:r>
+              <a:rPr lang="id-ID" sz="2400" dirty="0" smtClean="0"/>
+              <a:t>/</a:t>
+            </a:r>
+            <a:r>
+              <a:rPr lang="en-US" sz="2400" dirty="0" smtClean="0"/>
+              <a:t>5703</a:t>
+            </a:r>
+            <a:endParaRPr lang="id-ID" sz="2400" dirty="0" smtClean="0"/>
+          </a:p>
+          <a:p>
+            <a:pPr algn="ctr"/>
+            <a:r>
+              <a:rPr lang="en-US" sz="2400" dirty="0" smtClean="0"/>
+              <a:t>81</a:t>
+            </a:r>
+            <a:r>
+              <a:rPr lang="id-ID" sz="2400" dirty="0" smtClean="0"/>
+              <a:t>% </a:t>
+            </a:r>
+            <a:r>
+              <a:rPr lang="id-ID" sz="2400" dirty="0" smtClean="0"/>
+              <a:t>= </a:t>
+            </a:r>
+            <a:r>
+              <a:rPr lang="en-US" sz="2400" dirty="0" smtClean="0"/>
+              <a:t>3107</a:t>
+            </a:r>
+            <a:r>
+              <a:rPr lang="id-ID" sz="2400" dirty="0" smtClean="0"/>
+              <a:t>/</a:t>
+            </a:r>
+            <a:r>
+              <a:rPr lang="en-US" sz="2400" dirty="0" smtClean="0"/>
+              <a:t>3838</a:t>
+            </a:r>
+            <a:endParaRPr lang="id-ID" sz="2400" dirty="0" smtClean="0"/>
+          </a:p>
+          <a:p>
+            <a:pPr algn="ctr"/>
+            <a:r>
+              <a:rPr lang="en-US" sz="2400" dirty="0" smtClean="0"/>
+              <a:t>95</a:t>
+            </a:r>
+            <a:r>
+              <a:rPr lang="id-ID" sz="2400" dirty="0" smtClean="0"/>
+              <a:t>% </a:t>
+            </a:r>
+            <a:r>
+              <a:rPr lang="id-ID" sz="2400" dirty="0"/>
+              <a:t>= </a:t>
+            </a:r>
+            <a:r>
+              <a:rPr lang="en-US" sz="2400" dirty="0" smtClean="0"/>
+              <a:t>8696</a:t>
+            </a:r>
+            <a:r>
+              <a:rPr lang="id-ID" sz="2400" dirty="0" smtClean="0"/>
+              <a:t>/</a:t>
+            </a:r>
+            <a:r>
+              <a:rPr lang="en-US" sz="2400" dirty="0" smtClean="0"/>
+              <a:t>9199</a:t>
+            </a:r>
+            <a:endParaRPr lang="id-ID" sz="2400" dirty="0"/>
+          </a:p>
+        </p:txBody>
+      </p:sp>
+      <p:sp>
+        <p:nvSpPr>
+          <p:cNvPr id="7" name="Oval 6"/>
+          <p:cNvSpPr/>
+          <p:nvPr/>
+        </p:nvSpPr>
+        <p:spPr>
+          <a:xfrm>
+            <a:off x="4860032" y="5589240"/>
+            <a:ext cx="126509" cy="175571"/>
+          </a:xfrm>
+          <a:prstGeom prst="ellipse">
+            <a:avLst/>
+          </a:prstGeom>
+          <a:noFill/>
+          <a:ln w="28575">
+            <a:solidFill>
+              <a:schemeClr val="tx2">
+                <a:lumMod val="60000"/>
+                <a:lumOff val="40000"/>
+              </a:schemeClr>
+            </a:solidFill>
+          </a:ln>
+        </p:spPr>
+        <p:style>
+          <a:lnRef idx="2">
+            <a:schemeClr val="accent1">
+              <a:shade val="50000"/>
+            </a:schemeClr>
+          </a:lnRef>
+          <a:fillRef idx="1">
+            <a:schemeClr val="accent1"/>
+          </a:fillRef>
+          <a:effectRef idx="0">
+            <a:schemeClr val="accent1"/>
+          </a:effectRef>
+          <a:fontRef idx="minor">
+            <a:schemeClr val="lt1"/>
+          </a:fontRef>
+        </p:style>
+        <p:txBody>
+          <a:bodyPr rtlCol="0" anchor="ctr"/>
+          <a:lstStyle/>
+          <a:p>
+            <a:pPr algn="ctr"/>
+            <a:endParaRPr lang="id-ID"/>
+          </a:p>
+        </p:txBody>
+      </p:sp>
+      <p:sp>
+        <p:nvSpPr>
+          <p:cNvPr id="8" name="Oval 7"/>
+          <p:cNvSpPr/>
+          <p:nvPr/>
+        </p:nvSpPr>
+        <p:spPr>
+          <a:xfrm>
+            <a:off x="6012160" y="5589240"/>
+            <a:ext cx="110291" cy="143929"/>
+          </a:xfrm>
+          <a:prstGeom prst="ellipse">
+            <a:avLst/>
+          </a:prstGeom>
+          <a:noFill/>
+          <a:ln w="28575">
+            <a:solidFill>
+              <a:srgbClr val="FF0000"/>
+            </a:solidFill>
+          </a:ln>
+        </p:spPr>
+        <p:style>
+          <a:lnRef idx="2">
+            <a:schemeClr val="accent1">
+              <a:shade val="50000"/>
+            </a:schemeClr>
+          </a:lnRef>
+          <a:fillRef idx="1">
+            <a:schemeClr val="accent1"/>
+          </a:fillRef>
+          <a:effectRef idx="0">
+            <a:schemeClr val="accent1"/>
+          </a:effectRef>
+          <a:fontRef idx="minor">
+            <a:schemeClr val="lt1"/>
+          </a:fontRef>
+        </p:style>
+        <p:txBody>
+          <a:bodyPr rtlCol="0" anchor="ctr"/>
+          <a:lstStyle/>
+          <a:p>
+            <a:pPr algn="ctr"/>
+            <a:endParaRPr lang="id-ID"/>
+          </a:p>
+        </p:txBody>
+      </p:sp>
+      <p:sp>
+        <p:nvSpPr>
+          <p:cNvPr id="9" name="Oval 8"/>
+          <p:cNvSpPr/>
+          <p:nvPr/>
+        </p:nvSpPr>
+        <p:spPr>
+          <a:xfrm>
+            <a:off x="7102907" y="5571344"/>
+            <a:ext cx="157738" cy="187823"/>
+          </a:xfrm>
+          <a:prstGeom prst="ellipse">
+            <a:avLst/>
+          </a:prstGeom>
+          <a:noFill/>
+          <a:ln w="28575">
+            <a:solidFill>
+              <a:schemeClr val="accent3">
+                <a:lumMod val="75000"/>
+              </a:schemeClr>
+            </a:solidFill>
+          </a:ln>
+        </p:spPr>
+        <p:style>
+          <a:lnRef idx="2">
+            <a:schemeClr val="accent1">
+              <a:shade val="50000"/>
+            </a:schemeClr>
+          </a:lnRef>
+          <a:fillRef idx="1">
+            <a:schemeClr val="accent1"/>
+          </a:fillRef>
+          <a:effectRef idx="0">
+            <a:schemeClr val="accent1"/>
+          </a:effectRef>
+          <a:fontRef idx="minor">
+            <a:schemeClr val="lt1"/>
+          </a:fontRef>
+        </p:style>
+        <p:txBody>
+          <a:bodyPr rtlCol="0" anchor="ctr"/>
+          <a:lstStyle/>
+          <a:p>
+            <a:pPr algn="ctr"/>
+            <a:endParaRPr lang="id-ID"/>
+          </a:p>
+        </p:txBody>
+      </p:sp>
+      <p:cxnSp>
+        <p:nvCxnSpPr>
+          <p:cNvPr id="10" name="Straight Connector 9"/>
+          <p:cNvCxnSpPr>
+            <a:stCxn id="7" idx="2"/>
+            <a:endCxn id="11" idx="3"/>
+          </p:cNvCxnSpPr>
+          <p:nvPr/>
+        </p:nvCxnSpPr>
+        <p:spPr>
+          <a:xfrm flipH="1">
+            <a:off x="4657296" y="5677026"/>
+            <a:ext cx="202736" cy="442498"/>
+          </a:xfrm>
+          <a:prstGeom prst="line">
+            <a:avLst/>
+          </a:prstGeom>
+        </p:spPr>
+        <p:style>
+          <a:lnRef idx="1">
+            <a:schemeClr val="accent1"/>
+          </a:lnRef>
+          <a:fillRef idx="0">
+            <a:schemeClr val="accent1"/>
+          </a:fillRef>
+          <a:effectRef idx="0">
+            <a:schemeClr val="accent1"/>
+          </a:effectRef>
+          <a:fontRef idx="minor">
+            <a:schemeClr val="tx1"/>
+          </a:fontRef>
+        </p:style>
+      </p:cxnSp>
+      <p:sp>
+        <p:nvSpPr>
+          <p:cNvPr id="11" name="TextBox 10"/>
+          <p:cNvSpPr txBox="1"/>
+          <p:nvPr/>
+        </p:nvSpPr>
+        <p:spPr>
+          <a:xfrm>
+            <a:off x="4246606" y="5796358"/>
+            <a:ext cx="410690" cy="646331"/>
+          </a:xfrm>
+          <a:prstGeom prst="rect">
+            <a:avLst/>
+          </a:prstGeom>
+          <a:noFill/>
+        </p:spPr>
+        <p:txBody>
+          <a:bodyPr wrap="none" rtlCol="0">
+            <a:spAutoFit/>
+          </a:bodyPr>
+          <a:lstStyle/>
+          <a:p>
+            <a:r>
+              <a:rPr lang="id-ID" sz="3600" dirty="0" smtClean="0">
+                <a:solidFill>
+                  <a:schemeClr val="tx2">
+                    <a:lumMod val="60000"/>
+                    <a:lumOff val="40000"/>
+                  </a:schemeClr>
+                </a:solidFill>
+              </a:rPr>
+              <a:t>E</a:t>
+            </a:r>
+            <a:endParaRPr lang="id-ID" sz="3600" dirty="0">
+              <a:solidFill>
+                <a:schemeClr val="tx2">
+                  <a:lumMod val="60000"/>
+                  <a:lumOff val="40000"/>
+                </a:schemeClr>
+              </a:solidFill>
+            </a:endParaRPr>
+          </a:p>
+        </p:txBody>
+      </p:sp>
+      <p:cxnSp>
+        <p:nvCxnSpPr>
+          <p:cNvPr id="12" name="Straight Connector 11"/>
+          <p:cNvCxnSpPr>
+            <a:stCxn id="8" idx="4"/>
+            <a:endCxn id="13" idx="3"/>
+          </p:cNvCxnSpPr>
+          <p:nvPr/>
+        </p:nvCxnSpPr>
+        <p:spPr>
+          <a:xfrm flipH="1">
+            <a:off x="5865933" y="5733169"/>
+            <a:ext cx="201373" cy="498003"/>
+          </a:xfrm>
+          <a:prstGeom prst="line">
+            <a:avLst/>
+          </a:prstGeom>
+          <a:ln>
+            <a:solidFill>
+              <a:srgbClr val="FF0000"/>
+            </a:solidFill>
+          </a:ln>
+        </p:spPr>
+        <p:style>
+          <a:lnRef idx="1">
+            <a:schemeClr val="accent1"/>
+          </a:lnRef>
+          <a:fillRef idx="0">
+            <a:schemeClr val="accent1"/>
+          </a:fillRef>
+          <a:effectRef idx="0">
+            <a:schemeClr val="accent1"/>
+          </a:effectRef>
+          <a:fontRef idx="minor">
+            <a:schemeClr val="tx1"/>
+          </a:fontRef>
+        </p:style>
+      </p:cxnSp>
+      <p:sp>
+        <p:nvSpPr>
+          <p:cNvPr id="13" name="TextBox 12"/>
+          <p:cNvSpPr txBox="1"/>
+          <p:nvPr/>
+        </p:nvSpPr>
+        <p:spPr>
+          <a:xfrm>
+            <a:off x="5455243" y="5908006"/>
+            <a:ext cx="410690" cy="646331"/>
+          </a:xfrm>
+          <a:prstGeom prst="rect">
+            <a:avLst/>
+          </a:prstGeom>
+          <a:noFill/>
+        </p:spPr>
+        <p:txBody>
+          <a:bodyPr wrap="none" rtlCol="0">
+            <a:spAutoFit/>
+          </a:bodyPr>
+          <a:lstStyle/>
+          <a:p>
+            <a:r>
+              <a:rPr lang="id-ID" sz="3600" dirty="0" smtClean="0">
+                <a:solidFill>
+                  <a:srgbClr val="FF0000"/>
+                </a:solidFill>
+              </a:rPr>
+              <a:t>F</a:t>
+            </a:r>
+            <a:endParaRPr lang="id-ID" sz="3600" dirty="0">
+              <a:solidFill>
+                <a:srgbClr val="FF0000"/>
+              </a:solidFill>
+            </a:endParaRPr>
+          </a:p>
+        </p:txBody>
+      </p:sp>
+      <p:cxnSp>
+        <p:nvCxnSpPr>
+          <p:cNvPr id="14" name="Straight Connector 13"/>
+          <p:cNvCxnSpPr>
+            <a:stCxn id="9" idx="2"/>
+            <a:endCxn id="15" idx="0"/>
+          </p:cNvCxnSpPr>
+          <p:nvPr/>
+        </p:nvCxnSpPr>
+        <p:spPr>
+          <a:xfrm flipH="1">
+            <a:off x="6843169" y="5665256"/>
+            <a:ext cx="259738" cy="256705"/>
+          </a:xfrm>
+          <a:prstGeom prst="line">
+            <a:avLst/>
+          </a:prstGeom>
+          <a:ln>
+            <a:solidFill>
+              <a:schemeClr val="accent3">
+                <a:lumMod val="75000"/>
+              </a:schemeClr>
+            </a:solidFill>
+          </a:ln>
+        </p:spPr>
+        <p:style>
+          <a:lnRef idx="1">
+            <a:schemeClr val="accent1"/>
+          </a:lnRef>
+          <a:fillRef idx="0">
+            <a:schemeClr val="accent1"/>
+          </a:fillRef>
+          <a:effectRef idx="0">
+            <a:schemeClr val="accent1"/>
+          </a:effectRef>
+          <a:fontRef idx="minor">
+            <a:schemeClr val="tx1"/>
+          </a:fontRef>
+        </p:style>
+      </p:cxnSp>
+      <p:sp>
+        <p:nvSpPr>
+          <p:cNvPr id="15" name="TextBox 14"/>
+          <p:cNvSpPr txBox="1"/>
+          <p:nvPr/>
+        </p:nvSpPr>
+        <p:spPr>
+          <a:xfrm>
+            <a:off x="6604963" y="5921961"/>
+            <a:ext cx="476412" cy="646331"/>
+          </a:xfrm>
+          <a:prstGeom prst="rect">
+            <a:avLst/>
+          </a:prstGeom>
+          <a:noFill/>
+        </p:spPr>
+        <p:txBody>
+          <a:bodyPr wrap="none" rtlCol="0">
+            <a:spAutoFit/>
+          </a:bodyPr>
+          <a:lstStyle/>
+          <a:p>
+            <a:r>
+              <a:rPr lang="id-ID" sz="3600" dirty="0" smtClean="0">
+                <a:solidFill>
+                  <a:schemeClr val="accent3">
+                    <a:lumMod val="75000"/>
+                  </a:schemeClr>
+                </a:solidFill>
+              </a:rPr>
+              <a:t>G</a:t>
+            </a:r>
+            <a:endParaRPr lang="id-ID" sz="3600" dirty="0">
+              <a:solidFill>
+                <a:schemeClr val="accent3">
+                  <a:lumMod val="75000"/>
+                </a:schemeClr>
+              </a:solidFill>
+            </a:endParaRPr>
+          </a:p>
+        </p:txBody>
+      </p:sp>
+      <p:sp>
+        <p:nvSpPr>
+          <p:cNvPr id="16" name="Oval 15"/>
+          <p:cNvSpPr/>
+          <p:nvPr/>
+        </p:nvSpPr>
+        <p:spPr>
+          <a:xfrm flipV="1">
+            <a:off x="8086670" y="5589240"/>
+            <a:ext cx="157738" cy="169927"/>
+          </a:xfrm>
+          <a:prstGeom prst="ellipse">
+            <a:avLst/>
+          </a:prstGeom>
+          <a:noFill/>
+          <a:ln w="28575">
+            <a:solidFill>
+              <a:schemeClr val="accent4">
+                <a:lumMod val="75000"/>
+              </a:schemeClr>
+            </a:solidFill>
+          </a:ln>
+        </p:spPr>
+        <p:style>
+          <a:lnRef idx="2">
+            <a:schemeClr val="accent1">
+              <a:shade val="50000"/>
+            </a:schemeClr>
+          </a:lnRef>
+          <a:fillRef idx="1">
+            <a:schemeClr val="accent1"/>
+          </a:fillRef>
+          <a:effectRef idx="0">
+            <a:schemeClr val="accent1"/>
+          </a:effectRef>
+          <a:fontRef idx="minor">
+            <a:schemeClr val="lt1"/>
+          </a:fontRef>
+        </p:style>
+        <p:txBody>
+          <a:bodyPr rtlCol="0" anchor="ctr"/>
+          <a:lstStyle/>
+          <a:p>
+            <a:pPr algn="ctr"/>
+            <a:endParaRPr lang="id-ID"/>
+          </a:p>
+        </p:txBody>
+      </p:sp>
+      <p:cxnSp>
+        <p:nvCxnSpPr>
+          <p:cNvPr id="17" name="Straight Connector 16"/>
+          <p:cNvCxnSpPr>
+            <a:stCxn id="16" idx="0"/>
+            <a:endCxn id="18" idx="3"/>
+          </p:cNvCxnSpPr>
+          <p:nvPr/>
+        </p:nvCxnSpPr>
+        <p:spPr>
+          <a:xfrm flipH="1">
+            <a:off x="8021130" y="5759167"/>
+            <a:ext cx="144409" cy="502811"/>
+          </a:xfrm>
+          <a:prstGeom prst="line">
+            <a:avLst/>
+          </a:prstGeom>
+          <a:ln>
+            <a:solidFill>
+              <a:schemeClr val="accent4">
+                <a:lumMod val="75000"/>
+              </a:schemeClr>
+            </a:solidFill>
+          </a:ln>
+        </p:spPr>
+        <p:style>
+          <a:lnRef idx="1">
+            <a:schemeClr val="accent1"/>
+          </a:lnRef>
+          <a:fillRef idx="0">
+            <a:schemeClr val="accent1"/>
+          </a:fillRef>
+          <a:effectRef idx="0">
+            <a:schemeClr val="accent1"/>
+          </a:effectRef>
+          <a:fontRef idx="minor">
+            <a:schemeClr val="tx1"/>
+          </a:fontRef>
+        </p:style>
+      </p:cxnSp>
+      <p:sp>
+        <p:nvSpPr>
+          <p:cNvPr id="18" name="TextBox 17"/>
+          <p:cNvSpPr txBox="1"/>
+          <p:nvPr/>
+        </p:nvSpPr>
+        <p:spPr>
+          <a:xfrm>
+            <a:off x="7544718" y="5938812"/>
+            <a:ext cx="476412" cy="646331"/>
+          </a:xfrm>
+          <a:prstGeom prst="rect">
+            <a:avLst/>
+          </a:prstGeom>
+          <a:noFill/>
+        </p:spPr>
+        <p:txBody>
+          <a:bodyPr wrap="none" rtlCol="0">
+            <a:spAutoFit/>
+          </a:bodyPr>
+          <a:lstStyle/>
+          <a:p>
+            <a:r>
+              <a:rPr lang="id-ID" sz="3600" dirty="0" smtClean="0">
+                <a:solidFill>
+                  <a:schemeClr val="accent4">
+                    <a:lumMod val="75000"/>
+                  </a:schemeClr>
+                </a:solidFill>
+              </a:rPr>
+              <a:t>H</a:t>
+            </a:r>
+            <a:endParaRPr lang="id-ID" sz="3600" dirty="0">
+              <a:solidFill>
+                <a:schemeClr val="accent4">
+                  <a:lumMod val="75000"/>
+                </a:schemeClr>
+              </a:solidFill>
+            </a:endParaRPr>
+          </a:p>
+        </p:txBody>
+      </p:sp>
     </p:spTree>
     <p:extLst>
       <p:ext uri="{BB962C8B-B14F-4D97-AF65-F5344CB8AC3E}">
-        <p14:creationId xmlns:p14="http://schemas.microsoft.com/office/powerpoint/2010/main" val="197205201"/>
+        <p14:creationId xmlns:p14="http://schemas.microsoft.com/office/powerpoint/2010/main" val="2969979876"/>
       </p:ext>
     </p:extLst>
   </p:cSld>
@@ -14596,4 +15693,289 @@
   <a:objectDefaults/>
   <a:extraClrSchemeLst/>
 </a:theme>
+</file>
+
+<file path=ppt/theme/theme2.xml><?xml version="1.0" encoding="utf-8"?>
+<a:theme xmlns:a="http://schemas.openxmlformats.org/drawingml/2006/main" name="Office Theme">
+  <a:themeElements>
+    <a:clrScheme name="Office">
+      <a:dk1>
+        <a:sysClr val="windowText" lastClr="000000"/>
+      </a:dk1>
+      <a:lt1>
+        <a:sysClr val="window" lastClr="FFFFFF"/>
+      </a:lt1>
+      <a:dk2>
+        <a:srgbClr val="1F497D"/>
+      </a:dk2>
+      <a:lt2>
+        <a:srgbClr val="EEECE1"/>
+      </a:lt2>
+      <a:accent1>
+        <a:srgbClr val="4F81BD"/>
+      </a:accent1>
+      <a:accent2>
+        <a:srgbClr val="C0504D"/>
+      </a:accent2>
+      <a:accent3>
+        <a:srgbClr val="9BBB59"/>
+      </a:accent3>
+      <a:accent4>
+        <a:srgbClr val="8064A2"/>
+      </a:accent4>
+      <a:accent5>
+        <a:srgbClr val="4BACC6"/>
+      </a:accent5>
+      <a:accent6>
+        <a:srgbClr val="F79646"/>
+      </a:accent6>
+      <a:hlink>
+        <a:srgbClr val="0000FF"/>
+      </a:hlink>
+      <a:folHlink>
+        <a:srgbClr val="800080"/>
+      </a:folHlink>
+    </a:clrScheme>
+    <a:fontScheme name="Office">
+      <a:majorFont>
+        <a:latin typeface="Calibri"/>
+        <a:ea typeface=""/>
+        <a:cs typeface=""/>
+        <a:font script="Jpan" typeface="ＭＳ Ｐゴシック"/>
+        <a:font script="Hang" typeface="맑은 고딕"/>
+        <a:font script="Hans" typeface="宋体"/>
+        <a:font script="Hant" typeface="新細明體"/>
+        <a:font script="Arab" typeface="Times New Roman"/>
+        <a:font script="Hebr" typeface="Times New Roman"/>
+        <a:font script="Thai" typeface="Angsana New"/>
+        <a:font script="Ethi" typeface="Nyala"/>
+        <a:font script="Beng" typeface="Vrinda"/>
+        <a:font script="Gujr" typeface="Shruti"/>
+        <a:font script="Khmr" typeface="MoolBoran"/>
+        <a:font script="Knda" typeface="Tunga"/>
+        <a:font script="Guru" typeface="Raavi"/>
+        <a:font script="Cans" typeface="Euphemia"/>
+        <a:font script="Cher" typeface="Plantagenet Cherokee"/>
+        <a:font script="Yiii" typeface="Microsoft Yi Baiti"/>
+        <a:font script="Tibt" typeface="Microsoft Himalaya"/>
+        <a:font script="Thaa" typeface="MV Boli"/>
+        <a:font script="Deva" typeface="Mangal"/>
+        <a:font script="Telu" typeface="Gautami"/>
+        <a:font script="Taml" typeface="Latha"/>
+        <a:font script="Syrc" typeface="Estrangelo Edessa"/>
+        <a:font script="Orya" typeface="Kalinga"/>
+        <a:font script="Mlym" typeface="Kartika"/>
+        <a:font script="Laoo" typeface="DokChampa"/>
+        <a:font script="Sinh" typeface="Iskoola Pota"/>
+        <a:font script="Mong" typeface="Mongolian Baiti"/>
+        <a:font script="Viet" typeface="Times New Roman"/>
+        <a:font script="Uigh" typeface="Microsoft Uighur"/>
+        <a:font script="Geor" typeface="Sylfaen"/>
+      </a:majorFont>
+      <a:minorFont>
+        <a:latin typeface="Calibri"/>
+        <a:ea typeface=""/>
+        <a:cs typeface=""/>
+        <a:font script="Jpan" typeface="ＭＳ Ｐゴシック"/>
+        <a:font script="Hang" typeface="맑은 고딕"/>
+        <a:font script="Hans" typeface="宋体"/>
+        <a:font script="Hant" typeface="新細明體"/>
+        <a:font script="Arab" typeface="Arial"/>
+        <a:font script="Hebr" typeface="Arial"/>
+        <a:font script="Thai" typeface="Cordia New"/>
+        <a:font script="Ethi" typeface="Nyala"/>
+        <a:font script="Beng" typeface="Vrinda"/>
+        <a:font script="Gujr" typeface="Shruti"/>
+        <a:font script="Khmr" typeface="DaunPenh"/>
+        <a:font script="Knda" typeface="Tunga"/>
+        <a:font script="Guru" typeface="Raavi"/>
+        <a:font script="Cans" typeface="Euphemia"/>
+        <a:font script="Cher" typeface="Plantagenet Cherokee"/>
+        <a:font script="Yiii" typeface="Microsoft Yi Baiti"/>
+        <a:font script="Tibt" typeface="Microsoft Himalaya"/>
+        <a:font script="Thaa" typeface="MV Boli"/>
+        <a:font script="Deva" typeface="Mangal"/>
+        <a:font script="Telu" typeface="Gautami"/>
+        <a:font script="Taml" typeface="Latha"/>
+        <a:font script="Syrc" typeface="Estrangelo Edessa"/>
+        <a:font script="Orya" typeface="Kalinga"/>
+        <a:font script="Mlym" typeface="Kartika"/>
+        <a:font script="Laoo" typeface="DokChampa"/>
+        <a:font script="Sinh" typeface="Iskoola Pota"/>
+        <a:font script="Mong" typeface="Mongolian Baiti"/>
+        <a:font script="Viet" typeface="Arial"/>
+        <a:font script="Uigh" typeface="Microsoft Uighur"/>
+        <a:font script="Geor" typeface="Sylfaen"/>
+      </a:minorFont>
+    </a:fontScheme>
+    <a:fmtScheme name="Office">
+      <a:fillStyleLst>
+        <a:solidFill>
+          <a:schemeClr val="phClr"/>
+        </a:solidFill>
+        <a:gradFill rotWithShape="1">
+          <a:gsLst>
+            <a:gs pos="0">
+              <a:schemeClr val="phClr">
+                <a:tint val="50000"/>
+                <a:satMod val="300000"/>
+              </a:schemeClr>
+            </a:gs>
+            <a:gs pos="35000">
+              <a:schemeClr val="phClr">
+                <a:tint val="37000"/>
+                <a:satMod val="300000"/>
+              </a:schemeClr>
+            </a:gs>
+            <a:gs pos="100000">
+              <a:schemeClr val="phClr">
+                <a:tint val="15000"/>
+                <a:satMod val="350000"/>
+              </a:schemeClr>
+            </a:gs>
+          </a:gsLst>
+          <a:lin ang="16200000" scaled="1"/>
+        </a:gradFill>
+        <a:gradFill rotWithShape="1">
+          <a:gsLst>
+            <a:gs pos="0">
+              <a:schemeClr val="phClr">
+                <a:shade val="51000"/>
+                <a:satMod val="130000"/>
+              </a:schemeClr>
+            </a:gs>
+            <a:gs pos="80000">
+              <a:schemeClr val="phClr">
+                <a:shade val="93000"/>
+                <a:satMod val="130000"/>
+              </a:schemeClr>
+            </a:gs>
+            <a:gs pos="100000">
+              <a:schemeClr val="phClr">
+                <a:shade val="94000"/>
+                <a:satMod val="135000"/>
+              </a:schemeClr>
+            </a:gs>
+          </a:gsLst>
+          <a:lin ang="16200000" scaled="0"/>
+        </a:gradFill>
+      </a:fillStyleLst>
+      <a:lnStyleLst>
+        <a:ln w="9525" cap="flat" cmpd="sng" algn="ctr">
+          <a:solidFill>
+            <a:schemeClr val="phClr">
+              <a:shade val="95000"/>
+              <a:satMod val="105000"/>
+            </a:schemeClr>
+          </a:solidFill>
+          <a:prstDash val="solid"/>
+        </a:ln>
+        <a:ln w="25400" cap="flat" cmpd="sng" algn="ctr">
+          <a:solidFill>
+            <a:schemeClr val="phClr"/>
+          </a:solidFill>
+          <a:prstDash val="solid"/>
+        </a:ln>
+        <a:ln w="38100" cap="flat" cmpd="sng" algn="ctr">
+          <a:solidFill>
+            <a:schemeClr val="phClr"/>
+          </a:solidFill>
+          <a:prstDash val="solid"/>
+        </a:ln>
+      </a:lnStyleLst>
+      <a:effectStyleLst>
+        <a:effectStyle>
+          <a:effectLst>
+            <a:outerShdw blurRad="40000" dist="20000" dir="5400000" rotWithShape="0">
+              <a:srgbClr val="000000">
+                <a:alpha val="38000"/>
+              </a:srgbClr>
+            </a:outerShdw>
+          </a:effectLst>
+        </a:effectStyle>
+        <a:effectStyle>
+          <a:effectLst>
+            <a:outerShdw blurRad="40000" dist="23000" dir="5400000" rotWithShape="0">
+              <a:srgbClr val="000000">
+                <a:alpha val="35000"/>
+              </a:srgbClr>
+            </a:outerShdw>
+          </a:effectLst>
+        </a:effectStyle>
+        <a:effectStyle>
+          <a:effectLst>
+            <a:outerShdw blurRad="40000" dist="23000" dir="5400000" rotWithShape="0">
+              <a:srgbClr val="000000">
+                <a:alpha val="35000"/>
+              </a:srgbClr>
+            </a:outerShdw>
+          </a:effectLst>
+          <a:scene3d>
+            <a:camera prst="orthographicFront">
+              <a:rot lat="0" lon="0" rev="0"/>
+            </a:camera>
+            <a:lightRig rig="threePt" dir="t">
+              <a:rot lat="0" lon="0" rev="1200000"/>
+            </a:lightRig>
+          </a:scene3d>
+          <a:sp3d>
+            <a:bevelT w="63500" h="25400"/>
+          </a:sp3d>
+        </a:effectStyle>
+      </a:effectStyleLst>
+      <a:bgFillStyleLst>
+        <a:solidFill>
+          <a:schemeClr val="phClr"/>
+        </a:solidFill>
+        <a:gradFill rotWithShape="1">
+          <a:gsLst>
+            <a:gs pos="0">
+              <a:schemeClr val="phClr">
+                <a:tint val="40000"/>
+                <a:satMod val="350000"/>
+              </a:schemeClr>
+            </a:gs>
+            <a:gs pos="40000">
+              <a:schemeClr val="phClr">
+                <a:tint val="45000"/>
+                <a:shade val="99000"/>
+                <a:satMod val="350000"/>
+              </a:schemeClr>
+            </a:gs>
+            <a:gs pos="100000">
+              <a:schemeClr val="phClr">
+                <a:shade val="20000"/>
+                <a:satMod val="255000"/>
+              </a:schemeClr>
+            </a:gs>
+          </a:gsLst>
+          <a:path path="circle">
+            <a:fillToRect l="50000" t="-80000" r="50000" b="180000"/>
+          </a:path>
+        </a:gradFill>
+        <a:gradFill rotWithShape="1">
+          <a:gsLst>
+            <a:gs pos="0">
+              <a:schemeClr val="phClr">
+                <a:tint val="80000"/>
+                <a:satMod val="300000"/>
+              </a:schemeClr>
+            </a:gs>
+            <a:gs pos="100000">
+              <a:schemeClr val="phClr">
+                <a:shade val="30000"/>
+                <a:satMod val="200000"/>
+              </a:schemeClr>
+            </a:gs>
+          </a:gsLst>
+          <a:path path="circle">
+            <a:fillToRect l="50000" t="50000" r="50000" b="50000"/>
+          </a:path>
+        </a:gradFill>
+      </a:bgFillStyleLst>
+    </a:fmtScheme>
+  </a:themeElements>
+  <a:objectDefaults/>
+  <a:extraClrSchemeLst/>
+</a:theme>
 </file>